--- a/socket-tutorial/Socket-Flow.pptx
+++ b/socket-tutorial/Socket-Flow.pptx
@@ -3960,6 +3960,170 @@
             <a:solidFill>
               <a:srgbClr val="7030A0"/>
             </a:solidFill>
+            <a:headEnd type="triangle" w="lg" len="lg"/>
+            <a:tailEnd type="none"/>
+          </a:ln>
+        </p:spPr>
+        <p:style>
+          <a:lnRef idx="1">
+            <a:schemeClr val="accent1"/>
+          </a:lnRef>
+          <a:fillRef idx="0">
+            <a:schemeClr val="accent1"/>
+          </a:fillRef>
+          <a:effectRef idx="0">
+            <a:schemeClr val="accent1"/>
+          </a:effectRef>
+          <a:fontRef idx="minor">
+            <a:schemeClr val="tx1"/>
+          </a:fontRef>
+        </p:style>
+      </p:cxnSp>
+      <p:cxnSp>
+        <p:nvCxnSpPr>
+          <p:cNvPr id="27" name="Straight Connector 26">
+            <a:extLst>
+              <a:ext uri="{FF2B5EF4-FFF2-40B4-BE49-F238E27FC236}">
+                <a16:creationId xmlns:a16="http://schemas.microsoft.com/office/drawing/2014/main" id="{19E6BA32-B763-8FC4-29A6-029A7D3CB2F9}"/>
+              </a:ext>
+            </a:extLst>
+          </p:cNvPr>
+          <p:cNvCxnSpPr>
+            <a:cxnSpLocks/>
+          </p:cNvCxnSpPr>
+          <p:nvPr/>
+        </p:nvCxnSpPr>
+        <p:spPr>
+          <a:xfrm flipH="1" flipV="1">
+            <a:off x="2866809" y="2538197"/>
+            <a:ext cx="5153905" cy="543356"/>
+          </a:xfrm>
+          <a:prstGeom prst="line">
+            <a:avLst/>
+          </a:prstGeom>
+          <a:ln w="38100">
+            <a:solidFill>
+              <a:schemeClr val="accent6"/>
+            </a:solidFill>
+            <a:prstDash val="sysDash"/>
+            <a:headEnd type="triangle" w="lg" len="lg"/>
+            <a:tailEnd type="none"/>
+          </a:ln>
+        </p:spPr>
+        <p:style>
+          <a:lnRef idx="1">
+            <a:schemeClr val="accent1"/>
+          </a:lnRef>
+          <a:fillRef idx="0">
+            <a:schemeClr val="accent1"/>
+          </a:fillRef>
+          <a:effectRef idx="0">
+            <a:schemeClr val="accent1"/>
+          </a:effectRef>
+          <a:fontRef idx="minor">
+            <a:schemeClr val="tx1"/>
+          </a:fontRef>
+        </p:style>
+      </p:cxnSp>
+      <p:cxnSp>
+        <p:nvCxnSpPr>
+          <p:cNvPr id="29" name="Straight Connector 28">
+            <a:extLst>
+              <a:ext uri="{FF2B5EF4-FFF2-40B4-BE49-F238E27FC236}">
+                <a16:creationId xmlns:a16="http://schemas.microsoft.com/office/drawing/2014/main" id="{5D39E704-2683-DC0F-22C3-17DFAA108581}"/>
+              </a:ext>
+            </a:extLst>
+          </p:cNvPr>
+          <p:cNvCxnSpPr/>
+          <p:nvPr/>
+        </p:nvCxnSpPr>
+        <p:spPr>
+          <a:xfrm flipH="1">
+            <a:off x="9920487" y="5533638"/>
+            <a:ext cx="760287" cy="0"/>
+          </a:xfrm>
+          <a:prstGeom prst="line">
+            <a:avLst/>
+          </a:prstGeom>
+          <a:ln w="38100"/>
+        </p:spPr>
+        <p:style>
+          <a:lnRef idx="1">
+            <a:schemeClr val="accent1"/>
+          </a:lnRef>
+          <a:fillRef idx="0">
+            <a:schemeClr val="accent1"/>
+          </a:fillRef>
+          <a:effectRef idx="0">
+            <a:schemeClr val="accent1"/>
+          </a:effectRef>
+          <a:fontRef idx="minor">
+            <a:schemeClr val="tx1"/>
+          </a:fontRef>
+        </p:style>
+      </p:cxnSp>
+      <p:cxnSp>
+        <p:nvCxnSpPr>
+          <p:cNvPr id="30" name="Straight Connector 29">
+            <a:extLst>
+              <a:ext uri="{FF2B5EF4-FFF2-40B4-BE49-F238E27FC236}">
+                <a16:creationId xmlns:a16="http://schemas.microsoft.com/office/drawing/2014/main" id="{C0B15A3F-46AB-5657-FF21-35C8EA07F422}"/>
+              </a:ext>
+            </a:extLst>
+          </p:cNvPr>
+          <p:cNvCxnSpPr>
+            <a:cxnSpLocks/>
+          </p:cNvCxnSpPr>
+          <p:nvPr/>
+        </p:nvCxnSpPr>
+        <p:spPr>
+          <a:xfrm>
+            <a:off x="10680774" y="3563332"/>
+            <a:ext cx="0" cy="1970306"/>
+          </a:xfrm>
+          <a:prstGeom prst="line">
+            <a:avLst/>
+          </a:prstGeom>
+          <a:ln w="38100"/>
+        </p:spPr>
+        <p:style>
+          <a:lnRef idx="1">
+            <a:schemeClr val="accent1"/>
+          </a:lnRef>
+          <a:fillRef idx="0">
+            <a:schemeClr val="accent1"/>
+          </a:fillRef>
+          <a:effectRef idx="0">
+            <a:schemeClr val="accent1"/>
+          </a:effectRef>
+          <a:fontRef idx="minor">
+            <a:schemeClr val="tx1"/>
+          </a:fontRef>
+        </p:style>
+      </p:cxnSp>
+      <p:cxnSp>
+        <p:nvCxnSpPr>
+          <p:cNvPr id="32" name="Straight Connector 31">
+            <a:extLst>
+              <a:ext uri="{FF2B5EF4-FFF2-40B4-BE49-F238E27FC236}">
+                <a16:creationId xmlns:a16="http://schemas.microsoft.com/office/drawing/2014/main" id="{87F9508E-04C4-EEE4-58AE-B84AAD038470}"/>
+              </a:ext>
+            </a:extLst>
+          </p:cNvPr>
+          <p:cNvCxnSpPr>
+            <a:cxnSpLocks/>
+          </p:cNvCxnSpPr>
+          <p:nvPr/>
+        </p:nvCxnSpPr>
+        <p:spPr>
+          <a:xfrm>
+            <a:off x="9162854" y="3223967"/>
+            <a:ext cx="1517920" cy="339365"/>
+          </a:xfrm>
+          <a:prstGeom prst="line">
+            <a:avLst/>
+          </a:prstGeom>
+          <a:ln w="38100">
             <a:headEnd type="triangle" w="lg" len="lg"/>
             <a:tailEnd type="none"/>
           </a:ln>

--- a/socket-tutorial/Socket-Flow.pptx
+++ b/socket-tutorial/Socket-Flow.pptx
@@ -6,6 +6,9 @@
   </p:sldMasterIdLst>
   <p:sldIdLst>
     <p:sldId id="256" r:id="rId2"/>
+    <p:sldId id="257" r:id="rId3"/>
+    <p:sldId id="259" r:id="rId4"/>
+    <p:sldId id="258" r:id="rId5"/>
   </p:sldIdLst>
   <p:sldSz cx="12192000" cy="6858000"/>
   <p:notesSz cx="6858000" cy="9144000"/>
@@ -104,7 +107,628 @@
       </a:defRPr>
     </a:lvl9pPr>
   </p:defaultTextStyle>
+  <p:extLst>
+    <p:ext uri="{EFAFB233-063F-42B5-8137-9DF3F51BA10A}">
+      <p15:sldGuideLst xmlns:p15="http://schemas.microsoft.com/office/powerpoint/2012/main"/>
+    </p:ext>
+  </p:extLst>
 </p:presentation>
+</file>
+
+<file path=ppt/ink/ink1.xml><?xml version="1.0" encoding="utf-8"?>
+<inkml:ink xmlns:inkml="http://www.w3.org/2003/InkML">
+  <inkml:definitions>
+    <inkml:context xml:id="ctx0">
+      <inkml:inkSource xml:id="inkSrc0">
+        <inkml:traceFormat>
+          <inkml:channel name="X" type="integer" min="-2.14748E9" max="2.14748E9" units="cm"/>
+          <inkml:channel name="Y" type="integer" min="-2.14748E9" max="2.14748E9" units="cm"/>
+          <inkml:channel name="F" type="integer" max="32767" units="dev"/>
+        </inkml:traceFormat>
+        <inkml:channelProperties>
+          <inkml:channelProperty channel="X" name="resolution" value="1000" units="1/cm"/>
+          <inkml:channelProperty channel="Y" name="resolution" value="1000" units="1/cm"/>
+          <inkml:channelProperty channel="F" name="resolution" value="0" units="1/dev"/>
+        </inkml:channelProperties>
+      </inkml:inkSource>
+      <inkml:timestamp xml:id="ts0" timeString="2024-01-31T17:50:23.484"/>
+    </inkml:context>
+    <inkml:brush xml:id="br0">
+      <inkml:brushProperty name="width" value="0.05" units="cm"/>
+      <inkml:brushProperty name="height" value="0.05" units="cm"/>
+      <inkml:brushProperty name="color" value="#E71224"/>
+    </inkml:brush>
+  </inkml:definitions>
+  <inkml:trace contextRef="#ctx0" brushRef="#br0">75 132 24575,'0'9'0,"0"2"0,0-5 0,0-6 0,-2-5 0,-2-6 0,-2-2 0,-2 1 0,1-1 0,0 0 0,1 0 0,2 1 0,0 0 0,1 3 0,-1 1 0,0 1 0,-3-6 0,4 7 0,-3-4 0</inkml:trace>
+</inkml:ink>
+</file>
+
+<file path=ppt/ink/ink10.xml><?xml version="1.0" encoding="utf-8"?>
+<inkml:ink xmlns:inkml="http://www.w3.org/2003/InkML">
+  <inkml:definitions>
+    <inkml:context xml:id="ctx0">
+      <inkml:inkSource xml:id="inkSrc0">
+        <inkml:traceFormat>
+          <inkml:channel name="X" type="integer" min="-2.14748E9" max="2.14748E9" units="cm"/>
+          <inkml:channel name="Y" type="integer" min="-2.14748E9" max="2.14748E9" units="cm"/>
+          <inkml:channel name="F" type="integer" max="32767" units="dev"/>
+        </inkml:traceFormat>
+        <inkml:channelProperties>
+          <inkml:channelProperty channel="X" name="resolution" value="1000" units="1/cm"/>
+          <inkml:channelProperty channel="Y" name="resolution" value="1000" units="1/cm"/>
+          <inkml:channelProperty channel="F" name="resolution" value="0" units="1/dev"/>
+        </inkml:channelProperties>
+      </inkml:inkSource>
+      <inkml:timestamp xml:id="ts0" timeString="2024-01-31T19:30:22.447"/>
+    </inkml:context>
+    <inkml:brush xml:id="br0">
+      <inkml:brushProperty name="width" value="0.05" units="cm"/>
+      <inkml:brushProperty name="height" value="0.05" units="cm"/>
+      <inkml:brushProperty name="color" value="#004F8B"/>
+    </inkml:brush>
+  </inkml:definitions>
+  <inkml:trace contextRef="#ctx0" brushRef="#br0">7609 170 24575,'-16'0'0,"-14"0"0,-27 0 0,-26 0 0,-10 0 0,43 0 0,-2 0 0,-44 0 0,43 0 0,-1 0 0,-6 0 0,-1 0 0,-4 0 0,0 0 0,-1 0 0,0 0 0,3 0 0,2 0 0,6 1 0,2 0 0,-29 2 0,15 3 0,11 6 0,-21 6 0,-14 4 0,37-9 0,-1-1 0,-3 2 0,1-1 0,-38 10 0,12-3 0,18-5 0,5-4 0,-6-4 0,-14 0 0,-4-2 0,-1-1 0,15-2 0,15-2 0,3 0 0,-1 0 0,-24 0 0,-8 0 0,1 0 0,7 0 0,9-3 0,1-4 0,-1-7 0,-11-4 0,4 0 0,1 5 0,3 5 0,10 2 0,9 3 0,8 0 0,2 1 0,-2 2 0,-7 0 0,-17 0 0,-7 0 0,-9 0 0,29 0 0,-1 0 0,2 0 0,1 0 0,-46 0 0,15 0 0,20 0 0,3 0 0,-3 0 0,-15 0 0,-6 0 0,29 0 0,-4 0 0,-6 0 0,-2 0 0,2 0 0,2 0 0,3 0 0,4 0 0,-26 0 0,30 0 0,5 0 0,-27-5 0,16-4 0,-6-3 0,-22-5 0,-4-4 0,24 6 0,0-2 0,0 0 0,-23-8 0,4 2 0,18 5 0,7 3 0,-18-3 0,38 10 0,19 2 0,5 0 0,-8-2 0,-14-2 0,-14-1 0,-1 2 0,9 1 0,11 4 0,-4 2 0,-28 2 0,15 0 0,-5 0 0,-11 0 0,-2 0 0,-1 0 0,1 0 0,9 0 0,5 0 0,-21 0 0,31 0 0,24 0 0,11 0 0,4 1 0,-1 0 0,-4 5 0,-4 3 0,-4 4 0,-4 1 0,-3-5 0,12-9 0,-1-10 0,14-6 0,2 2 0,3 5 0,5 8 0,2 6 0,3 3 0,-7-2 0,-1-1 0</inkml:trace>
+</inkml:ink>
+</file>
+
+<file path=ppt/ink/ink11.xml><?xml version="1.0" encoding="utf-8"?>
+<inkml:ink xmlns:inkml="http://www.w3.org/2003/InkML">
+  <inkml:definitions>
+    <inkml:context xml:id="ctx0">
+      <inkml:inkSource xml:id="inkSrc0">
+        <inkml:traceFormat>
+          <inkml:channel name="X" type="integer" min="-2.14748E9" max="2.14748E9" units="cm"/>
+          <inkml:channel name="Y" type="integer" min="-2.14748E9" max="2.14748E9" units="cm"/>
+          <inkml:channel name="F" type="integer" max="32767" units="dev"/>
+        </inkml:traceFormat>
+        <inkml:channelProperties>
+          <inkml:channelProperty channel="X" name="resolution" value="1000" units="1/cm"/>
+          <inkml:channelProperty channel="Y" name="resolution" value="1000" units="1/cm"/>
+          <inkml:channelProperty channel="F" name="resolution" value="0" units="1/dev"/>
+        </inkml:channelProperties>
+      </inkml:inkSource>
+      <inkml:timestamp xml:id="ts0" timeString="2024-01-31T19:30:13.195"/>
+    </inkml:context>
+    <inkml:brush xml:id="br0">
+      <inkml:brushProperty name="width" value="0.05" units="cm"/>
+      <inkml:brushProperty name="height" value="0.05" units="cm"/>
+      <inkml:brushProperty name="color" value="#004F8B"/>
+    </inkml:brush>
+  </inkml:definitions>
+  <inkml:trace contextRef="#ctx0" brushRef="#br0">19 1 24575,'0'24'0,"0"16"0,0 17 0,0 4 0,0-13 0,0-18 0,0-15 0,0-5 0,0-2 0,0 23 0,-2 22 0,-1 18 0,-1 8 0,-1-19 0,2-18 0,1-18 0,4-13 0,2-6 0,2-4 0,2-1 0,0 0 0,-1 0 0,-2 0 0,0 0 0,0 1 0,1 1 0,1-1 0,0 1 0,2 2 0,1 17 0,-4-6 0,1 12 0,-5-17 0,1-4 0,1-3 0,1-5 0,2-8 0,0-7 0,1-7 0,-1-5 0,-4-1 0,-1-7 0,-2-10 0,3-13 0,4-6 0,2 3 0,0 15 0,-2 17 0,-1 11 0,-3 9 0,-1 0 0,0 2 0,-2 1 0,-1 1 0,-2 1 0,0 0 0,-1-2 0,1-2 0,0 0 0,-1 0 0,-1 2 0,-1-1 0,-1-1 0,1 0 0,0 1 0,-1 2 0,-2 3 0,-3 2 0,0 2 0,0 0 0,0-1 0,3 1 0,0 0 0,0 0 0,1 3 0,4-2 0,1 2 0</inkml:trace>
+</inkml:ink>
+</file>
+
+<file path=ppt/ink/ink12.xml><?xml version="1.0" encoding="utf-8"?>
+<inkml:ink xmlns:inkml="http://www.w3.org/2003/InkML">
+  <inkml:definitions>
+    <inkml:context xml:id="ctx0">
+      <inkml:inkSource xml:id="inkSrc0">
+        <inkml:traceFormat>
+          <inkml:channel name="X" type="integer" min="-2.14748E9" max="2.14748E9" units="cm"/>
+          <inkml:channel name="Y" type="integer" min="-2.14748E9" max="2.14748E9" units="cm"/>
+          <inkml:channel name="F" type="integer" max="32767" units="dev"/>
+        </inkml:traceFormat>
+        <inkml:channelProperties>
+          <inkml:channelProperty channel="X" name="resolution" value="1000" units="1/cm"/>
+          <inkml:channelProperty channel="Y" name="resolution" value="1000" units="1/cm"/>
+          <inkml:channelProperty channel="F" name="resolution" value="0" units="1/dev"/>
+        </inkml:channelProperties>
+      </inkml:inkSource>
+      <inkml:timestamp xml:id="ts0" timeString="2024-01-31T19:30:15.180"/>
+    </inkml:context>
+    <inkml:brush xml:id="br0">
+      <inkml:brushProperty name="width" value="0.05" units="cm"/>
+      <inkml:brushProperty name="height" value="0.05" units="cm"/>
+      <inkml:brushProperty name="color" value="#004F8B"/>
+    </inkml:brush>
+  </inkml:definitions>
+  <inkml:trace contextRef="#ctx0" brushRef="#br0">0 317 24575,'15'0'0,"1"0"0,5 0 0,16 0 0,15 0 0,4 0 0,-1 0 0,-2 0 0,15 0 0,19-1 0,7-3 0,-13-3 0,-24 0 0,-20 2 0,-17 4 0,17 1 0,47-8 0,-15 0 0,6-2 0,16-1 0,3-1 0,-2-1 0,-3 1 0,-15 4 0,-6 1 0,23 0 0,-38 5 0,-28 2 0,4-3 0,26-4 0,25-5 0,17 0 0,-14 2 0,-26 6 0,-23 2 0,-13 2 0,8 0 0,18 0 0,17 0 0,5 0 0,-12 0 0,-19 0 0,-15 0 0,6 0 0,23-4 0,-4-1 0,6-1 0,11-3 0,2 0 0,2 0 0,-1 1 0,-7 0 0,-6 2 0,15-1 0,-26 5 0,-9 0 0,9 2 0,33 0 0,-27 0 0,1 0 0,2 0 0,-2 0 0,40 0 0,-36 0 0,-13-1 0,4-3 0,28-6 0,-20 2 0,5 0 0,12-1 0,2 1 0,1 1 0,0 1 0,-5 2 0,-2 2 0,-8 1 0,-1 1 0,41 3 0,-49 1 0,0 1 0,2 1 0,0 1 0,0 1 0,0-1 0,-1-1 0,-2-1 0,32 1 0,-24-4 0,-13-2 0,-8 0 0,-5 0 0,-1 0 0,-6 0 0,-5 0 0,-4-2 0,-8 2 0,-3-2 0</inkml:trace>
+</inkml:ink>
+</file>
+
+<file path=ppt/ink/ink13.xml><?xml version="1.0" encoding="utf-8"?>
+<inkml:ink xmlns:inkml="http://www.w3.org/2003/InkML">
+  <inkml:definitions>
+    <inkml:context xml:id="ctx0">
+      <inkml:inkSource xml:id="inkSrc0">
+        <inkml:traceFormat>
+          <inkml:channel name="X" type="integer" min="-2.14748E9" max="2.14748E9" units="cm"/>
+          <inkml:channel name="Y" type="integer" min="-2.14748E9" max="2.14748E9" units="cm"/>
+          <inkml:channel name="F" type="integer" max="32767" units="dev"/>
+        </inkml:traceFormat>
+        <inkml:channelProperties>
+          <inkml:channelProperty channel="X" name="resolution" value="1000" units="1/cm"/>
+          <inkml:channelProperty channel="Y" name="resolution" value="1000" units="1/cm"/>
+          <inkml:channelProperty channel="F" name="resolution" value="0" units="1/dev"/>
+        </inkml:channelProperties>
+      </inkml:inkSource>
+      <inkml:timestamp xml:id="ts0" timeString="2024-01-31T19:30:16.813"/>
+    </inkml:context>
+    <inkml:brush xml:id="br0">
+      <inkml:brushProperty name="width" value="0.05" units="cm"/>
+      <inkml:brushProperty name="height" value="0.05" units="cm"/>
+      <inkml:brushProperty name="color" value="#004F8B"/>
+    </inkml:brush>
+  </inkml:definitions>
+  <inkml:trace contextRef="#ctx0" brushRef="#br0">0 0 24575,'44'0'0,"-6"0"0,2 0 0,-1 0 0,14 0 0,43 0 0,-32 0 0,4 0 0,7 0 0,-1 0 0,-5 0 0,-4 0 0,25 0 0,-37 0 0,-18 0 0,13 0 0,31 1 0,-25 2 0,2 2 0,1 1 0,0 1 0,36 11 0,-32 0 0,-30-8 0,-16-2 0,-5-3 0,4 0 0,5 1 0,1-2 0,-2 0 0,-7 0 0,-4-1 0,0 0 0,10 0 0,17 3 0,13 5 0,4 2 0,-9-3 0,-12-2 0,-9-5 0,3-1 0,12 2 0,9 1 0,1 2 0,-9 0 0,-19-2 0,-12-2 0,-5-2 0,-3 0 0</inkml:trace>
+</inkml:ink>
+</file>
+
+<file path=ppt/ink/ink14.xml><?xml version="1.0" encoding="utf-8"?>
+<inkml:ink xmlns:inkml="http://www.w3.org/2003/InkML">
+  <inkml:definitions>
+    <inkml:context xml:id="ctx0">
+      <inkml:inkSource xml:id="inkSrc0">
+        <inkml:traceFormat>
+          <inkml:channel name="X" type="integer" min="-2.14748E9" max="2.14748E9" units="cm"/>
+          <inkml:channel name="Y" type="integer" min="-2.14748E9" max="2.14748E9" units="cm"/>
+          <inkml:channel name="F" type="integer" max="32767" units="dev"/>
+        </inkml:traceFormat>
+        <inkml:channelProperties>
+          <inkml:channelProperty channel="X" name="resolution" value="1000" units="1/cm"/>
+          <inkml:channelProperty channel="Y" name="resolution" value="1000" units="1/cm"/>
+          <inkml:channelProperty channel="F" name="resolution" value="0" units="1/dev"/>
+        </inkml:channelProperties>
+      </inkml:inkSource>
+      <inkml:timestamp xml:id="ts0" timeString="2024-01-31T19:30:17.549"/>
+    </inkml:context>
+    <inkml:brush xml:id="br0">
+      <inkml:brushProperty name="width" value="0.05" units="cm"/>
+      <inkml:brushProperty name="height" value="0.05" units="cm"/>
+      <inkml:brushProperty name="color" value="#004F8B"/>
+    </inkml:brush>
+  </inkml:definitions>
+  <inkml:trace contextRef="#ctx0" brushRef="#br0">1 1 24575,'0'11'0,"0"2"0,0 6 0,0 11 0,0 12 0,0 8 0,0-5 0,0-15-1696,0-13 0,0-11 0,0-1 0</inkml:trace>
+</inkml:ink>
+</file>
+
+<file path=ppt/ink/ink15.xml><?xml version="1.0" encoding="utf-8"?>
+<inkml:ink xmlns:inkml="http://www.w3.org/2003/InkML">
+  <inkml:definitions>
+    <inkml:context xml:id="ctx0">
+      <inkml:inkSource xml:id="inkSrc0">
+        <inkml:traceFormat>
+          <inkml:channel name="X" type="integer" min="-2.14748E9" max="2.14748E9" units="cm"/>
+          <inkml:channel name="Y" type="integer" min="-2.14748E9" max="2.14748E9" units="cm"/>
+          <inkml:channel name="F" type="integer" max="32767" units="dev"/>
+        </inkml:traceFormat>
+        <inkml:channelProperties>
+          <inkml:channelProperty channel="X" name="resolution" value="1000" units="1/cm"/>
+          <inkml:channelProperty channel="Y" name="resolution" value="1000" units="1/cm"/>
+          <inkml:channelProperty channel="F" name="resolution" value="0" units="1/dev"/>
+        </inkml:channelProperties>
+      </inkml:inkSource>
+      <inkml:timestamp xml:id="ts0" timeString="2024-01-31T19:30:19.247"/>
+    </inkml:context>
+    <inkml:brush xml:id="br0">
+      <inkml:brushProperty name="width" value="0.05" units="cm"/>
+      <inkml:brushProperty name="height" value="0.05" units="cm"/>
+      <inkml:brushProperty name="color" value="#004F8B"/>
+    </inkml:brush>
+  </inkml:definitions>
+  <inkml:trace contextRef="#ctx0" brushRef="#br0">1 319 24575,'0'9'0,"0"2"0,0-2 0,0 0 0,1 0 0,4 1 0,4 9 0,6 14 0,4 18 0,1 12 0,-4-1 0,-6-12 0,-6-16 0,-4-11 0,0 2 0,0 10 0,0 6 0,0 0 0,0-13 0,1-13 0,5-7 0,11-5 0,14-1 0,10 1 0,0-1 0,-8-2 0,-12-1 0,-9-8 0,-3-20 0,2-17 0,5-17 0,6-3 0,0 9 0,-5 9 0,-8 13 0,-6 11 0,-3 5 0,-2-1 0,-5-6 0,-7-14 0,-12-17 0,-8-9 0,0-1 0,2 10 0,9 19 0,7 14 0,2 6 0,-2 2 0,-6-4 0,-7 1 0,-2 1 0,2 3 0,6 5 0,7 5 0,7 6 0,3 6 0,2 1 0,3 1 0,-1-6 0,2 0 0</inkml:trace>
+</inkml:ink>
+</file>
+
+<file path=ppt/ink/ink16.xml><?xml version="1.0" encoding="utf-8"?>
+<inkml:ink xmlns:inkml="http://www.w3.org/2003/InkML">
+  <inkml:definitions>
+    <inkml:context xml:id="ctx0">
+      <inkml:inkSource xml:id="inkSrc0">
+        <inkml:traceFormat>
+          <inkml:channel name="X" type="integer" min="-2.14748E9" max="2.14748E9" units="cm"/>
+          <inkml:channel name="Y" type="integer" min="-2.14748E9" max="2.14748E9" units="cm"/>
+          <inkml:channel name="F" type="integer" max="32767" units="dev"/>
+        </inkml:traceFormat>
+        <inkml:channelProperties>
+          <inkml:channelProperty channel="X" name="resolution" value="1000" units="1/cm"/>
+          <inkml:channelProperty channel="Y" name="resolution" value="1000" units="1/cm"/>
+          <inkml:channelProperty channel="F" name="resolution" value="0" units="1/dev"/>
+        </inkml:channelProperties>
+      </inkml:inkSource>
+      <inkml:timestamp xml:id="ts0" timeString="2024-01-31T19:30:28.130"/>
+    </inkml:context>
+    <inkml:brush xml:id="br0">
+      <inkml:brushProperty name="width" value="0.05" units="cm"/>
+      <inkml:brushProperty name="height" value="0.05" units="cm"/>
+      <inkml:brushProperty name="color" value="#004F8B"/>
+    </inkml:brush>
+  </inkml:definitions>
+  <inkml:trace contextRef="#ctx0" brushRef="#br0">1 279 24575,'32'-14'0,"7"-7"0,18-12 0,5-4 0,-4 2 0,-15 11 0,-18 13 0,1 2 0,9-3 0,13-6 0,6-2 0,-13 5 0,-11 7 0,-15 4 0,-2 3 0,12 1 0,17-1 0,15-1 0,2-2 0,-13-1 0,-18 2 0,-11 1 0,3 3 0,7 5 0,12 3 0,1 5 0,-8 1 0,-12-2 0,-10-2 0,-6-1 0,-2 1 0,6 17 0,11 21 0,9 23 0,6 11 0,-4-10 0,-8-18 0,-11-21 0,-6-14 0,-5-9 0,0-3 0,0-1 0,0-1 0,0 1 0,0 3 0,1 6 0,3 5 0,1 3 0,1-2 0,-2-5 0,-3-3 0,-1-5 0,0-1 0,0-1 0,3 10 0,5 19 0,4 18 0,5 10 0,0-9 0,-4-18 0,-4-16 0,-5-12 0,-4-9 0,-4-5 0,-1-1 0,-15 0 0,-9 2 0,-14 0 0,-17-1 0,8 1 0,-3 1 0,11 1 0,17 0 0,4 0 0,13 2 0,2 1 0,1 2 0,3 1 0,2 2 0,2 0 0,0 1 0,0-1 0,1 0 0,3 3 0,0-4 0,3 1 0,-3-3 0,1 0 0,2-1 0,-1 0 0,2 1 0,0 2 0,4 3 0,4 1 0,0-1 0,-1-3 0,-4-4 0,-3-1 0,3 0 0,11-1 0,16-3 0,11-3 0,-1-2 0,-11 1 0,-15 0 0,-11 1 0,-3 2 0,0 0 0,11 0 0,11-3 0,4-2 0,-3 0 0,-10 1 0,-9 2 0,-4 1 0,-3-3 0,-4 3 0,1-3 0,-3 4 0,-1 1 0,-2 0 0,-2 1 0,-2 1 0,-2 2 0,2 0 0,1 0 0,-1 0 0,5 0 0,-1 0 0</inkml:trace>
+</inkml:ink>
+</file>
+
+<file path=ppt/ink/ink17.xml><?xml version="1.0" encoding="utf-8"?>
+<inkml:ink xmlns:inkml="http://www.w3.org/2003/InkML">
+  <inkml:definitions>
+    <inkml:context xml:id="ctx0">
+      <inkml:inkSource xml:id="inkSrc0">
+        <inkml:traceFormat>
+          <inkml:channel name="X" type="integer" min="-2.14748E9" max="2.14748E9" units="cm"/>
+          <inkml:channel name="Y" type="integer" min="-2.14748E9" max="2.14748E9" units="cm"/>
+          <inkml:channel name="F" type="integer" max="32767" units="dev"/>
+        </inkml:traceFormat>
+        <inkml:channelProperties>
+          <inkml:channelProperty channel="X" name="resolution" value="1000" units="1/cm"/>
+          <inkml:channelProperty channel="Y" name="resolution" value="1000" units="1/cm"/>
+          <inkml:channelProperty channel="F" name="resolution" value="0" units="1/dev"/>
+        </inkml:channelProperties>
+      </inkml:inkSource>
+      <inkml:timestamp xml:id="ts0" timeString="2024-01-31T19:30:30.431"/>
+    </inkml:context>
+    <inkml:brush xml:id="br0">
+      <inkml:brushProperty name="width" value="0.05" units="cm"/>
+      <inkml:brushProperty name="height" value="0.05" units="cm"/>
+      <inkml:brushProperty name="color" value="#004F8B"/>
+    </inkml:brush>
+  </inkml:definitions>
+  <inkml:trace contextRef="#ctx0" brushRef="#br0">0 0 24575,'0'37'0,"0"-3"0,0 2 0,0-11 0,0-8 0,0 19 0,0 21 0,0 21 0,2 5 0,0-22 0,0-20 0,0-22 0,-2-10 0</inkml:trace>
+</inkml:ink>
+</file>
+
+<file path=ppt/ink/ink18.xml><?xml version="1.0" encoding="utf-8"?>
+<inkml:ink xmlns:inkml="http://www.w3.org/2003/InkML">
+  <inkml:definitions>
+    <inkml:context xml:id="ctx0">
+      <inkml:inkSource xml:id="inkSrc0">
+        <inkml:traceFormat>
+          <inkml:channel name="X" type="integer" min="-2.14748E9" max="2.14748E9" units="cm"/>
+          <inkml:channel name="Y" type="integer" min="-2.14748E9" max="2.14748E9" units="cm"/>
+          <inkml:channel name="F" type="integer" max="32767" units="dev"/>
+        </inkml:traceFormat>
+        <inkml:channelProperties>
+          <inkml:channelProperty channel="X" name="resolution" value="1000" units="1/cm"/>
+          <inkml:channelProperty channel="Y" name="resolution" value="1000" units="1/cm"/>
+          <inkml:channelProperty channel="F" name="resolution" value="0" units="1/dev"/>
+        </inkml:channelProperties>
+      </inkml:inkSource>
+      <inkml:timestamp xml:id="ts0" timeString="2024-01-31T19:30:32.495"/>
+    </inkml:context>
+    <inkml:brush xml:id="br0">
+      <inkml:brushProperty name="width" value="0.05" units="cm"/>
+      <inkml:brushProperty name="height" value="0.05" units="cm"/>
+      <inkml:brushProperty name="color" value="#004F8B"/>
+    </inkml:brush>
+  </inkml:definitions>
+  <inkml:trace contextRef="#ctx0" brushRef="#br0">0 13 24575,'38'0'0,"-18"0"0,21 0 0,-25 0 0,0 0 0,14 0 0,25 0 0,23 0 0,18 0 0,-43 0 0,-3 0 0,17-3 0,-17 0 0,-33-1 0,-10 1 0,1 3 0,-3 0 0,-2 0 0</inkml:trace>
+</inkml:ink>
+</file>
+
+<file path=ppt/ink/ink19.xml><?xml version="1.0" encoding="utf-8"?>
+<inkml:ink xmlns:inkml="http://www.w3.org/2003/InkML">
+  <inkml:definitions>
+    <inkml:context xml:id="ctx0">
+      <inkml:inkSource xml:id="inkSrc0">
+        <inkml:traceFormat>
+          <inkml:channel name="X" type="integer" min="-2.14748E9" max="2.14748E9" units="cm"/>
+          <inkml:channel name="Y" type="integer" min="-2.14748E9" max="2.14748E9" units="cm"/>
+          <inkml:channel name="F" type="integer" max="32767" units="dev"/>
+        </inkml:traceFormat>
+        <inkml:channelProperties>
+          <inkml:channelProperty channel="X" name="resolution" value="1000" units="1/cm"/>
+          <inkml:channelProperty channel="Y" name="resolution" value="1000" units="1/cm"/>
+          <inkml:channelProperty channel="F" name="resolution" value="0" units="1/dev"/>
+        </inkml:channelProperties>
+      </inkml:inkSource>
+      <inkml:timestamp xml:id="ts0" timeString="2024-01-31T19:30:42.346"/>
+    </inkml:context>
+    <inkml:brush xml:id="br0">
+      <inkml:brushProperty name="width" value="0.05" units="cm"/>
+      <inkml:brushProperty name="height" value="0.05" units="cm"/>
+      <inkml:brushProperty name="color" value="#FF0066"/>
+    </inkml:brush>
+  </inkml:definitions>
+  <inkml:trace contextRef="#ctx0" brushRef="#br0">971 0 24575,'-53'0'0,"-11"0"0,-26 0 0,36 0 0,-3 0 0,1 0 0,0 0 0,4 0 0,2 0 0,-29 0 0,32 0 0,15 0 0,0 0 0,-7 0 0,-10 3 0,-4 3 0,12 1 0,12 1 0,12-1 0,9-1 0,3-1 0,2 1 0,1 3 0,0 7 0,2 6 0,0 4 0,1 5 0,3-5 0,0-4 0,1-4 0,2-4 0,0 8 0,0 29 0,-2 28 0,-3 19 0,-4-3 0,0-27 0,-1-25 0,2-19 0,1-12 0,0-4 0,0-1 0,1 0 0,1-1 0,2 1 0,0 0 0,-1 3 0,1 1 0,0-3 0,2-2 0,-1-5 0,1-12 0,6-16 0,-8 12 0,4-7 0</inkml:trace>
+</inkml:ink>
+</file>
+
+<file path=ppt/ink/ink2.xml><?xml version="1.0" encoding="utf-8"?>
+<inkml:ink xmlns:inkml="http://www.w3.org/2003/InkML">
+  <inkml:definitions>
+    <inkml:context xml:id="ctx0">
+      <inkml:inkSource xml:id="inkSrc0">
+        <inkml:traceFormat>
+          <inkml:channel name="X" type="integer" min="-2.14748E9" max="2.14748E9" units="cm"/>
+          <inkml:channel name="Y" type="integer" min="-2.14748E9" max="2.14748E9" units="cm"/>
+          <inkml:channel name="F" type="integer" max="32767" units="dev"/>
+        </inkml:traceFormat>
+        <inkml:channelProperties>
+          <inkml:channelProperty channel="X" name="resolution" value="1000" units="1/cm"/>
+          <inkml:channelProperty channel="Y" name="resolution" value="1000" units="1/cm"/>
+          <inkml:channelProperty channel="F" name="resolution" value="0" units="1/dev"/>
+        </inkml:channelProperties>
+      </inkml:inkSource>
+      <inkml:timestamp xml:id="ts0" timeString="2024-01-31T17:50:36.002"/>
+    </inkml:context>
+    <inkml:brush xml:id="br0">
+      <inkml:brushProperty name="width" value="0.05" units="cm"/>
+      <inkml:brushProperty name="height" value="0.05" units="cm"/>
+      <inkml:brushProperty name="color" value="#E71224"/>
+    </inkml:brush>
+  </inkml:definitions>
+  <inkml:trace contextRef="#ctx0" brushRef="#br0">1494 195 24575,'-9'0'0,"-4"0"0,-3 0 0,-10 0 0,-9 0 0,-23 0 0,-31 0 0,35 2 0,-1 1 0,-1 1 0,1 0 0,-37 9 0,30 0 0,13 6 0,-10 14 0,15-7 0,-4 4 0,-9 5 0,-4 2 0,-3 1 0,0-1 0,5-4 0,4-2 0,-23 14 0,31-13 0,21 4 0,3 20 0,-8 30 0,13-34 0,-1 2 0,1-1 0,2-2 0,-7 33 0,11-27 0,10-22 0,6 1 0,14 31 0,1-12 0,6 6 0,11 22 0,4 5 0,-9-24 0,1 0 0,2-2 0,1-2 0,1-1 0,0-2 0,18 18 0,1-5 0,-3-14 0,2-4 0,2-2 0,1-3 0,2 0 0,1-2 0,2-1 0,1-1 0,3 0 0,2-4 0,0-5 0,1-4 0,-3-6 0,1-4 0,-2-6 0,-1-4 0,-4-4 0,0-3 0,4 0 0,0-4 0,5-2 0,-1-3 0,3-1 0,0-4 0,1-2 0,-1-2 0,-4-3 0,-3-2 0,-4-2 0,-3-1 0,-4-2 0,-1-3 0,-3-4 0,-2-3 0,-2-3 0,-3-2 0,-1-4 0,-2-2 0,-2-5 0,-3-2 0,-5-1 0,-3-2 0,-3 0 0,-3 1 0,-4 4 0,-2 3 0,3-30 0,-8 25 0,-5 1 0,-4-35 0,-1 26 0,-1-4 0,-2-16 0,-2-2 0,-1-1 0,-1 3 0,-1 15 0,0 5 0,-6-26 0,5 44 0,-3 17 0,-16-6 0,-19-18 0,-14-14 0,0 2 0,16 17 0,15 17 0,4 8 0,-17-5 0,-42-22 0,29 15 0,-3-2 0,-5-3 0,2 0 0,7 3 0,4 1 0,-15-13 0,29 20 0,19 13 0,10 7 0,2 4 0,1-1 0,1-2 0,-3-1 0,-13-4 0,-25-8 0,-24-8 0,-20-6 0,0 1 0,19 9 0,23 8 0,22 9 0,11 4 0,2 7 0,-3 6 0,-2 4 0,4 2 0,3-3 0,8-7 0,1-3 0</inkml:trace>
+</inkml:ink>
+</file>
+
+<file path=ppt/ink/ink20.xml><?xml version="1.0" encoding="utf-8"?>
+<inkml:ink xmlns:inkml="http://www.w3.org/2003/InkML">
+  <inkml:definitions>
+    <inkml:context xml:id="ctx0">
+      <inkml:inkSource xml:id="inkSrc0">
+        <inkml:traceFormat>
+          <inkml:channel name="X" type="integer" min="-2.14748E9" max="2.14748E9" units="cm"/>
+          <inkml:channel name="Y" type="integer" min="-2.14748E9" max="2.14748E9" units="cm"/>
+          <inkml:channel name="F" type="integer" max="32767" units="dev"/>
+        </inkml:traceFormat>
+        <inkml:channelProperties>
+          <inkml:channelProperty channel="X" name="resolution" value="1000" units="1/cm"/>
+          <inkml:channelProperty channel="Y" name="resolution" value="1000" units="1/cm"/>
+          <inkml:channelProperty channel="F" name="resolution" value="0" units="1/dev"/>
+        </inkml:channelProperties>
+      </inkml:inkSource>
+      <inkml:timestamp xml:id="ts0" timeString="2024-01-31T19:30:45.028"/>
+    </inkml:context>
+    <inkml:brush xml:id="br0">
+      <inkml:brushProperty name="width" value="0.05" units="cm"/>
+      <inkml:brushProperty name="height" value="0.05" units="cm"/>
+      <inkml:brushProperty name="color" value="#FF0066"/>
+    </inkml:brush>
+  </inkml:definitions>
+  <inkml:trace contextRef="#ctx0" brushRef="#br0">0 13 24575,'25'-4'0,"14"1"0,15 3 0,5 0 0,-8 0 0,-20 0 0,-17 0 0,-6 0 0,-2 0 0,1 0 0,1 0 0,21 0 0,25 0 0,19 0 0,6-1 0,-19-1 0,-22 0 0,-17 1 0,-12 4 0,-6 0 0,-3 3 0,-1 0 0,-5 2 0,-8 3 0,-5 2 0,-7 3 0,0 1 0,1 0 0,1-2 0,0-6 0,2-4 0,0-3 0,0-2 0,4-2 0,0-5 0,2-5 0,4-5 0,2 0 0,0 3 0,2 5 0,-1 4 0,-1 4 0,-1 1 0,-2 0 0,-1 0 0,0 0 0,1 0 0,2 0 0,2 0 0,-1 0 0,0 0 0,0 0 0,-1 0 0,0 1 0,-1 3 0,-1 1 0,2-2 0,4-4 0,8-5 0,0 0 0,4 0 0</inkml:trace>
+</inkml:ink>
+</file>
+
+<file path=ppt/ink/ink21.xml><?xml version="1.0" encoding="utf-8"?>
+<inkml:ink xmlns:inkml="http://www.w3.org/2003/InkML">
+  <inkml:definitions>
+    <inkml:context xml:id="ctx0">
+      <inkml:inkSource xml:id="inkSrc0">
+        <inkml:traceFormat>
+          <inkml:channel name="X" type="integer" min="-2.14748E9" max="2.14748E9" units="cm"/>
+          <inkml:channel name="Y" type="integer" min="-2.14748E9" max="2.14748E9" units="cm"/>
+          <inkml:channel name="F" type="integer" max="32767" units="dev"/>
+        </inkml:traceFormat>
+        <inkml:channelProperties>
+          <inkml:channelProperty channel="X" name="resolution" value="1000" units="1/cm"/>
+          <inkml:channelProperty channel="Y" name="resolution" value="1000" units="1/cm"/>
+          <inkml:channelProperty channel="F" name="resolution" value="0" units="1/dev"/>
+        </inkml:channelProperties>
+      </inkml:inkSource>
+      <inkml:timestamp xml:id="ts0" timeString="2024-01-31T19:30:47.322"/>
+    </inkml:context>
+    <inkml:brush xml:id="br0">
+      <inkml:brushProperty name="width" value="0.05" units="cm"/>
+      <inkml:brushProperty name="height" value="0.05" units="cm"/>
+      <inkml:brushProperty name="color" value="#FF0066"/>
+    </inkml:brush>
+  </inkml:definitions>
+  <inkml:trace contextRef="#ctx0" brushRef="#br0">1 0 24575,'0'19'0,"0"4"0,0 7 0,0 7 0,0 2 0,0 0 0,0-2 0,2-3 0,0-5 0,1-6 0,0-6 0,-2-3 0,1 0 0,-2 0 0,0 0 0,0 0 0,0-1 0,0 1 0,0-1 0,3-1 0,0-6 0,0-4 0,0-8 0,-1-7-1696,1-33 0,-1 27 0,-2-20 0</inkml:trace>
+</inkml:ink>
+</file>
+
+<file path=ppt/ink/ink22.xml><?xml version="1.0" encoding="utf-8"?>
+<inkml:ink xmlns:inkml="http://www.w3.org/2003/InkML">
+  <inkml:definitions>
+    <inkml:context xml:id="ctx0">
+      <inkml:inkSource xml:id="inkSrc0">
+        <inkml:traceFormat>
+          <inkml:channel name="X" type="integer" min="-2.14748E9" max="2.14748E9" units="cm"/>
+          <inkml:channel name="Y" type="integer" min="-2.14748E9" max="2.14748E9" units="cm"/>
+          <inkml:channel name="F" type="integer" max="32767" units="dev"/>
+        </inkml:traceFormat>
+        <inkml:channelProperties>
+          <inkml:channelProperty channel="X" name="resolution" value="1000" units="1/cm"/>
+          <inkml:channelProperty channel="Y" name="resolution" value="1000" units="1/cm"/>
+          <inkml:channelProperty channel="F" name="resolution" value="0" units="1/dev"/>
+        </inkml:channelProperties>
+      </inkml:inkSource>
+      <inkml:timestamp xml:id="ts0" timeString="2024-01-31T19:30:49.982"/>
+    </inkml:context>
+    <inkml:brush xml:id="br0">
+      <inkml:brushProperty name="width" value="0.05" units="cm"/>
+      <inkml:brushProperty name="height" value="0.05" units="cm"/>
+      <inkml:brushProperty name="color" value="#FF0066"/>
+    </inkml:brush>
+  </inkml:definitions>
+  <inkml:trace contextRef="#ctx0" brushRef="#br0">1 159 24575,'27'-2'0,"0"-3"0,-1-1 0,0-3 0,1 1 0,-3 1 0,0 1 0,-6 2 0,-2 2 0,34-7 0,27-7 0,-28 5 0,3-1 0,2 0 0,-2-1 0,20-5 0,-23 7 0,-26 5 0,-18 4 0,-10 4 0,-9 2 0,-6 3 0,-2 2 0,-3 0 0,-3-3 0,-1 2 0,-4 0 0,-3 2 0,-3 4 0,2-2 0,4-1 0,7-2 0,7-3 0,5-2 0,3-1 0,0-2 0,0 2 0,2-1 0,-1 0 0,3-1 0,1-1 0,-1 1 0,2-1 0,-1 0 0,-2 0 0,0 1 0,0 1 0,-1 0 0,0-1 0,0 1 0,1 1 0,3 2 0,2 0 0,2-3 0,7-11 0,-5 5 0,5-6 0</inkml:trace>
+</inkml:ink>
+</file>
+
+<file path=ppt/ink/ink3.xml><?xml version="1.0" encoding="utf-8"?>
+<inkml:ink xmlns:inkml="http://www.w3.org/2003/InkML">
+  <inkml:definitions>
+    <inkml:context xml:id="ctx0">
+      <inkml:inkSource xml:id="inkSrc0">
+        <inkml:traceFormat>
+          <inkml:channel name="X" type="integer" min="-2.14748E9" max="2.14748E9" units="cm"/>
+          <inkml:channel name="Y" type="integer" min="-2.14748E9" max="2.14748E9" units="cm"/>
+          <inkml:channel name="F" type="integer" max="32767" units="dev"/>
+        </inkml:traceFormat>
+        <inkml:channelProperties>
+          <inkml:channelProperty channel="X" name="resolution" value="1000" units="1/cm"/>
+          <inkml:channelProperty channel="Y" name="resolution" value="1000" units="1/cm"/>
+          <inkml:channelProperty channel="F" name="resolution" value="0" units="1/dev"/>
+        </inkml:channelProperties>
+      </inkml:inkSource>
+      <inkml:timestamp xml:id="ts0" timeString="2024-01-31T17:50:43.681"/>
+    </inkml:context>
+    <inkml:brush xml:id="br0">
+      <inkml:brushProperty name="width" value="0.05" units="cm"/>
+      <inkml:brushProperty name="height" value="0.05" units="cm"/>
+      <inkml:brushProperty name="color" value="#004F8B"/>
+    </inkml:brush>
+  </inkml:definitions>
+  <inkml:trace contextRef="#ctx0" brushRef="#br0">1899 158 24575,'-9'0'0,"-7"0"0,0 0 0,-11 0 0,-5 0 0,3 0 0,0 0 0,5 0 0,-6 3 0,-19 9 0,-19 10 0,-5 5 0,6-1 0,19-7 0,17-6 0,4-2 0,-5 1 0,-12 2 0,-8 3 0,-1-1 0,7-3 0,6-2 0,-4-2 0,-17 2 0,-20 4 0,-7 3 0,-5 2 0,14-1 0,14 0 0,16-2 0,14 0 0,-5 7 0,-22 14 0,-18 9 0,-6 4 0,14-9 0,25-14 0,22-11 0,14-7 0,6-2 0,4-1 0,1 2 0,-1 1 0,1 0 0,0 1 0,0 20 0,-2 30 0,-4 34 0,2-37 0,0 0 0,0-4 0,0-3 0,-2 26 0,4-30 0,3-21 0,4-10 0,23 19 0,20 18 0,18 14 0,1 3 0,-17-19 0,-16-16 0,-15-15 0,-9-9 0,-1-5 0,-2 0 0,17 15 0,17 22 0,17 19 0,11 9 0,-31-34 0,2-2 0,38 22 0,-4-14 0,9-3 0,6 1 0,-35-12 0,2 4 0,9 6 0,1 2 0,1 1 0,-2 1 0,-6-5 0,-2-2 0,-10-7 0,-2-4 0,26 9 0,-8-17 0,6-10 0,13-3 0,10-12 0,-2-7 0,-6-12 0,-8-10 0,-3-11 0,-30 19 0,1-3 0,7-6 0,2-2 0,1-4 0,-1-1 0,-3 2 0,-2-1 0,-8 3 0,-4-1 0,14-32 0,-13-1 0,-21 20 0,-4-5 0,-1-13 0,-3-4 0,-1-10 0,-3-2 0,0-2 0,-2 3 0,-2 18 0,0 5 0,0-31 0,0 42 0,0 28 0,-7-3 0,-18-34 0,-1 2 0,-4-9 0,-10-19 0,-2-4 0,12 26 0,-1-1 0,0 2 0,-10-27 0,2 7 0,10 22 0,3 8 0,-7-15 0,14 42 0,7 22 0,-8 7 0,-9 0 0,-7 0 0,-2 0 0,8 0 0,8 0 0,4 0 0,-4 3 0,-6 2 0,-17 5 0,14-4 0,-1 1 0,22-5 0,5-1 0,1 1 0</inkml:trace>
+</inkml:ink>
+</file>
+
+<file path=ppt/ink/ink4.xml><?xml version="1.0" encoding="utf-8"?>
+<inkml:ink xmlns:inkml="http://www.w3.org/2003/InkML">
+  <inkml:definitions>
+    <inkml:context xml:id="ctx0">
+      <inkml:inkSource xml:id="inkSrc0">
+        <inkml:traceFormat>
+          <inkml:channel name="X" type="integer" min="-2.14748E9" max="2.14748E9" units="cm"/>
+          <inkml:channel name="Y" type="integer" min="-2.14748E9" max="2.14748E9" units="cm"/>
+          <inkml:channel name="F" type="integer" max="32767" units="dev"/>
+        </inkml:traceFormat>
+        <inkml:channelProperties>
+          <inkml:channelProperty channel="X" name="resolution" value="1000" units="1/cm"/>
+          <inkml:channelProperty channel="Y" name="resolution" value="1000" units="1/cm"/>
+          <inkml:channelProperty channel="F" name="resolution" value="0" units="1/dev"/>
+        </inkml:channelProperties>
+      </inkml:inkSource>
+      <inkml:timestamp xml:id="ts0" timeString="2024-01-31T17:50:49.217"/>
+    </inkml:context>
+    <inkml:brush xml:id="br0">
+      <inkml:brushProperty name="width" value="0.05" units="cm"/>
+      <inkml:brushProperty name="height" value="0.05" units="cm"/>
+      <inkml:brushProperty name="color" value="#004F8B"/>
+    </inkml:brush>
+  </inkml:definitions>
+  <inkml:trace contextRef="#ctx0" brushRef="#br0">5274 194 24575,'-14'0'0,"-16"0"0,-23 0 0,-42 0 0,5 0 0,35 0 0,0 0 0,2 0 0,4 0 0,-23 0 0,3 0 0,42 0 0,-13 0 0,-32 0 0,13 0 0,-5-1 0,-13-1 0,-1-1 0,-1-1 0,2-1 0,8 0 0,5-1 0,-24-4 0,26 5 0,-3 3 0,16 3 0,-5 1 0,-24 2 0,-7 3 0,-12 2 0,-2 2 0,32-3 0,0 1 0,2 0 0,-20 3 0,6 1 0,23-4 0,5-1 0,-16 2 0,11-5 0,-6-4 0,-14 0 0,-5-1 0,22 0 0,16 0 0,11 0 0,-31 0 0,9-1 0,-5 0 0,-15-1 0,-4 0 0,-8-1 0,1-1 0,11 0 0,6 0 0,16 0 0,4 0 0,-18 0 0,10 2 0,-22 2 0,22-2 0,-5 0 0,-13-2 0,-3-1 0,2-1 0,3 0 0,10-1 0,6 1 0,-20-4 0,34 3 0,23 3 0,9 2 0,2 2 0,2 0 0,0 0 0,-6 0 0,-21 5 0,-18 11 0,-26 11 0,-11 9 0,7 0 0,13-6 0,23-9 0,20-7 0,14-3 0,4 17 0,-8 35 0,2-12 0,-2 4 0,-2 10 0,-2 2 0,0-1 0,1-1 0,3-11 0,1-4 0,-2 17 0,8-26 0,6-18 0,2 9 0,6 33 0,-1-16 0,2 3 0,2 12 0,2 1 0,1-2 0,2-2 0,11 32 0,-3-33 0,-5-28 0,-3-11 0,-5-4 0,-3 0 0,-3-3 0,2-2 0,5 17 0,3 26 0,8 25 0,2 12 0,-3-15 0,-4-25 0,-7-20 0,-3 5 0,2 40 0,-3-15 0,2 8 0,1 13 0,2 4 0,1 0 0,0-2 0,-1-15 0,0-6 0,5 18 0,-5-36 0,-1-28 0,1-10 0,-1-2 0,0-3 0,-2 0 0,16 0 0,34 14 0,-12 1 0,5 5 0,11 7 0,1 3 0,0 3 0,-3 2 0,-10-7 0,-4-1 0,16 10 0,-28-19 0,7-13 0,60-8 0,-39-3 0,9-1 0,4-1-498,-2 0 1,3 0 0,4-1 0,2-1 497,13-1 0,2-2 0,3-1 0,-2-2 0,2-1 0,0-1 0,-1-2 0,-1 0 0,-7-1 0,-1-1 0,-2-2 0,-2 0 0,-8 0 0,-1-1 0,-3 0 0,-1-1-62,9-4 1,-2 0 0,-2 2 61,-6 4 0,-1 1 0,0 3 0,-1 3 0,1 2 0,0 3 0,-2 2 0,1 2 0,0 1 0,1 2 0,-1 1 0,-1 1 0,29 1 0,-5 2 0,-15 0 0,-5 2 0,-13-1 0,-4 2 0,27 5 0,-4 2 0,18 4 0,-37-5 0,2 1 0,6 3 0,0 2 985,-3-2 0,-3 1-985,-10-2 0,-4 0 203,19 8-203,-29-10 0,-14-3 0,6-3 0,11 0 0,8-1 0,-1-1 0,-9-3 0,-10-2 0,0-1 0,11-5 0,16-3 0,19-1 0,8 1 0,-7 6 0,-17 2 0,-22 1 0,-20-1 0,-10-3 0,-4-25 0,-2-24 0,2-17 0,1-8 0,-1 19 0,0-10 0,-2 18 0,0-7 0,0-29 0,0-10 0,0 19 0,0-4 0,0 0-175,0-4 1,0 0 0,0 2 174,0 7 0,0 2 0,0 6 0,0-8 0,0 8 0,0-19 0,-1 46 0,-1 24 0,1 7 0,-2 4 523,-1-1-523,-15-27 0,-23-54 0,9 12 0,-3-8 0,9 17 0,-1-3 0,1 1 0,1-1 0,-1 1 0,3 1 0,-8-20 0,3 7 0,10 24 0,2 6 0,-4-15 0,13 32 0,3 19 0,1 7 0,0 2 0,-1 2 0,1-1 0,0 0 0,-1-4 0,-7-12 0,-8-11 0,-6-7 0,-1 2 0,5 12 0,3 11 0,-7 4 0,-18 2 0,-36-4 0,26 4 0,-5 0 0,-13-1 0,-3 1 0,-4 0 0,0 0 0,7 1 0,3 1 0,11 2 0,4 1 0,-13-1 0,25 3 0,6 1 0,-2 2 0,-5 1 0,5 2 0,13 2 0,17 8 0,6-9 0,7 6 0</inkml:trace>
+</inkml:ink>
+</file>
+
+<file path=ppt/ink/ink5.xml><?xml version="1.0" encoding="utf-8"?>
+<inkml:ink xmlns:inkml="http://www.w3.org/2003/InkML">
+  <inkml:definitions>
+    <inkml:context xml:id="ctx0">
+      <inkml:inkSource xml:id="inkSrc0">
+        <inkml:traceFormat>
+          <inkml:channel name="X" type="integer" min="-2.14748E9" max="2.14748E9" units="cm"/>
+          <inkml:channel name="Y" type="integer" min="-2.14748E9" max="2.14748E9" units="cm"/>
+          <inkml:channel name="F" type="integer" max="32767" units="dev"/>
+        </inkml:traceFormat>
+        <inkml:channelProperties>
+          <inkml:channelProperty channel="X" name="resolution" value="1000" units="1/cm"/>
+          <inkml:channelProperty channel="Y" name="resolution" value="1000" units="1/cm"/>
+          <inkml:channelProperty channel="F" name="resolution" value="0" units="1/dev"/>
+        </inkml:channelProperties>
+      </inkml:inkSource>
+      <inkml:timestamp xml:id="ts0" timeString="2024-01-31T19:29:54.164"/>
+    </inkml:context>
+    <inkml:brush xml:id="br0">
+      <inkml:brushProperty name="width" value="0.05" units="cm"/>
+      <inkml:brushProperty name="height" value="0.05" units="cm"/>
+      <inkml:brushProperty name="color" value="#E71224"/>
+    </inkml:brush>
+  </inkml:definitions>
+  <inkml:trace contextRef="#ctx0" brushRef="#br0">101 10 24575,'0'9'0,"0"5"0,0 8 0,0 5 0,0 4 0,2 0 0,2-1 0,1-1 0,1 15 0,-2 27 0,-3 26 0,0-40 0,-2-1 0,2-3 0,-2-3 0,1 27 0,0-28 0,2-19 0,3-14 0,3-8 0,1-4 0,0-2 0,-2-2 0,-1 0 0,1 0 0,0-2 0,-1-2 0,-2-3 0,-3-5 0,-1-6 0,0-8 0,2-11 0,0-10 0,1 1 0,-1 4 0,-2 7 0,0 6 0,0 2 0,0 1 0,0-2 0,0 0 0,0 1 0,0 3 0,-2 4 0,-4 5 0,-1 3 0,-4 2 0,3 3 0,2-1 0,1 0 0,4 1 0,0-1 0,1 0 0,0 1 0,0-1 0,-1-4 0,1-3 0,0-6 0,0-6 0,0 0 0,-1 3 0,-1 4 0,0 7 0,0 4 0,2 0 0,0 2 0,0-2 0,-1 1 0,-2 0 0,0 1 0,-2 2 0,2 0 0,-1 1 0,0 2 0,-1 1 0,-4 1 0,-6 1 0,-6 1 0,-3 2 0,1 3 0,7 0 0,8 4-1696,5 9 0,3-11 0,-1 5 0</inkml:trace>
+</inkml:ink>
+</file>
+
+<file path=ppt/ink/ink6.xml><?xml version="1.0" encoding="utf-8"?>
+<inkml:ink xmlns:inkml="http://www.w3.org/2003/InkML">
+  <inkml:definitions>
+    <inkml:context xml:id="ctx0">
+      <inkml:inkSource xml:id="inkSrc0">
+        <inkml:traceFormat>
+          <inkml:channel name="X" type="integer" min="-2.14748E9" max="2.14748E9" units="cm"/>
+          <inkml:channel name="Y" type="integer" min="-2.14748E9" max="2.14748E9" units="cm"/>
+          <inkml:channel name="F" type="integer" max="32767" units="dev"/>
+        </inkml:traceFormat>
+        <inkml:channelProperties>
+          <inkml:channelProperty channel="X" name="resolution" value="1000" units="1/cm"/>
+          <inkml:channelProperty channel="Y" name="resolution" value="1000" units="1/cm"/>
+          <inkml:channelProperty channel="F" name="resolution" value="0" units="1/dev"/>
+        </inkml:channelProperties>
+      </inkml:inkSource>
+      <inkml:timestamp xml:id="ts0" timeString="2024-01-31T19:29:56.062"/>
+    </inkml:context>
+    <inkml:brush xml:id="br0">
+      <inkml:brushProperty name="width" value="0.05" units="cm"/>
+      <inkml:brushProperty name="height" value="0.05" units="cm"/>
+      <inkml:brushProperty name="color" value="#E71224"/>
+    </inkml:brush>
+  </inkml:definitions>
+  <inkml:trace contextRef="#ctx0" brushRef="#br0">0 0 24575,'0'9'0,"0"1"0,0 1 0,0 2 0,0 1 0,0-1 0,0 1 0,1 0 0,1-1 0,1 1 0,2-1 0,0 0 0,2-1 0,-1 0 0,3 0 0,0 2 0,0 0 0,-2 1 0,-3 1 0,0 0 0,0 0 0,0-2 0,0-1 0,-1 1 0,-2 0 0,-1-1 0,0-1 0,0 0 0,1-1 0,1 0 0,0 1 0,1-2 0,-1 1 0,0-2 0,0 0 0,-1-2 0,0 0 0,1 2 0,1 1 0,1 3 0,0 0 0,2-1 0,0-3 0,1-1 0,0-1 0,-2-4 0,-1 0 0,1 1 0,0 2 0,4 3 0,-1 1 0,-1-2 0,-1-1 0,-4-3 0,0-2 0</inkml:trace>
+</inkml:ink>
+</file>
+
+<file path=ppt/ink/ink7.xml><?xml version="1.0" encoding="utf-8"?>
+<inkml:ink xmlns:inkml="http://www.w3.org/2003/InkML">
+  <inkml:definitions>
+    <inkml:context xml:id="ctx0">
+      <inkml:inkSource xml:id="inkSrc0">
+        <inkml:traceFormat>
+          <inkml:channel name="X" type="integer" min="-2.14748E9" max="2.14748E9" units="cm"/>
+          <inkml:channel name="Y" type="integer" min="-2.14748E9" max="2.14748E9" units="cm"/>
+          <inkml:channel name="F" type="integer" max="32767" units="dev"/>
+        </inkml:traceFormat>
+        <inkml:channelProperties>
+          <inkml:channelProperty channel="X" name="resolution" value="1000" units="1/cm"/>
+          <inkml:channelProperty channel="Y" name="resolution" value="1000" units="1/cm"/>
+          <inkml:channelProperty channel="F" name="resolution" value="0" units="1/dev"/>
+        </inkml:channelProperties>
+      </inkml:inkSource>
+      <inkml:timestamp xml:id="ts0" timeString="2024-01-31T19:29:58.128"/>
+    </inkml:context>
+    <inkml:brush xml:id="br0">
+      <inkml:brushProperty name="width" value="0.05" units="cm"/>
+      <inkml:brushProperty name="height" value="0.05" units="cm"/>
+      <inkml:brushProperty name="color" value="#E71224"/>
+    </inkml:brush>
+  </inkml:definitions>
+  <inkml:trace contextRef="#ctx0" brushRef="#br0">0 475 24575,'45'0'0,"31"0"0,-23-3 0,6 0 0,30-5 0,8-1 0,-29 2 0,2-1 0,-1 0 0,1 0 0,0 0 0,-2 0 0,29-2 0,-2 0 0,-6 2 0,-1 0 0,0-1 0,0 0 0,2 0 0,3 0 0,-11 0 0,3 0 0,1 0-202,-7 1 1,1-1-1,-1 1 202,2 0 0,0 0 0,2 1 0,10 0 0,2 1 0,-5 1 0,-17 2 0,-3 2 0,-1-1 0,30 0 0,0-1 0,-24 1 0,2 0 0,-2 0 0,26-2 0,-2-1 0,-30 1 0,1 0 0,3 0 0,19-2 0,5 0 0,-3-1 0,-11 0 0,-2 0 0,-1 0 0,0-1 0,0 0 0,0-1 0,3 1 0,0 0 0,-5 1 0,9-2 0,-3 2 0,-18 2 0,2 1 0,-1 0 0,27 0 0,-3 1 0,-5 1 0,0 1 0,7 0 0,-2 2 0,-13 0 0,0 2 0,12 1 0,1 2 0,-8 1 0,-2 1 0,-6 0 0,-1-1 0,0-2 0,-2-1 302,-15-2 1,-2-1-303,2-1 0,-1 0 0,44-3 0,-22-1 0,-6-3 0,-18-2 0,-7 3 0,-10 0 0,-11-2 0,-5-5 0,-8-6 0,-3-3 0,-6 1 0,-3 9 0,-1 13 0,0 10 0</inkml:trace>
+</inkml:ink>
+</file>
+
+<file path=ppt/ink/ink8.xml><?xml version="1.0" encoding="utf-8"?>
+<inkml:ink xmlns:inkml="http://www.w3.org/2003/InkML">
+  <inkml:definitions>
+    <inkml:context xml:id="ctx0">
+      <inkml:inkSource xml:id="inkSrc0">
+        <inkml:traceFormat>
+          <inkml:channel name="X" type="integer" min="-2.14748E9" max="2.14748E9" units="cm"/>
+          <inkml:channel name="Y" type="integer" min="-2.14748E9" max="2.14748E9" units="cm"/>
+          <inkml:channel name="F" type="integer" max="32767" units="dev"/>
+        </inkml:traceFormat>
+        <inkml:channelProperties>
+          <inkml:channelProperty channel="X" name="resolution" value="1000" units="1/cm"/>
+          <inkml:channelProperty channel="Y" name="resolution" value="1000" units="1/cm"/>
+          <inkml:channelProperty channel="F" name="resolution" value="0" units="1/dev"/>
+        </inkml:channelProperties>
+      </inkml:inkSource>
+      <inkml:timestamp xml:id="ts0" timeString="2024-01-31T19:30:01.129"/>
+    </inkml:context>
+    <inkml:brush xml:id="br0">
+      <inkml:brushProperty name="width" value="0.05" units="cm"/>
+      <inkml:brushProperty name="height" value="0.05" units="cm"/>
+      <inkml:brushProperty name="color" value="#E71224"/>
+    </inkml:brush>
+  </inkml:definitions>
+  <inkml:trace contextRef="#ctx0" brushRef="#br0">0 457 24575,'9'-3'0,"20"0"0,26 3 0,40 0 0,-21 0 0,7 0 0,-15 0 0,2 0 0,3 0-485,13 0 1,3 0-1,2 0 485,4 0 0,2 0 0,-2 0 0,-7-1 0,-1 1 0,-1-1 0,-3 0 0,-2-1 0,-1 0-29,-7-1 1,-3 1 0,0-2 28,32-2 0,-1 0 0,-29 2 0,1-1 0,0 0 0,-3 1 0,0-1 0,-1 1 0,31-2 0,-2 1 0,-14 2 0,-4 0 0,-18 1 0,-6 1 0,19 1 0,-33 0 0,-3 0 1075,17-8-1075,19-8 232,-20 3 0,4-3-232,12-3 0,1 0 0,-1 1 0,-1 1 0,-1 2 0,-3 1 0,30-5 0,-14 2 0,-29 5 0,3-1 0,20-5 0,6-1 0,-10 5 0,4-1 0,1 1 0,3 1 0,1-1 0,0 3 0,-4 1 0,0 1 0,-3 2 0,18 0 0,-8 2 0,-27 2 0,-6 2 0,13 1 0,-23 0 0,19 0 0,-9 5 0,6 4 0,17 5 0,3 6 0,8 6 0,1 5 0,-7 2 0,-5 2 0,-17-5 0,-4-1 0,16 14 0,-32-19 0,0-11 0,29-6 0,-13-2 0,6 1 0,10 1 0,2 2 0,2 2 0,-3 2 0,-10-1 0,-5 1 0,20 10 0,-28-6 0,-20-6 0,-4-5 0,5-4 0,4-2 0,-1 0 0,-6 0 0,-7 0 0,-3-2 0,2-3 0,5-4 0,5-3 0,4-1 0,-4 2 0,-5 2 0,-2 0 0,4 0 0,3-1 0,0 1 0,-10 3 0,-7 3 0</inkml:trace>
+</inkml:ink>
+</file>
+
+<file path=ppt/ink/ink9.xml><?xml version="1.0" encoding="utf-8"?>
+<inkml:ink xmlns:inkml="http://www.w3.org/2003/InkML">
+  <inkml:definitions>
+    <inkml:context xml:id="ctx0">
+      <inkml:inkSource xml:id="inkSrc0">
+        <inkml:traceFormat>
+          <inkml:channel name="X" type="integer" min="-2.14748E9" max="2.14748E9" units="cm"/>
+          <inkml:channel name="Y" type="integer" min="-2.14748E9" max="2.14748E9" units="cm"/>
+          <inkml:channel name="F" type="integer" max="32767" units="dev"/>
+        </inkml:traceFormat>
+        <inkml:channelProperties>
+          <inkml:channelProperty channel="X" name="resolution" value="1000" units="1/cm"/>
+          <inkml:channelProperty channel="Y" name="resolution" value="1000" units="1/cm"/>
+          <inkml:channelProperty channel="F" name="resolution" value="0" units="1/dev"/>
+        </inkml:channelProperties>
+      </inkml:inkSource>
+      <inkml:timestamp xml:id="ts0" timeString="2024-01-31T19:30:05.546"/>
+    </inkml:context>
+    <inkml:brush xml:id="br0">
+      <inkml:brushProperty name="width" value="0.05" units="cm"/>
+      <inkml:brushProperty name="height" value="0.05" units="cm"/>
+      <inkml:brushProperty name="color" value="#E71224"/>
+    </inkml:brush>
+  </inkml:definitions>
+  <inkml:trace contextRef="#ctx0" brushRef="#br0">0 0 24575,'0'22'0,"0"8"0,0 6 0,0 3 0,0 1 0,0 6 0,0 12 0,0 5 0,0-2 0,0-15 0,0-15 0,0-14 0,1-7 0,1-1 0,0 16 0,-1 26 0,1 20 0,1 10 0,-1-17 0,2-21 0,-1-19 0,2-11 0,-1-5 0,-1-1 0,0 0 0,-1 3 0,0 12 0,0 16 0,-2 12 0,1 1 0,1-14 0,1-13 0,0-11 0,1-6 0,0-3 0,0-3 0,1-1 0,1 0 0,0 0 0,1 0 0,0 1 0,0 1 0,1 0 0,-2-2 0,2-3 0,1-12 0,3-12 0,1-10 0,0-3 0,0 2 0,-1 4 0,2 1 0,0 1 0,1-1 0,1-3 0,-1 0 0,1 2 0,-3 5 0,-5 9 0,-3 5 0,-3 1 0,-2 4 0,0-2 0,0 2 0,0 0 0,0 0 0,0-1 0,-1 1 0,-2 0 0,-2 1 0,-1 1 0,-1 0 0,0-1 0,0-1 0,0 0 0,0 0 0,0 0 0,0 0 0,3 2 0,0 0 0,1-4 0,0-4 0,-1-4 0,-1 0 0,1 2 0,0 4 0,1 1 0,1 3 0,1 2 0,0 0 0,1 2 0,0 0 0,0 0 0,0 0 0,0 0 0,-2 0 0,-1 0 0,-2-2 0,0 0 0,2-1 0,0 1 0,0-2 0,1 1 0,1 0 0,1-1 0,0 1 0,-1 1 0,-1-1 0,-1 1 0,0 0 0,1 0 0,-1 1 0,-1-2 0,0 1 0,-3 1 0,2 2 0,-2 1 0,0 4 0,1-1 0,1 0 0,1 0 0,-3-1 0,1-3 0,0 0 0,-1 1 0,1 0 0,-2 4 0,4 0 0,0 0 0</inkml:trace>
+</inkml:ink>
 </file>
 
 <file path=ppt/slideLayouts/slideLayout1.xml><?xml version="1.0" encoding="utf-8"?>
@@ -254,7 +878,7 @@
           <a:p>
             <a:fld id="{6804C5E5-BF79-0343-94DF-F2131E2A82AB}" type="datetimeFigureOut">
               <a:rPr lang="en-US" smtClean="0"/>
-              <a:t>1/17/23</a:t>
+              <a:t>1/31/24</a:t>
             </a:fld>
             <a:endParaRPr lang="en-US"/>
           </a:p>
@@ -452,7 +1076,7 @@
           <a:p>
             <a:fld id="{6804C5E5-BF79-0343-94DF-F2131E2A82AB}" type="datetimeFigureOut">
               <a:rPr lang="en-US" smtClean="0"/>
-              <a:t>1/17/23</a:t>
+              <a:t>1/31/24</a:t>
             </a:fld>
             <a:endParaRPr lang="en-US"/>
           </a:p>
@@ -660,7 +1284,7 @@
           <a:p>
             <a:fld id="{6804C5E5-BF79-0343-94DF-F2131E2A82AB}" type="datetimeFigureOut">
               <a:rPr lang="en-US" smtClean="0"/>
-              <a:t>1/17/23</a:t>
+              <a:t>1/31/24</a:t>
             </a:fld>
             <a:endParaRPr lang="en-US"/>
           </a:p>
@@ -858,7 +1482,7 @@
           <a:p>
             <a:fld id="{6804C5E5-BF79-0343-94DF-F2131E2A82AB}" type="datetimeFigureOut">
               <a:rPr lang="en-US" smtClean="0"/>
-              <a:t>1/17/23</a:t>
+              <a:t>1/31/24</a:t>
             </a:fld>
             <a:endParaRPr lang="en-US"/>
           </a:p>
@@ -1133,7 +1757,7 @@
           <a:p>
             <a:fld id="{6804C5E5-BF79-0343-94DF-F2131E2A82AB}" type="datetimeFigureOut">
               <a:rPr lang="en-US" smtClean="0"/>
-              <a:t>1/17/23</a:t>
+              <a:t>1/31/24</a:t>
             </a:fld>
             <a:endParaRPr lang="en-US"/>
           </a:p>
@@ -1398,7 +2022,7 @@
           <a:p>
             <a:fld id="{6804C5E5-BF79-0343-94DF-F2131E2A82AB}" type="datetimeFigureOut">
               <a:rPr lang="en-US" smtClean="0"/>
-              <a:t>1/17/23</a:t>
+              <a:t>1/31/24</a:t>
             </a:fld>
             <a:endParaRPr lang="en-US"/>
           </a:p>
@@ -1810,7 +2434,7 @@
           <a:p>
             <a:fld id="{6804C5E5-BF79-0343-94DF-F2131E2A82AB}" type="datetimeFigureOut">
               <a:rPr lang="en-US" smtClean="0"/>
-              <a:t>1/17/23</a:t>
+              <a:t>1/31/24</a:t>
             </a:fld>
             <a:endParaRPr lang="en-US"/>
           </a:p>
@@ -1951,7 +2575,7 @@
           <a:p>
             <a:fld id="{6804C5E5-BF79-0343-94DF-F2131E2A82AB}" type="datetimeFigureOut">
               <a:rPr lang="en-US" smtClean="0"/>
-              <a:t>1/17/23</a:t>
+              <a:t>1/31/24</a:t>
             </a:fld>
             <a:endParaRPr lang="en-US"/>
           </a:p>
@@ -2064,7 +2688,7 @@
           <a:p>
             <a:fld id="{6804C5E5-BF79-0343-94DF-F2131E2A82AB}" type="datetimeFigureOut">
               <a:rPr lang="en-US" smtClean="0"/>
-              <a:t>1/17/23</a:t>
+              <a:t>1/31/24</a:t>
             </a:fld>
             <a:endParaRPr lang="en-US"/>
           </a:p>
@@ -2375,7 +2999,7 @@
           <a:p>
             <a:fld id="{6804C5E5-BF79-0343-94DF-F2131E2A82AB}" type="datetimeFigureOut">
               <a:rPr lang="en-US" smtClean="0"/>
-              <a:t>1/17/23</a:t>
+              <a:t>1/31/24</a:t>
             </a:fld>
             <a:endParaRPr lang="en-US"/>
           </a:p>
@@ -2663,7 +3287,7 @@
           <a:p>
             <a:fld id="{6804C5E5-BF79-0343-94DF-F2131E2A82AB}" type="datetimeFigureOut">
               <a:rPr lang="en-US" smtClean="0"/>
-              <a:t>1/17/23</a:t>
+              <a:t>1/31/24</a:t>
             </a:fld>
             <a:endParaRPr lang="en-US"/>
           </a:p>
@@ -2904,7 +3528,7 @@
           <a:p>
             <a:fld id="{6804C5E5-BF79-0343-94DF-F2131E2A82AB}" type="datetimeFigureOut">
               <a:rPr lang="en-US" smtClean="0"/>
-              <a:t>1/17/23</a:t>
+              <a:t>1/31/24</a:t>
             </a:fld>
             <a:endParaRPr lang="en-US"/>
           </a:p>
@@ -4156,6 +4780,3710 @@
 </p:sld>
 </file>
 
+<file path=ppt/slides/slide2.xml><?xml version="1.0" encoding="utf-8"?>
+<p:sld xmlns:a="http://schemas.openxmlformats.org/drawingml/2006/main" xmlns:r="http://schemas.openxmlformats.org/officeDocument/2006/relationships" xmlns:p="http://schemas.openxmlformats.org/presentationml/2006/main">
+  <p:cSld>
+    <p:spTree>
+      <p:nvGrpSpPr>
+        <p:cNvPr id="1" name=""/>
+        <p:cNvGrpSpPr/>
+        <p:nvPr/>
+      </p:nvGrpSpPr>
+      <p:grpSpPr>
+        <a:xfrm>
+          <a:off x="0" y="0"/>
+          <a:ext cx="0" cy="0"/>
+          <a:chOff x="0" y="0"/>
+          <a:chExt cx="0" cy="0"/>
+        </a:xfrm>
+      </p:grpSpPr>
+      <p:sp>
+        <p:nvSpPr>
+          <p:cNvPr id="4" name="Rectangle 3">
+            <a:extLst>
+              <a:ext uri="{FF2B5EF4-FFF2-40B4-BE49-F238E27FC236}">
+                <a16:creationId xmlns:a16="http://schemas.microsoft.com/office/drawing/2014/main" id="{572B76FD-33D3-0B72-E1E8-6E0A99C32F25}"/>
+              </a:ext>
+            </a:extLst>
+          </p:cNvPr>
+          <p:cNvSpPr/>
+          <p:nvPr/>
+        </p:nvSpPr>
+        <p:spPr>
+          <a:xfrm>
+            <a:off x="2880231" y="5011271"/>
+            <a:ext cx="3245223" cy="457200"/>
+          </a:xfrm>
+          <a:prstGeom prst="rect">
+            <a:avLst/>
+          </a:prstGeom>
+        </p:spPr>
+        <p:style>
+          <a:lnRef idx="2">
+            <a:schemeClr val="accent1">
+              <a:shade val="15000"/>
+            </a:schemeClr>
+          </a:lnRef>
+          <a:fillRef idx="1">
+            <a:schemeClr val="accent1"/>
+          </a:fillRef>
+          <a:effectRef idx="0">
+            <a:schemeClr val="accent1"/>
+          </a:effectRef>
+          <a:fontRef idx="minor">
+            <a:schemeClr val="lt1"/>
+          </a:fontRef>
+        </p:style>
+        <p:txBody>
+          <a:bodyPr rtlCol="0" anchor="ctr"/>
+          <a:lstStyle/>
+          <a:p>
+            <a:pPr algn="ctr"/>
+            <a:r>
+              <a:rPr lang="en-US" dirty="0"/>
+              <a:t>Physical / Net Interface</a:t>
+            </a:r>
+          </a:p>
+        </p:txBody>
+      </p:sp>
+      <p:sp>
+        <p:nvSpPr>
+          <p:cNvPr id="5" name="TextBox 4">
+            <a:extLst>
+              <a:ext uri="{FF2B5EF4-FFF2-40B4-BE49-F238E27FC236}">
+                <a16:creationId xmlns:a16="http://schemas.microsoft.com/office/drawing/2014/main" id="{DA7B49BA-6867-3BAD-1167-90D5DF89205D}"/>
+              </a:ext>
+            </a:extLst>
+          </p:cNvPr>
+          <p:cNvSpPr txBox="1"/>
+          <p:nvPr/>
+        </p:nvSpPr>
+        <p:spPr>
+          <a:xfrm>
+            <a:off x="3954123" y="5880847"/>
+            <a:ext cx="725968" cy="369332"/>
+          </a:xfrm>
+          <a:prstGeom prst="rect">
+            <a:avLst/>
+          </a:prstGeom>
+          <a:noFill/>
+        </p:spPr>
+        <p:txBody>
+          <a:bodyPr wrap="none" rtlCol="0">
+            <a:spAutoFit/>
+          </a:bodyPr>
+          <a:lstStyle/>
+          <a:p>
+            <a:r>
+              <a:rPr lang="en-US" dirty="0"/>
+              <a:t>Client</a:t>
+            </a:r>
+          </a:p>
+        </p:txBody>
+      </p:sp>
+      <p:sp>
+        <p:nvSpPr>
+          <p:cNvPr id="6" name="Rectangle 5">
+            <a:extLst>
+              <a:ext uri="{FF2B5EF4-FFF2-40B4-BE49-F238E27FC236}">
+                <a16:creationId xmlns:a16="http://schemas.microsoft.com/office/drawing/2014/main" id="{DA5F80A4-6B9D-E79E-6B3A-A6FE402411F0}"/>
+              </a:ext>
+            </a:extLst>
+          </p:cNvPr>
+          <p:cNvSpPr/>
+          <p:nvPr/>
+        </p:nvSpPr>
+        <p:spPr>
+          <a:xfrm>
+            <a:off x="7730137" y="5011271"/>
+            <a:ext cx="3245223" cy="457200"/>
+          </a:xfrm>
+          <a:prstGeom prst="rect">
+            <a:avLst/>
+          </a:prstGeom>
+          <a:solidFill>
+            <a:schemeClr val="bg1">
+              <a:lumMod val="85000"/>
+            </a:schemeClr>
+          </a:solidFill>
+        </p:spPr>
+        <p:style>
+          <a:lnRef idx="2">
+            <a:schemeClr val="accent1">
+              <a:shade val="15000"/>
+            </a:schemeClr>
+          </a:lnRef>
+          <a:fillRef idx="1">
+            <a:schemeClr val="accent1"/>
+          </a:fillRef>
+          <a:effectRef idx="0">
+            <a:schemeClr val="accent1"/>
+          </a:effectRef>
+          <a:fontRef idx="minor">
+            <a:schemeClr val="lt1"/>
+          </a:fontRef>
+        </p:style>
+        <p:txBody>
+          <a:bodyPr rtlCol="0" anchor="ctr"/>
+          <a:lstStyle/>
+          <a:p>
+            <a:pPr algn="ctr"/>
+            <a:r>
+              <a:rPr lang="en-US" dirty="0">
+                <a:solidFill>
+                  <a:schemeClr val="tx1"/>
+                </a:solidFill>
+              </a:rPr>
+              <a:t>Physical / Net Interface</a:t>
+            </a:r>
+          </a:p>
+        </p:txBody>
+      </p:sp>
+      <p:sp>
+        <p:nvSpPr>
+          <p:cNvPr id="7" name="TextBox 6">
+            <a:extLst>
+              <a:ext uri="{FF2B5EF4-FFF2-40B4-BE49-F238E27FC236}">
+                <a16:creationId xmlns:a16="http://schemas.microsoft.com/office/drawing/2014/main" id="{213FC0A0-122B-84E0-A14F-593FF0D6EB53}"/>
+              </a:ext>
+            </a:extLst>
+          </p:cNvPr>
+          <p:cNvSpPr txBox="1"/>
+          <p:nvPr/>
+        </p:nvSpPr>
+        <p:spPr>
+          <a:xfrm>
+            <a:off x="9090505" y="5880847"/>
+            <a:ext cx="785664" cy="369332"/>
+          </a:xfrm>
+          <a:prstGeom prst="rect">
+            <a:avLst/>
+          </a:prstGeom>
+          <a:noFill/>
+        </p:spPr>
+        <p:txBody>
+          <a:bodyPr wrap="none" rtlCol="0">
+            <a:spAutoFit/>
+          </a:bodyPr>
+          <a:lstStyle/>
+          <a:p>
+            <a:r>
+              <a:rPr lang="en-US" dirty="0"/>
+              <a:t>Server</a:t>
+            </a:r>
+          </a:p>
+        </p:txBody>
+      </p:sp>
+      <p:cxnSp>
+        <p:nvCxnSpPr>
+          <p:cNvPr id="9" name="Straight Connector 8">
+            <a:extLst>
+              <a:ext uri="{FF2B5EF4-FFF2-40B4-BE49-F238E27FC236}">
+                <a16:creationId xmlns:a16="http://schemas.microsoft.com/office/drawing/2014/main" id="{F32E1C7D-CA4B-7271-79CB-F9E812CFB98D}"/>
+              </a:ext>
+            </a:extLst>
+          </p:cNvPr>
+          <p:cNvCxnSpPr>
+            <a:stCxn id="4" idx="3"/>
+            <a:endCxn id="6" idx="1"/>
+          </p:cNvCxnSpPr>
+          <p:nvPr/>
+        </p:nvCxnSpPr>
+        <p:spPr>
+          <a:xfrm>
+            <a:off x="6125454" y="5239871"/>
+            <a:ext cx="1604683" cy="0"/>
+          </a:xfrm>
+          <a:prstGeom prst="line">
+            <a:avLst/>
+          </a:prstGeom>
+          <a:ln w="34925"/>
+        </p:spPr>
+        <p:style>
+          <a:lnRef idx="1">
+            <a:schemeClr val="accent1"/>
+          </a:lnRef>
+          <a:fillRef idx="0">
+            <a:schemeClr val="accent1"/>
+          </a:fillRef>
+          <a:effectRef idx="0">
+            <a:schemeClr val="accent1"/>
+          </a:effectRef>
+          <a:fontRef idx="minor">
+            <a:schemeClr val="tx1"/>
+          </a:fontRef>
+        </p:style>
+      </p:cxnSp>
+      <p:sp>
+        <p:nvSpPr>
+          <p:cNvPr id="10" name="TextBox 9">
+            <a:extLst>
+              <a:ext uri="{FF2B5EF4-FFF2-40B4-BE49-F238E27FC236}">
+                <a16:creationId xmlns:a16="http://schemas.microsoft.com/office/drawing/2014/main" id="{1E16537D-A07A-D15E-327E-9B1407F0A8D6}"/>
+              </a:ext>
+            </a:extLst>
+          </p:cNvPr>
+          <p:cNvSpPr txBox="1"/>
+          <p:nvPr/>
+        </p:nvSpPr>
+        <p:spPr>
+          <a:xfrm>
+            <a:off x="6424708" y="4870539"/>
+            <a:ext cx="1006173" cy="369332"/>
+          </a:xfrm>
+          <a:prstGeom prst="rect">
+            <a:avLst/>
+          </a:prstGeom>
+          <a:noFill/>
+        </p:spPr>
+        <p:txBody>
+          <a:bodyPr wrap="none" rtlCol="0">
+            <a:spAutoFit/>
+          </a:bodyPr>
+          <a:lstStyle/>
+          <a:p>
+            <a:r>
+              <a:rPr lang="en-US" dirty="0"/>
+              <a:t>ethernet</a:t>
+            </a:r>
+          </a:p>
+        </p:txBody>
+      </p:sp>
+      <p:sp>
+        <p:nvSpPr>
+          <p:cNvPr id="11" name="Rectangle 10">
+            <a:extLst>
+              <a:ext uri="{FF2B5EF4-FFF2-40B4-BE49-F238E27FC236}">
+                <a16:creationId xmlns:a16="http://schemas.microsoft.com/office/drawing/2014/main" id="{6265C87B-A513-24AC-5B17-BC02A83A467A}"/>
+              </a:ext>
+            </a:extLst>
+          </p:cNvPr>
+          <p:cNvSpPr/>
+          <p:nvPr/>
+        </p:nvSpPr>
+        <p:spPr>
+          <a:xfrm>
+            <a:off x="2880231" y="4028207"/>
+            <a:ext cx="3245223" cy="457200"/>
+          </a:xfrm>
+          <a:prstGeom prst="rect">
+            <a:avLst/>
+          </a:prstGeom>
+        </p:spPr>
+        <p:style>
+          <a:lnRef idx="2">
+            <a:schemeClr val="accent1">
+              <a:shade val="15000"/>
+            </a:schemeClr>
+          </a:lnRef>
+          <a:fillRef idx="1">
+            <a:schemeClr val="accent1"/>
+          </a:fillRef>
+          <a:effectRef idx="0">
+            <a:schemeClr val="accent1"/>
+          </a:effectRef>
+          <a:fontRef idx="minor">
+            <a:schemeClr val="lt1"/>
+          </a:fontRef>
+        </p:style>
+        <p:txBody>
+          <a:bodyPr rtlCol="0" anchor="ctr"/>
+          <a:lstStyle/>
+          <a:p>
+            <a:pPr algn="ctr"/>
+            <a:r>
+              <a:rPr lang="en-US" dirty="0"/>
+              <a:t>Network Layer (IP)</a:t>
+            </a:r>
+          </a:p>
+        </p:txBody>
+      </p:sp>
+      <p:sp>
+        <p:nvSpPr>
+          <p:cNvPr id="12" name="TextBox 11">
+            <a:extLst>
+              <a:ext uri="{FF2B5EF4-FFF2-40B4-BE49-F238E27FC236}">
+                <a16:creationId xmlns:a16="http://schemas.microsoft.com/office/drawing/2014/main" id="{91893192-30FE-DCFB-6A5A-7641B6F232DF}"/>
+              </a:ext>
+            </a:extLst>
+          </p:cNvPr>
+          <p:cNvSpPr txBox="1"/>
+          <p:nvPr/>
+        </p:nvSpPr>
+        <p:spPr>
+          <a:xfrm>
+            <a:off x="635068" y="5099139"/>
+            <a:ext cx="1104085" cy="369332"/>
+          </a:xfrm>
+          <a:prstGeom prst="rect">
+            <a:avLst/>
+          </a:prstGeom>
+          <a:noFill/>
+        </p:spPr>
+        <p:txBody>
+          <a:bodyPr wrap="none" rtlCol="0">
+            <a:spAutoFit/>
+          </a:bodyPr>
+          <a:lstStyle/>
+          <a:p>
+            <a:r>
+              <a:rPr lang="en-US" dirty="0"/>
+              <a:t>Hardware</a:t>
+            </a:r>
+          </a:p>
+        </p:txBody>
+      </p:sp>
+      <p:sp>
+        <p:nvSpPr>
+          <p:cNvPr id="13" name="Rectangle 12">
+            <a:extLst>
+              <a:ext uri="{FF2B5EF4-FFF2-40B4-BE49-F238E27FC236}">
+                <a16:creationId xmlns:a16="http://schemas.microsoft.com/office/drawing/2014/main" id="{0D59189E-1001-4790-5EF4-E83DD2DA300A}"/>
+              </a:ext>
+            </a:extLst>
+          </p:cNvPr>
+          <p:cNvSpPr/>
+          <p:nvPr/>
+        </p:nvSpPr>
+        <p:spPr>
+          <a:xfrm>
+            <a:off x="2880231" y="3567535"/>
+            <a:ext cx="3245223" cy="457200"/>
+          </a:xfrm>
+          <a:prstGeom prst="rect">
+            <a:avLst/>
+          </a:prstGeom>
+        </p:spPr>
+        <p:style>
+          <a:lnRef idx="2">
+            <a:schemeClr val="accent1">
+              <a:shade val="15000"/>
+            </a:schemeClr>
+          </a:lnRef>
+          <a:fillRef idx="1">
+            <a:schemeClr val="accent1"/>
+          </a:fillRef>
+          <a:effectRef idx="0">
+            <a:schemeClr val="accent1"/>
+          </a:effectRef>
+          <a:fontRef idx="minor">
+            <a:schemeClr val="lt1"/>
+          </a:fontRef>
+        </p:style>
+        <p:txBody>
+          <a:bodyPr rtlCol="0" anchor="ctr"/>
+          <a:lstStyle/>
+          <a:p>
+            <a:pPr algn="ctr"/>
+            <a:r>
+              <a:rPr lang="en-US" dirty="0"/>
+              <a:t>Transport Layer (TCP or UDP)</a:t>
+            </a:r>
+          </a:p>
+        </p:txBody>
+      </p:sp>
+      <p:sp>
+        <p:nvSpPr>
+          <p:cNvPr id="14" name="Rectangle 13">
+            <a:extLst>
+              <a:ext uri="{FF2B5EF4-FFF2-40B4-BE49-F238E27FC236}">
+                <a16:creationId xmlns:a16="http://schemas.microsoft.com/office/drawing/2014/main" id="{D0A4ED38-BF0C-1FA7-3A8C-41582B588158}"/>
+              </a:ext>
+            </a:extLst>
+          </p:cNvPr>
+          <p:cNvSpPr/>
+          <p:nvPr/>
+        </p:nvSpPr>
+        <p:spPr>
+          <a:xfrm>
+            <a:off x="7730136" y="4028207"/>
+            <a:ext cx="3245223" cy="457200"/>
+          </a:xfrm>
+          <a:prstGeom prst="rect">
+            <a:avLst/>
+          </a:prstGeom>
+          <a:solidFill>
+            <a:schemeClr val="bg1">
+              <a:lumMod val="85000"/>
+            </a:schemeClr>
+          </a:solidFill>
+        </p:spPr>
+        <p:style>
+          <a:lnRef idx="2">
+            <a:schemeClr val="accent1">
+              <a:shade val="15000"/>
+            </a:schemeClr>
+          </a:lnRef>
+          <a:fillRef idx="1">
+            <a:schemeClr val="accent1"/>
+          </a:fillRef>
+          <a:effectRef idx="0">
+            <a:schemeClr val="accent1"/>
+          </a:effectRef>
+          <a:fontRef idx="minor">
+            <a:schemeClr val="lt1"/>
+          </a:fontRef>
+        </p:style>
+        <p:txBody>
+          <a:bodyPr rtlCol="0" anchor="ctr"/>
+          <a:lstStyle/>
+          <a:p>
+            <a:pPr algn="ctr"/>
+            <a:r>
+              <a:rPr lang="en-US" dirty="0">
+                <a:solidFill>
+                  <a:schemeClr val="tx1"/>
+                </a:solidFill>
+              </a:rPr>
+              <a:t>Network (IP)</a:t>
+            </a:r>
+          </a:p>
+        </p:txBody>
+      </p:sp>
+      <p:sp>
+        <p:nvSpPr>
+          <p:cNvPr id="15" name="Rectangle 14">
+            <a:extLst>
+              <a:ext uri="{FF2B5EF4-FFF2-40B4-BE49-F238E27FC236}">
+                <a16:creationId xmlns:a16="http://schemas.microsoft.com/office/drawing/2014/main" id="{F053344C-55EE-080C-F40A-9764BA5235B8}"/>
+              </a:ext>
+            </a:extLst>
+          </p:cNvPr>
+          <p:cNvSpPr/>
+          <p:nvPr/>
+        </p:nvSpPr>
+        <p:spPr>
+          <a:xfrm>
+            <a:off x="7730136" y="3567535"/>
+            <a:ext cx="3245223" cy="457200"/>
+          </a:xfrm>
+          <a:prstGeom prst="rect">
+            <a:avLst/>
+          </a:prstGeom>
+          <a:solidFill>
+            <a:schemeClr val="bg1">
+              <a:lumMod val="85000"/>
+            </a:schemeClr>
+          </a:solidFill>
+        </p:spPr>
+        <p:style>
+          <a:lnRef idx="2">
+            <a:schemeClr val="accent1">
+              <a:shade val="15000"/>
+            </a:schemeClr>
+          </a:lnRef>
+          <a:fillRef idx="1">
+            <a:schemeClr val="accent1"/>
+          </a:fillRef>
+          <a:effectRef idx="0">
+            <a:schemeClr val="accent1"/>
+          </a:effectRef>
+          <a:fontRef idx="minor">
+            <a:schemeClr val="lt1"/>
+          </a:fontRef>
+        </p:style>
+        <p:txBody>
+          <a:bodyPr rtlCol="0" anchor="ctr"/>
+          <a:lstStyle/>
+          <a:p>
+            <a:pPr algn="ctr"/>
+            <a:r>
+              <a:rPr lang="en-US" dirty="0">
+                <a:solidFill>
+                  <a:schemeClr val="tx1"/>
+                </a:solidFill>
+              </a:rPr>
+              <a:t>Transport (TCP or UDP)</a:t>
+            </a:r>
+          </a:p>
+        </p:txBody>
+      </p:sp>
+      <p:sp>
+        <p:nvSpPr>
+          <p:cNvPr id="16" name="Left Bracket 15">
+            <a:extLst>
+              <a:ext uri="{FF2B5EF4-FFF2-40B4-BE49-F238E27FC236}">
+                <a16:creationId xmlns:a16="http://schemas.microsoft.com/office/drawing/2014/main" id="{93C153B4-CB96-00BE-4F0A-CEBA86674AF8}"/>
+              </a:ext>
+            </a:extLst>
+          </p:cNvPr>
+          <p:cNvSpPr/>
+          <p:nvPr/>
+        </p:nvSpPr>
+        <p:spPr>
+          <a:xfrm>
+            <a:off x="2431700" y="3429000"/>
+            <a:ext cx="190918" cy="1132952"/>
+          </a:xfrm>
+          <a:prstGeom prst="leftBracket">
+            <a:avLst/>
+          </a:prstGeom>
+        </p:spPr>
+        <p:style>
+          <a:lnRef idx="1">
+            <a:schemeClr val="accent1"/>
+          </a:lnRef>
+          <a:fillRef idx="0">
+            <a:schemeClr val="accent1"/>
+          </a:fillRef>
+          <a:effectRef idx="0">
+            <a:schemeClr val="accent1"/>
+          </a:effectRef>
+          <a:fontRef idx="minor">
+            <a:schemeClr val="tx1"/>
+          </a:fontRef>
+        </p:style>
+        <p:txBody>
+          <a:bodyPr rtlCol="0" anchor="ctr"/>
+          <a:lstStyle/>
+          <a:p>
+            <a:pPr algn="ctr"/>
+            <a:endParaRPr lang="en-US"/>
+          </a:p>
+        </p:txBody>
+      </p:sp>
+      <p:sp>
+        <p:nvSpPr>
+          <p:cNvPr id="17" name="Left Bracket 16">
+            <a:extLst>
+              <a:ext uri="{FF2B5EF4-FFF2-40B4-BE49-F238E27FC236}">
+                <a16:creationId xmlns:a16="http://schemas.microsoft.com/office/drawing/2014/main" id="{D4FCC522-EF97-1410-D530-62088D376C00}"/>
+              </a:ext>
+            </a:extLst>
+          </p:cNvPr>
+          <p:cNvSpPr/>
+          <p:nvPr/>
+        </p:nvSpPr>
+        <p:spPr>
+          <a:xfrm flipH="1">
+            <a:off x="11137513" y="3464909"/>
+            <a:ext cx="190918" cy="1132952"/>
+          </a:xfrm>
+          <a:prstGeom prst="leftBracket">
+            <a:avLst/>
+          </a:prstGeom>
+        </p:spPr>
+        <p:style>
+          <a:lnRef idx="1">
+            <a:schemeClr val="accent1"/>
+          </a:lnRef>
+          <a:fillRef idx="0">
+            <a:schemeClr val="accent1"/>
+          </a:fillRef>
+          <a:effectRef idx="0">
+            <a:schemeClr val="accent1"/>
+          </a:effectRef>
+          <a:fontRef idx="minor">
+            <a:schemeClr val="tx1"/>
+          </a:fontRef>
+        </p:style>
+        <p:txBody>
+          <a:bodyPr rtlCol="0" anchor="ctr"/>
+          <a:lstStyle/>
+          <a:p>
+            <a:pPr algn="ctr"/>
+            <a:endParaRPr lang="en-US"/>
+          </a:p>
+        </p:txBody>
+      </p:sp>
+      <p:sp>
+        <p:nvSpPr>
+          <p:cNvPr id="18" name="TextBox 17">
+            <a:extLst>
+              <a:ext uri="{FF2B5EF4-FFF2-40B4-BE49-F238E27FC236}">
+                <a16:creationId xmlns:a16="http://schemas.microsoft.com/office/drawing/2014/main" id="{9A63881D-CCA1-8B89-9F40-AFACC7D9310B}"/>
+              </a:ext>
+            </a:extLst>
+          </p:cNvPr>
+          <p:cNvSpPr txBox="1"/>
+          <p:nvPr/>
+        </p:nvSpPr>
+        <p:spPr>
+          <a:xfrm>
+            <a:off x="-4817" y="3708219"/>
+            <a:ext cx="2383858" cy="1200329"/>
+          </a:xfrm>
+          <a:prstGeom prst="rect">
+            <a:avLst/>
+          </a:prstGeom>
+          <a:noFill/>
+        </p:spPr>
+        <p:txBody>
+          <a:bodyPr wrap="none" rtlCol="0">
+            <a:spAutoFit/>
+          </a:bodyPr>
+          <a:lstStyle/>
+          <a:p>
+            <a:pPr algn="ctr"/>
+            <a:r>
+              <a:rPr lang="en-US" dirty="0"/>
+              <a:t>Operating </a:t>
+            </a:r>
+            <a:br>
+              <a:rPr lang="en-US" dirty="0"/>
+            </a:br>
+            <a:r>
+              <a:rPr lang="en-US" dirty="0"/>
+              <a:t>System</a:t>
+            </a:r>
+          </a:p>
+          <a:p>
+            <a:pPr algn="ctr"/>
+            <a:r>
+              <a:rPr lang="en-US" dirty="0"/>
+              <a:t>(you cant do stuff here)</a:t>
+            </a:r>
+          </a:p>
+          <a:p>
+            <a:pPr algn="ctr"/>
+            <a:r>
+              <a:rPr lang="en-US" dirty="0"/>
+              <a:t>- Linux, w/ </a:t>
+            </a:r>
+            <a:r>
+              <a:rPr lang="en-US" dirty="0" err="1"/>
+              <a:t>eBPF</a:t>
+            </a:r>
+            <a:endParaRPr lang="en-US" dirty="0"/>
+          </a:p>
+        </p:txBody>
+      </p:sp>
+      <p:sp>
+        <p:nvSpPr>
+          <p:cNvPr id="19" name="Rectangle 18">
+            <a:extLst>
+              <a:ext uri="{FF2B5EF4-FFF2-40B4-BE49-F238E27FC236}">
+                <a16:creationId xmlns:a16="http://schemas.microsoft.com/office/drawing/2014/main" id="{BBEED8F1-DA6B-B4F6-D28A-C807AE5E2082}"/>
+              </a:ext>
+            </a:extLst>
+          </p:cNvPr>
+          <p:cNvSpPr/>
+          <p:nvPr/>
+        </p:nvSpPr>
+        <p:spPr>
+          <a:xfrm>
+            <a:off x="2880231" y="1057048"/>
+            <a:ext cx="3245223" cy="1401820"/>
+          </a:xfrm>
+          <a:prstGeom prst="rect">
+            <a:avLst/>
+          </a:prstGeom>
+        </p:spPr>
+        <p:style>
+          <a:lnRef idx="2">
+            <a:schemeClr val="accent1">
+              <a:shade val="15000"/>
+            </a:schemeClr>
+          </a:lnRef>
+          <a:fillRef idx="1">
+            <a:schemeClr val="accent1"/>
+          </a:fillRef>
+          <a:effectRef idx="0">
+            <a:schemeClr val="accent1"/>
+          </a:effectRef>
+          <a:fontRef idx="minor">
+            <a:schemeClr val="lt1"/>
+          </a:fontRef>
+        </p:style>
+        <p:txBody>
+          <a:bodyPr rtlCol="0" anchor="ctr"/>
+          <a:lstStyle/>
+          <a:p>
+            <a:pPr algn="ctr"/>
+            <a:r>
+              <a:rPr lang="en-US" dirty="0"/>
+              <a:t>Application Layer</a:t>
+            </a:r>
+          </a:p>
+        </p:txBody>
+      </p:sp>
+      <p:sp>
+        <p:nvSpPr>
+          <p:cNvPr id="20" name="Rectangle 19">
+            <a:extLst>
+              <a:ext uri="{FF2B5EF4-FFF2-40B4-BE49-F238E27FC236}">
+                <a16:creationId xmlns:a16="http://schemas.microsoft.com/office/drawing/2014/main" id="{64C5CED5-14B5-5733-B222-A23DF7457A01}"/>
+              </a:ext>
+            </a:extLst>
+          </p:cNvPr>
+          <p:cNvSpPr/>
+          <p:nvPr/>
+        </p:nvSpPr>
+        <p:spPr>
+          <a:xfrm>
+            <a:off x="7691617" y="1035324"/>
+            <a:ext cx="3245223" cy="1423537"/>
+          </a:xfrm>
+          <a:prstGeom prst="rect">
+            <a:avLst/>
+          </a:prstGeom>
+          <a:solidFill>
+            <a:schemeClr val="bg1">
+              <a:lumMod val="85000"/>
+            </a:schemeClr>
+          </a:solidFill>
+        </p:spPr>
+        <p:style>
+          <a:lnRef idx="2">
+            <a:schemeClr val="accent1">
+              <a:shade val="15000"/>
+            </a:schemeClr>
+          </a:lnRef>
+          <a:fillRef idx="1">
+            <a:schemeClr val="accent1"/>
+          </a:fillRef>
+          <a:effectRef idx="0">
+            <a:schemeClr val="accent1"/>
+          </a:effectRef>
+          <a:fontRef idx="minor">
+            <a:schemeClr val="lt1"/>
+          </a:fontRef>
+        </p:style>
+        <p:txBody>
+          <a:bodyPr rtlCol="0" anchor="ctr"/>
+          <a:lstStyle/>
+          <a:p>
+            <a:pPr algn="ctr"/>
+            <a:r>
+              <a:rPr lang="en-US" dirty="0">
+                <a:solidFill>
+                  <a:schemeClr val="tx1"/>
+                </a:solidFill>
+              </a:rPr>
+              <a:t>Application</a:t>
+            </a:r>
+          </a:p>
+        </p:txBody>
+      </p:sp>
+      <p:sp>
+        <p:nvSpPr>
+          <p:cNvPr id="21" name="Right Arrow 20">
+            <a:extLst>
+              <a:ext uri="{FF2B5EF4-FFF2-40B4-BE49-F238E27FC236}">
+                <a16:creationId xmlns:a16="http://schemas.microsoft.com/office/drawing/2014/main" id="{AF0F0378-3E95-75ED-EE94-DEF8B2F14834}"/>
+              </a:ext>
+            </a:extLst>
+          </p:cNvPr>
+          <p:cNvSpPr/>
+          <p:nvPr/>
+        </p:nvSpPr>
+        <p:spPr>
+          <a:xfrm>
+            <a:off x="353097" y="1920651"/>
+            <a:ext cx="1668026" cy="840219"/>
+          </a:xfrm>
+          <a:prstGeom prst="rightArrow">
+            <a:avLst/>
+          </a:prstGeom>
+        </p:spPr>
+        <p:style>
+          <a:lnRef idx="2">
+            <a:schemeClr val="accent1">
+              <a:shade val="15000"/>
+            </a:schemeClr>
+          </a:lnRef>
+          <a:fillRef idx="1">
+            <a:schemeClr val="accent1"/>
+          </a:fillRef>
+          <a:effectRef idx="0">
+            <a:schemeClr val="accent1"/>
+          </a:effectRef>
+          <a:fontRef idx="minor">
+            <a:schemeClr val="lt1"/>
+          </a:fontRef>
+        </p:style>
+        <p:txBody>
+          <a:bodyPr rtlCol="0" anchor="ctr"/>
+          <a:lstStyle/>
+          <a:p>
+            <a:pPr algn="ctr"/>
+            <a:endParaRPr lang="en-US"/>
+          </a:p>
+        </p:txBody>
+      </p:sp>
+      <p:cxnSp>
+        <p:nvCxnSpPr>
+          <p:cNvPr id="23" name="Straight Connector 22">
+            <a:extLst>
+              <a:ext uri="{FF2B5EF4-FFF2-40B4-BE49-F238E27FC236}">
+                <a16:creationId xmlns:a16="http://schemas.microsoft.com/office/drawing/2014/main" id="{F82CEA66-7CBC-65A8-94B1-97F562E7CCD5}"/>
+              </a:ext>
+            </a:extLst>
+          </p:cNvPr>
+          <p:cNvCxnSpPr/>
+          <p:nvPr/>
+        </p:nvCxnSpPr>
+        <p:spPr>
+          <a:xfrm>
+            <a:off x="391885" y="3240213"/>
+            <a:ext cx="11625943" cy="0"/>
+          </a:xfrm>
+          <a:prstGeom prst="line">
+            <a:avLst/>
+          </a:prstGeom>
+          <a:ln w="73025"/>
+        </p:spPr>
+        <p:style>
+          <a:lnRef idx="1">
+            <a:schemeClr val="accent1"/>
+          </a:lnRef>
+          <a:fillRef idx="0">
+            <a:schemeClr val="accent1"/>
+          </a:fillRef>
+          <a:effectRef idx="0">
+            <a:schemeClr val="accent1"/>
+          </a:effectRef>
+          <a:fontRef idx="minor">
+            <a:schemeClr val="tx1"/>
+          </a:fontRef>
+        </p:style>
+      </p:cxnSp>
+      <p:sp>
+        <p:nvSpPr>
+          <p:cNvPr id="24" name="TextBox 23">
+            <a:extLst>
+              <a:ext uri="{FF2B5EF4-FFF2-40B4-BE49-F238E27FC236}">
+                <a16:creationId xmlns:a16="http://schemas.microsoft.com/office/drawing/2014/main" id="{DDE3AD9E-8F29-8D68-8E9F-3FF376D7118C}"/>
+              </a:ext>
+            </a:extLst>
+          </p:cNvPr>
+          <p:cNvSpPr txBox="1"/>
+          <p:nvPr/>
+        </p:nvSpPr>
+        <p:spPr>
+          <a:xfrm rot="16200000">
+            <a:off x="11111811" y="2055736"/>
+            <a:ext cx="1165704" cy="646331"/>
+          </a:xfrm>
+          <a:prstGeom prst="rect">
+            <a:avLst/>
+          </a:prstGeom>
+          <a:noFill/>
+        </p:spPr>
+        <p:txBody>
+          <a:bodyPr wrap="none" rtlCol="0">
+            <a:spAutoFit/>
+          </a:bodyPr>
+          <a:lstStyle/>
+          <a:p>
+            <a:r>
+              <a:rPr lang="en-US" dirty="0" err="1"/>
+              <a:t>Userspace</a:t>
+            </a:r>
+            <a:br>
+              <a:rPr lang="en-US" dirty="0"/>
+            </a:br>
+            <a:r>
+              <a:rPr lang="en-US" dirty="0"/>
+              <a:t>(Userland)</a:t>
+            </a:r>
+          </a:p>
+        </p:txBody>
+      </p:sp>
+      <p:sp>
+        <p:nvSpPr>
+          <p:cNvPr id="25" name="TextBox 24">
+            <a:extLst>
+              <a:ext uri="{FF2B5EF4-FFF2-40B4-BE49-F238E27FC236}">
+                <a16:creationId xmlns:a16="http://schemas.microsoft.com/office/drawing/2014/main" id="{13ECB0BD-A502-8E4D-C9A3-19B6F6DFF3B0}"/>
+              </a:ext>
+            </a:extLst>
+          </p:cNvPr>
+          <p:cNvSpPr txBox="1"/>
+          <p:nvPr/>
+        </p:nvSpPr>
+        <p:spPr>
+          <a:xfrm rot="16200000">
+            <a:off x="11284590" y="3708861"/>
+            <a:ext cx="839332" cy="646331"/>
+          </a:xfrm>
+          <a:prstGeom prst="rect">
+            <a:avLst/>
+          </a:prstGeom>
+          <a:noFill/>
+        </p:spPr>
+        <p:txBody>
+          <a:bodyPr wrap="none" rtlCol="0">
+            <a:spAutoFit/>
+          </a:bodyPr>
+          <a:lstStyle/>
+          <a:p>
+            <a:r>
+              <a:rPr lang="en-US" dirty="0"/>
+              <a:t>Kernel </a:t>
+            </a:r>
+            <a:br>
+              <a:rPr lang="en-US" dirty="0"/>
+            </a:br>
+            <a:r>
+              <a:rPr lang="en-US" dirty="0"/>
+              <a:t>Space</a:t>
+            </a:r>
+          </a:p>
+        </p:txBody>
+      </p:sp>
+      <p:sp>
+        <p:nvSpPr>
+          <p:cNvPr id="26" name="Down Arrow 25">
+            <a:extLst>
+              <a:ext uri="{FF2B5EF4-FFF2-40B4-BE49-F238E27FC236}">
+                <a16:creationId xmlns:a16="http://schemas.microsoft.com/office/drawing/2014/main" id="{F3086364-644A-D8E6-AE10-247BCC054227}"/>
+              </a:ext>
+            </a:extLst>
+          </p:cNvPr>
+          <p:cNvSpPr/>
+          <p:nvPr/>
+        </p:nvSpPr>
+        <p:spPr>
+          <a:xfrm>
+            <a:off x="4089679" y="2458862"/>
+            <a:ext cx="590412" cy="1108674"/>
+          </a:xfrm>
+          <a:prstGeom prst="downArrow">
+            <a:avLst/>
+          </a:prstGeom>
+        </p:spPr>
+        <p:style>
+          <a:lnRef idx="2">
+            <a:schemeClr val="accent1">
+              <a:shade val="15000"/>
+            </a:schemeClr>
+          </a:lnRef>
+          <a:fillRef idx="1">
+            <a:schemeClr val="accent1"/>
+          </a:fillRef>
+          <a:effectRef idx="0">
+            <a:schemeClr val="accent1"/>
+          </a:effectRef>
+          <a:fontRef idx="minor">
+            <a:schemeClr val="lt1"/>
+          </a:fontRef>
+        </p:style>
+        <p:txBody>
+          <a:bodyPr rtlCol="0" anchor="ctr"/>
+          <a:lstStyle/>
+          <a:p>
+            <a:pPr algn="ctr"/>
+            <a:endParaRPr lang="en-US"/>
+          </a:p>
+        </p:txBody>
+      </p:sp>
+      <p:sp>
+        <p:nvSpPr>
+          <p:cNvPr id="27" name="Down Arrow 26">
+            <a:extLst>
+              <a:ext uri="{FF2B5EF4-FFF2-40B4-BE49-F238E27FC236}">
+                <a16:creationId xmlns:a16="http://schemas.microsoft.com/office/drawing/2014/main" id="{55663A07-695B-B1E5-5035-2678EC8F15DA}"/>
+              </a:ext>
+            </a:extLst>
+          </p:cNvPr>
+          <p:cNvSpPr/>
+          <p:nvPr/>
+        </p:nvSpPr>
+        <p:spPr>
+          <a:xfrm rot="10800000">
+            <a:off x="9057541" y="2458860"/>
+            <a:ext cx="590412" cy="1094539"/>
+          </a:xfrm>
+          <a:prstGeom prst="downArrow">
+            <a:avLst/>
+          </a:prstGeom>
+          <a:solidFill>
+            <a:schemeClr val="bg1">
+              <a:lumMod val="85000"/>
+            </a:schemeClr>
+          </a:solidFill>
+        </p:spPr>
+        <p:style>
+          <a:lnRef idx="2">
+            <a:schemeClr val="accent1">
+              <a:shade val="15000"/>
+            </a:schemeClr>
+          </a:lnRef>
+          <a:fillRef idx="1">
+            <a:schemeClr val="accent1"/>
+          </a:fillRef>
+          <a:effectRef idx="0">
+            <a:schemeClr val="accent1"/>
+          </a:effectRef>
+          <a:fontRef idx="minor">
+            <a:schemeClr val="lt1"/>
+          </a:fontRef>
+        </p:style>
+        <p:txBody>
+          <a:bodyPr rtlCol="0" anchor="ctr"/>
+          <a:lstStyle/>
+          <a:p>
+            <a:pPr algn="ctr"/>
+            <a:endParaRPr lang="en-US"/>
+          </a:p>
+        </p:txBody>
+      </p:sp>
+      <p:sp>
+        <p:nvSpPr>
+          <p:cNvPr id="28" name="TextBox 27">
+            <a:extLst>
+              <a:ext uri="{FF2B5EF4-FFF2-40B4-BE49-F238E27FC236}">
+                <a16:creationId xmlns:a16="http://schemas.microsoft.com/office/drawing/2014/main" id="{B59D861C-3C06-3E31-FB19-849C457BF3E1}"/>
+              </a:ext>
+            </a:extLst>
+          </p:cNvPr>
+          <p:cNvSpPr txBox="1"/>
+          <p:nvPr/>
+        </p:nvSpPr>
+        <p:spPr>
+          <a:xfrm>
+            <a:off x="5025392" y="2866761"/>
+            <a:ext cx="864147" cy="369332"/>
+          </a:xfrm>
+          <a:prstGeom prst="rect">
+            <a:avLst/>
+          </a:prstGeom>
+          <a:noFill/>
+        </p:spPr>
+        <p:txBody>
+          <a:bodyPr wrap="none" rtlCol="0">
+            <a:spAutoFit/>
+          </a:bodyPr>
+          <a:lstStyle/>
+          <a:p>
+            <a:r>
+              <a:rPr lang="en-US" dirty="0" err="1"/>
+              <a:t>syscalls</a:t>
+            </a:r>
+            <a:endParaRPr lang="en-US" dirty="0"/>
+          </a:p>
+        </p:txBody>
+      </p:sp>
+      <p:sp>
+        <p:nvSpPr>
+          <p:cNvPr id="29" name="TextBox 28">
+            <a:extLst>
+              <a:ext uri="{FF2B5EF4-FFF2-40B4-BE49-F238E27FC236}">
+                <a16:creationId xmlns:a16="http://schemas.microsoft.com/office/drawing/2014/main" id="{E4831E9C-8D85-9B03-52F8-CD78D4E0A2D5}"/>
+              </a:ext>
+            </a:extLst>
+          </p:cNvPr>
+          <p:cNvSpPr txBox="1"/>
+          <p:nvPr/>
+        </p:nvSpPr>
+        <p:spPr>
+          <a:xfrm>
+            <a:off x="5110390" y="2018396"/>
+            <a:ext cx="1901579" cy="923330"/>
+          </a:xfrm>
+          <a:prstGeom prst="rect">
+            <a:avLst/>
+          </a:prstGeom>
+          <a:solidFill>
+            <a:schemeClr val="tx1"/>
+          </a:solidFill>
+        </p:spPr>
+        <p:txBody>
+          <a:bodyPr wrap="square" rtlCol="0">
+            <a:spAutoFit/>
+          </a:bodyPr>
+          <a:lstStyle/>
+          <a:p>
+            <a:r>
+              <a:rPr lang="en-US" dirty="0" err="1">
+                <a:solidFill>
+                  <a:schemeClr val="bg1">
+                    <a:lumMod val="95000"/>
+                  </a:schemeClr>
+                </a:solidFill>
+              </a:rPr>
+              <a:t>libc</a:t>
+            </a:r>
+            <a:r>
+              <a:rPr lang="en-US" dirty="0">
+                <a:solidFill>
+                  <a:schemeClr val="bg1">
+                    <a:lumMod val="95000"/>
+                  </a:schemeClr>
+                </a:solidFill>
+              </a:rPr>
+              <a:t> – Linux</a:t>
+            </a:r>
+            <a:br>
+              <a:rPr lang="en-US" dirty="0">
+                <a:solidFill>
+                  <a:schemeClr val="bg1">
+                    <a:lumMod val="95000"/>
+                  </a:schemeClr>
+                </a:solidFill>
+              </a:rPr>
+            </a:br>
+            <a:br>
+              <a:rPr lang="en-US" dirty="0">
+                <a:solidFill>
+                  <a:schemeClr val="bg1">
+                    <a:lumMod val="95000"/>
+                  </a:schemeClr>
+                </a:solidFill>
+              </a:rPr>
+            </a:br>
+            <a:endParaRPr lang="en-US" dirty="0">
+              <a:solidFill>
+                <a:schemeClr val="bg1">
+                  <a:lumMod val="95000"/>
+                </a:schemeClr>
+              </a:solidFill>
+            </a:endParaRPr>
+          </a:p>
+        </p:txBody>
+      </p:sp>
+      <p:sp>
+        <p:nvSpPr>
+          <p:cNvPr id="30" name="Rectangle 29">
+            <a:extLst>
+              <a:ext uri="{FF2B5EF4-FFF2-40B4-BE49-F238E27FC236}">
+                <a16:creationId xmlns:a16="http://schemas.microsoft.com/office/drawing/2014/main" id="{1FF44C9C-53AD-9DC0-A801-6E05EE4CAFB9}"/>
+              </a:ext>
+            </a:extLst>
+          </p:cNvPr>
+          <p:cNvSpPr/>
+          <p:nvPr/>
+        </p:nvSpPr>
+        <p:spPr>
+          <a:xfrm>
+            <a:off x="5198515" y="2497977"/>
+            <a:ext cx="1711736" cy="254396"/>
+          </a:xfrm>
+          <a:prstGeom prst="rect">
+            <a:avLst/>
+          </a:prstGeom>
+          <a:solidFill>
+            <a:schemeClr val="accent1">
+              <a:lumMod val="20000"/>
+              <a:lumOff val="80000"/>
+            </a:schemeClr>
+          </a:solidFill>
+          <a:ln>
+            <a:solidFill>
+              <a:schemeClr val="accent1">
+                <a:lumMod val="20000"/>
+                <a:lumOff val="80000"/>
+              </a:schemeClr>
+            </a:solidFill>
+          </a:ln>
+        </p:spPr>
+        <p:style>
+          <a:lnRef idx="2">
+            <a:schemeClr val="accent1">
+              <a:shade val="15000"/>
+            </a:schemeClr>
+          </a:lnRef>
+          <a:fillRef idx="1">
+            <a:schemeClr val="accent1"/>
+          </a:fillRef>
+          <a:effectRef idx="0">
+            <a:schemeClr val="accent1"/>
+          </a:effectRef>
+          <a:fontRef idx="minor">
+            <a:schemeClr val="lt1"/>
+          </a:fontRef>
+        </p:style>
+        <p:txBody>
+          <a:bodyPr rtlCol="0" anchor="ctr"/>
+          <a:lstStyle/>
+          <a:p>
+            <a:pPr algn="ctr"/>
+            <a:r>
+              <a:rPr lang="en-US" dirty="0">
+                <a:solidFill>
+                  <a:srgbClr val="002060"/>
+                </a:solidFill>
+              </a:rPr>
+              <a:t>sockets - </a:t>
+            </a:r>
+            <a:r>
+              <a:rPr lang="en-US" dirty="0" err="1">
+                <a:solidFill>
+                  <a:srgbClr val="002060"/>
+                </a:solidFill>
+              </a:rPr>
+              <a:t>api</a:t>
+            </a:r>
+            <a:endParaRPr lang="en-US" dirty="0">
+              <a:solidFill>
+                <a:srgbClr val="002060"/>
+              </a:solidFill>
+            </a:endParaRPr>
+          </a:p>
+        </p:txBody>
+      </p:sp>
+    </p:spTree>
+    <p:extLst>
+      <p:ext uri="{BB962C8B-B14F-4D97-AF65-F5344CB8AC3E}">
+        <p14:creationId xmlns:p14="http://schemas.microsoft.com/office/powerpoint/2010/main" val="1749490455"/>
+      </p:ext>
+    </p:extLst>
+  </p:cSld>
+  <p:clrMapOvr>
+    <a:masterClrMapping/>
+  </p:clrMapOvr>
+</p:sld>
+</file>
+
+<file path=ppt/slides/slide3.xml><?xml version="1.0" encoding="utf-8"?>
+<p:sld xmlns:a="http://schemas.openxmlformats.org/drawingml/2006/main" xmlns:r="http://schemas.openxmlformats.org/officeDocument/2006/relationships" xmlns:p="http://schemas.openxmlformats.org/presentationml/2006/main">
+  <p:cSld>
+    <p:spTree>
+      <p:nvGrpSpPr>
+        <p:cNvPr id="1" name=""/>
+        <p:cNvGrpSpPr/>
+        <p:nvPr/>
+      </p:nvGrpSpPr>
+      <p:grpSpPr>
+        <a:xfrm>
+          <a:off x="0" y="0"/>
+          <a:ext cx="0" cy="0"/>
+          <a:chOff x="0" y="0"/>
+          <a:chExt cx="0" cy="0"/>
+        </a:xfrm>
+      </p:grpSpPr>
+      <p:sp>
+        <p:nvSpPr>
+          <p:cNvPr id="4" name="Rectangle 3">
+            <a:extLst>
+              <a:ext uri="{FF2B5EF4-FFF2-40B4-BE49-F238E27FC236}">
+                <a16:creationId xmlns:a16="http://schemas.microsoft.com/office/drawing/2014/main" id="{572B76FD-33D3-0B72-E1E8-6E0A99C32F25}"/>
+              </a:ext>
+            </a:extLst>
+          </p:cNvPr>
+          <p:cNvSpPr/>
+          <p:nvPr/>
+        </p:nvSpPr>
+        <p:spPr>
+          <a:xfrm>
+            <a:off x="2880231" y="5011271"/>
+            <a:ext cx="3245223" cy="457200"/>
+          </a:xfrm>
+          <a:prstGeom prst="rect">
+            <a:avLst/>
+          </a:prstGeom>
+        </p:spPr>
+        <p:style>
+          <a:lnRef idx="2">
+            <a:schemeClr val="accent1">
+              <a:shade val="15000"/>
+            </a:schemeClr>
+          </a:lnRef>
+          <a:fillRef idx="1">
+            <a:schemeClr val="accent1"/>
+          </a:fillRef>
+          <a:effectRef idx="0">
+            <a:schemeClr val="accent1"/>
+          </a:effectRef>
+          <a:fontRef idx="minor">
+            <a:schemeClr val="lt1"/>
+          </a:fontRef>
+        </p:style>
+        <p:txBody>
+          <a:bodyPr rtlCol="0" anchor="ctr"/>
+          <a:lstStyle/>
+          <a:p>
+            <a:pPr algn="ctr"/>
+            <a:r>
+              <a:rPr lang="en-US" dirty="0"/>
+              <a:t>Physical / Net Interface</a:t>
+            </a:r>
+          </a:p>
+        </p:txBody>
+      </p:sp>
+      <p:sp>
+        <p:nvSpPr>
+          <p:cNvPr id="5" name="TextBox 4">
+            <a:extLst>
+              <a:ext uri="{FF2B5EF4-FFF2-40B4-BE49-F238E27FC236}">
+                <a16:creationId xmlns:a16="http://schemas.microsoft.com/office/drawing/2014/main" id="{DA7B49BA-6867-3BAD-1167-90D5DF89205D}"/>
+              </a:ext>
+            </a:extLst>
+          </p:cNvPr>
+          <p:cNvSpPr txBox="1"/>
+          <p:nvPr/>
+        </p:nvSpPr>
+        <p:spPr>
+          <a:xfrm>
+            <a:off x="3954123" y="5880847"/>
+            <a:ext cx="725968" cy="369332"/>
+          </a:xfrm>
+          <a:prstGeom prst="rect">
+            <a:avLst/>
+          </a:prstGeom>
+          <a:noFill/>
+        </p:spPr>
+        <p:txBody>
+          <a:bodyPr wrap="none" rtlCol="0">
+            <a:spAutoFit/>
+          </a:bodyPr>
+          <a:lstStyle/>
+          <a:p>
+            <a:r>
+              <a:rPr lang="en-US" dirty="0"/>
+              <a:t>Client</a:t>
+            </a:r>
+          </a:p>
+        </p:txBody>
+      </p:sp>
+      <p:sp>
+        <p:nvSpPr>
+          <p:cNvPr id="6" name="Rectangle 5">
+            <a:extLst>
+              <a:ext uri="{FF2B5EF4-FFF2-40B4-BE49-F238E27FC236}">
+                <a16:creationId xmlns:a16="http://schemas.microsoft.com/office/drawing/2014/main" id="{DA5F80A4-6B9D-E79E-6B3A-A6FE402411F0}"/>
+              </a:ext>
+            </a:extLst>
+          </p:cNvPr>
+          <p:cNvSpPr/>
+          <p:nvPr/>
+        </p:nvSpPr>
+        <p:spPr>
+          <a:xfrm>
+            <a:off x="7730137" y="5011271"/>
+            <a:ext cx="3245223" cy="457200"/>
+          </a:xfrm>
+          <a:prstGeom prst="rect">
+            <a:avLst/>
+          </a:prstGeom>
+          <a:solidFill>
+            <a:schemeClr val="bg1">
+              <a:lumMod val="85000"/>
+            </a:schemeClr>
+          </a:solidFill>
+        </p:spPr>
+        <p:style>
+          <a:lnRef idx="2">
+            <a:schemeClr val="accent1">
+              <a:shade val="15000"/>
+            </a:schemeClr>
+          </a:lnRef>
+          <a:fillRef idx="1">
+            <a:schemeClr val="accent1"/>
+          </a:fillRef>
+          <a:effectRef idx="0">
+            <a:schemeClr val="accent1"/>
+          </a:effectRef>
+          <a:fontRef idx="minor">
+            <a:schemeClr val="lt1"/>
+          </a:fontRef>
+        </p:style>
+        <p:txBody>
+          <a:bodyPr rtlCol="0" anchor="ctr"/>
+          <a:lstStyle/>
+          <a:p>
+            <a:pPr algn="ctr"/>
+            <a:r>
+              <a:rPr lang="en-US" dirty="0">
+                <a:solidFill>
+                  <a:schemeClr val="tx1"/>
+                </a:solidFill>
+              </a:rPr>
+              <a:t>Physical / Net Interface</a:t>
+            </a:r>
+          </a:p>
+        </p:txBody>
+      </p:sp>
+      <p:sp>
+        <p:nvSpPr>
+          <p:cNvPr id="7" name="TextBox 6">
+            <a:extLst>
+              <a:ext uri="{FF2B5EF4-FFF2-40B4-BE49-F238E27FC236}">
+                <a16:creationId xmlns:a16="http://schemas.microsoft.com/office/drawing/2014/main" id="{213FC0A0-122B-84E0-A14F-593FF0D6EB53}"/>
+              </a:ext>
+            </a:extLst>
+          </p:cNvPr>
+          <p:cNvSpPr txBox="1"/>
+          <p:nvPr/>
+        </p:nvSpPr>
+        <p:spPr>
+          <a:xfrm>
+            <a:off x="9090505" y="5880847"/>
+            <a:ext cx="785664" cy="369332"/>
+          </a:xfrm>
+          <a:prstGeom prst="rect">
+            <a:avLst/>
+          </a:prstGeom>
+          <a:noFill/>
+        </p:spPr>
+        <p:txBody>
+          <a:bodyPr wrap="none" rtlCol="0">
+            <a:spAutoFit/>
+          </a:bodyPr>
+          <a:lstStyle/>
+          <a:p>
+            <a:r>
+              <a:rPr lang="en-US" dirty="0"/>
+              <a:t>Server</a:t>
+            </a:r>
+          </a:p>
+        </p:txBody>
+      </p:sp>
+      <p:cxnSp>
+        <p:nvCxnSpPr>
+          <p:cNvPr id="9" name="Straight Connector 8">
+            <a:extLst>
+              <a:ext uri="{FF2B5EF4-FFF2-40B4-BE49-F238E27FC236}">
+                <a16:creationId xmlns:a16="http://schemas.microsoft.com/office/drawing/2014/main" id="{F32E1C7D-CA4B-7271-79CB-F9E812CFB98D}"/>
+              </a:ext>
+            </a:extLst>
+          </p:cNvPr>
+          <p:cNvCxnSpPr>
+            <a:stCxn id="4" idx="3"/>
+            <a:endCxn id="6" idx="1"/>
+          </p:cNvCxnSpPr>
+          <p:nvPr/>
+        </p:nvCxnSpPr>
+        <p:spPr>
+          <a:xfrm>
+            <a:off x="6125454" y="5239871"/>
+            <a:ext cx="1604683" cy="0"/>
+          </a:xfrm>
+          <a:prstGeom prst="line">
+            <a:avLst/>
+          </a:prstGeom>
+          <a:ln w="34925"/>
+        </p:spPr>
+        <p:style>
+          <a:lnRef idx="1">
+            <a:schemeClr val="accent1"/>
+          </a:lnRef>
+          <a:fillRef idx="0">
+            <a:schemeClr val="accent1"/>
+          </a:fillRef>
+          <a:effectRef idx="0">
+            <a:schemeClr val="accent1"/>
+          </a:effectRef>
+          <a:fontRef idx="minor">
+            <a:schemeClr val="tx1"/>
+          </a:fontRef>
+        </p:style>
+      </p:cxnSp>
+      <p:sp>
+        <p:nvSpPr>
+          <p:cNvPr id="10" name="TextBox 9">
+            <a:extLst>
+              <a:ext uri="{FF2B5EF4-FFF2-40B4-BE49-F238E27FC236}">
+                <a16:creationId xmlns:a16="http://schemas.microsoft.com/office/drawing/2014/main" id="{1E16537D-A07A-D15E-327E-9B1407F0A8D6}"/>
+              </a:ext>
+            </a:extLst>
+          </p:cNvPr>
+          <p:cNvSpPr txBox="1"/>
+          <p:nvPr/>
+        </p:nvSpPr>
+        <p:spPr>
+          <a:xfrm>
+            <a:off x="6424708" y="4870539"/>
+            <a:ext cx="1006173" cy="369332"/>
+          </a:xfrm>
+          <a:prstGeom prst="rect">
+            <a:avLst/>
+          </a:prstGeom>
+          <a:noFill/>
+        </p:spPr>
+        <p:txBody>
+          <a:bodyPr wrap="none" rtlCol="0">
+            <a:spAutoFit/>
+          </a:bodyPr>
+          <a:lstStyle/>
+          <a:p>
+            <a:r>
+              <a:rPr lang="en-US" dirty="0"/>
+              <a:t>ethernet</a:t>
+            </a:r>
+          </a:p>
+        </p:txBody>
+      </p:sp>
+      <p:sp>
+        <p:nvSpPr>
+          <p:cNvPr id="11" name="Rectangle 10">
+            <a:extLst>
+              <a:ext uri="{FF2B5EF4-FFF2-40B4-BE49-F238E27FC236}">
+                <a16:creationId xmlns:a16="http://schemas.microsoft.com/office/drawing/2014/main" id="{6265C87B-A513-24AC-5B17-BC02A83A467A}"/>
+              </a:ext>
+            </a:extLst>
+          </p:cNvPr>
+          <p:cNvSpPr/>
+          <p:nvPr/>
+        </p:nvSpPr>
+        <p:spPr>
+          <a:xfrm>
+            <a:off x="2880231" y="4028207"/>
+            <a:ext cx="3245223" cy="457200"/>
+          </a:xfrm>
+          <a:prstGeom prst="rect">
+            <a:avLst/>
+          </a:prstGeom>
+        </p:spPr>
+        <p:style>
+          <a:lnRef idx="2">
+            <a:schemeClr val="accent1">
+              <a:shade val="15000"/>
+            </a:schemeClr>
+          </a:lnRef>
+          <a:fillRef idx="1">
+            <a:schemeClr val="accent1"/>
+          </a:fillRef>
+          <a:effectRef idx="0">
+            <a:schemeClr val="accent1"/>
+          </a:effectRef>
+          <a:fontRef idx="minor">
+            <a:schemeClr val="lt1"/>
+          </a:fontRef>
+        </p:style>
+        <p:txBody>
+          <a:bodyPr rtlCol="0" anchor="ctr"/>
+          <a:lstStyle/>
+          <a:p>
+            <a:pPr algn="ctr"/>
+            <a:r>
+              <a:rPr lang="en-US" dirty="0"/>
+              <a:t>Network Layer (IP)</a:t>
+            </a:r>
+          </a:p>
+        </p:txBody>
+      </p:sp>
+      <p:sp>
+        <p:nvSpPr>
+          <p:cNvPr id="13" name="Rectangle 12">
+            <a:extLst>
+              <a:ext uri="{FF2B5EF4-FFF2-40B4-BE49-F238E27FC236}">
+                <a16:creationId xmlns:a16="http://schemas.microsoft.com/office/drawing/2014/main" id="{0D59189E-1001-4790-5EF4-E83DD2DA300A}"/>
+              </a:ext>
+            </a:extLst>
+          </p:cNvPr>
+          <p:cNvSpPr/>
+          <p:nvPr/>
+        </p:nvSpPr>
+        <p:spPr>
+          <a:xfrm>
+            <a:off x="2880231" y="3567535"/>
+            <a:ext cx="3245223" cy="457200"/>
+          </a:xfrm>
+          <a:prstGeom prst="rect">
+            <a:avLst/>
+          </a:prstGeom>
+        </p:spPr>
+        <p:style>
+          <a:lnRef idx="2">
+            <a:schemeClr val="accent1">
+              <a:shade val="15000"/>
+            </a:schemeClr>
+          </a:lnRef>
+          <a:fillRef idx="1">
+            <a:schemeClr val="accent1"/>
+          </a:fillRef>
+          <a:effectRef idx="0">
+            <a:schemeClr val="accent1"/>
+          </a:effectRef>
+          <a:fontRef idx="minor">
+            <a:schemeClr val="lt1"/>
+          </a:fontRef>
+        </p:style>
+        <p:txBody>
+          <a:bodyPr rtlCol="0" anchor="ctr"/>
+          <a:lstStyle/>
+          <a:p>
+            <a:pPr algn="ctr"/>
+            <a:r>
+              <a:rPr lang="en-US" dirty="0"/>
+              <a:t>Transport Layer (TCP or UDP)</a:t>
+            </a:r>
+          </a:p>
+        </p:txBody>
+      </p:sp>
+      <p:sp>
+        <p:nvSpPr>
+          <p:cNvPr id="14" name="Rectangle 13">
+            <a:extLst>
+              <a:ext uri="{FF2B5EF4-FFF2-40B4-BE49-F238E27FC236}">
+                <a16:creationId xmlns:a16="http://schemas.microsoft.com/office/drawing/2014/main" id="{D0A4ED38-BF0C-1FA7-3A8C-41582B588158}"/>
+              </a:ext>
+            </a:extLst>
+          </p:cNvPr>
+          <p:cNvSpPr/>
+          <p:nvPr/>
+        </p:nvSpPr>
+        <p:spPr>
+          <a:xfrm>
+            <a:off x="7730136" y="4028207"/>
+            <a:ext cx="3245223" cy="457200"/>
+          </a:xfrm>
+          <a:prstGeom prst="rect">
+            <a:avLst/>
+          </a:prstGeom>
+          <a:solidFill>
+            <a:schemeClr val="bg1">
+              <a:lumMod val="85000"/>
+            </a:schemeClr>
+          </a:solidFill>
+        </p:spPr>
+        <p:style>
+          <a:lnRef idx="2">
+            <a:schemeClr val="accent1">
+              <a:shade val="15000"/>
+            </a:schemeClr>
+          </a:lnRef>
+          <a:fillRef idx="1">
+            <a:schemeClr val="accent1"/>
+          </a:fillRef>
+          <a:effectRef idx="0">
+            <a:schemeClr val="accent1"/>
+          </a:effectRef>
+          <a:fontRef idx="minor">
+            <a:schemeClr val="lt1"/>
+          </a:fontRef>
+        </p:style>
+        <p:txBody>
+          <a:bodyPr rtlCol="0" anchor="ctr"/>
+          <a:lstStyle/>
+          <a:p>
+            <a:pPr algn="ctr"/>
+            <a:r>
+              <a:rPr lang="en-US" dirty="0">
+                <a:solidFill>
+                  <a:schemeClr val="tx1"/>
+                </a:solidFill>
+              </a:rPr>
+              <a:t>Network (IP)</a:t>
+            </a:r>
+          </a:p>
+        </p:txBody>
+      </p:sp>
+      <p:sp>
+        <p:nvSpPr>
+          <p:cNvPr id="15" name="Rectangle 14">
+            <a:extLst>
+              <a:ext uri="{FF2B5EF4-FFF2-40B4-BE49-F238E27FC236}">
+                <a16:creationId xmlns:a16="http://schemas.microsoft.com/office/drawing/2014/main" id="{F053344C-55EE-080C-F40A-9764BA5235B8}"/>
+              </a:ext>
+            </a:extLst>
+          </p:cNvPr>
+          <p:cNvSpPr/>
+          <p:nvPr/>
+        </p:nvSpPr>
+        <p:spPr>
+          <a:xfrm>
+            <a:off x="7730136" y="3567535"/>
+            <a:ext cx="3245223" cy="457200"/>
+          </a:xfrm>
+          <a:prstGeom prst="rect">
+            <a:avLst/>
+          </a:prstGeom>
+          <a:solidFill>
+            <a:schemeClr val="bg1">
+              <a:lumMod val="85000"/>
+            </a:schemeClr>
+          </a:solidFill>
+        </p:spPr>
+        <p:style>
+          <a:lnRef idx="2">
+            <a:schemeClr val="accent1">
+              <a:shade val="15000"/>
+            </a:schemeClr>
+          </a:lnRef>
+          <a:fillRef idx="1">
+            <a:schemeClr val="accent1"/>
+          </a:fillRef>
+          <a:effectRef idx="0">
+            <a:schemeClr val="accent1"/>
+          </a:effectRef>
+          <a:fontRef idx="minor">
+            <a:schemeClr val="lt1"/>
+          </a:fontRef>
+        </p:style>
+        <p:txBody>
+          <a:bodyPr rtlCol="0" anchor="ctr"/>
+          <a:lstStyle/>
+          <a:p>
+            <a:pPr algn="ctr"/>
+            <a:r>
+              <a:rPr lang="en-US" dirty="0">
+                <a:solidFill>
+                  <a:schemeClr val="tx1"/>
+                </a:solidFill>
+              </a:rPr>
+              <a:t>Transport (TCP or UDP)</a:t>
+            </a:r>
+          </a:p>
+        </p:txBody>
+      </p:sp>
+      <p:sp>
+        <p:nvSpPr>
+          <p:cNvPr id="16" name="Left Bracket 15">
+            <a:extLst>
+              <a:ext uri="{FF2B5EF4-FFF2-40B4-BE49-F238E27FC236}">
+                <a16:creationId xmlns:a16="http://schemas.microsoft.com/office/drawing/2014/main" id="{93C153B4-CB96-00BE-4F0A-CEBA86674AF8}"/>
+              </a:ext>
+            </a:extLst>
+          </p:cNvPr>
+          <p:cNvSpPr/>
+          <p:nvPr/>
+        </p:nvSpPr>
+        <p:spPr>
+          <a:xfrm>
+            <a:off x="2431700" y="3429000"/>
+            <a:ext cx="190918" cy="1132952"/>
+          </a:xfrm>
+          <a:prstGeom prst="leftBracket">
+            <a:avLst/>
+          </a:prstGeom>
+        </p:spPr>
+        <p:style>
+          <a:lnRef idx="1">
+            <a:schemeClr val="accent1"/>
+          </a:lnRef>
+          <a:fillRef idx="0">
+            <a:schemeClr val="accent1"/>
+          </a:fillRef>
+          <a:effectRef idx="0">
+            <a:schemeClr val="accent1"/>
+          </a:effectRef>
+          <a:fontRef idx="minor">
+            <a:schemeClr val="tx1"/>
+          </a:fontRef>
+        </p:style>
+        <p:txBody>
+          <a:bodyPr rtlCol="0" anchor="ctr"/>
+          <a:lstStyle/>
+          <a:p>
+            <a:pPr algn="ctr"/>
+            <a:endParaRPr lang="en-US"/>
+          </a:p>
+        </p:txBody>
+      </p:sp>
+      <p:sp>
+        <p:nvSpPr>
+          <p:cNvPr id="17" name="Left Bracket 16">
+            <a:extLst>
+              <a:ext uri="{FF2B5EF4-FFF2-40B4-BE49-F238E27FC236}">
+                <a16:creationId xmlns:a16="http://schemas.microsoft.com/office/drawing/2014/main" id="{D4FCC522-EF97-1410-D530-62088D376C00}"/>
+              </a:ext>
+            </a:extLst>
+          </p:cNvPr>
+          <p:cNvSpPr/>
+          <p:nvPr/>
+        </p:nvSpPr>
+        <p:spPr>
+          <a:xfrm flipH="1">
+            <a:off x="11137513" y="3464909"/>
+            <a:ext cx="190918" cy="1132952"/>
+          </a:xfrm>
+          <a:prstGeom prst="leftBracket">
+            <a:avLst/>
+          </a:prstGeom>
+        </p:spPr>
+        <p:style>
+          <a:lnRef idx="1">
+            <a:schemeClr val="accent1"/>
+          </a:lnRef>
+          <a:fillRef idx="0">
+            <a:schemeClr val="accent1"/>
+          </a:fillRef>
+          <a:effectRef idx="0">
+            <a:schemeClr val="accent1"/>
+          </a:effectRef>
+          <a:fontRef idx="minor">
+            <a:schemeClr val="tx1"/>
+          </a:fontRef>
+        </p:style>
+        <p:txBody>
+          <a:bodyPr rtlCol="0" anchor="ctr"/>
+          <a:lstStyle/>
+          <a:p>
+            <a:pPr algn="ctr"/>
+            <a:endParaRPr lang="en-US"/>
+          </a:p>
+        </p:txBody>
+      </p:sp>
+      <p:sp>
+        <p:nvSpPr>
+          <p:cNvPr id="19" name="Rectangle 18">
+            <a:extLst>
+              <a:ext uri="{FF2B5EF4-FFF2-40B4-BE49-F238E27FC236}">
+                <a16:creationId xmlns:a16="http://schemas.microsoft.com/office/drawing/2014/main" id="{BBEED8F1-DA6B-B4F6-D28A-C807AE5E2082}"/>
+              </a:ext>
+            </a:extLst>
+          </p:cNvPr>
+          <p:cNvSpPr/>
+          <p:nvPr/>
+        </p:nvSpPr>
+        <p:spPr>
+          <a:xfrm>
+            <a:off x="2880231" y="1057048"/>
+            <a:ext cx="3245223" cy="1401820"/>
+          </a:xfrm>
+          <a:prstGeom prst="rect">
+            <a:avLst/>
+          </a:prstGeom>
+        </p:spPr>
+        <p:style>
+          <a:lnRef idx="2">
+            <a:schemeClr val="accent1">
+              <a:shade val="15000"/>
+            </a:schemeClr>
+          </a:lnRef>
+          <a:fillRef idx="1">
+            <a:schemeClr val="accent1"/>
+          </a:fillRef>
+          <a:effectRef idx="0">
+            <a:schemeClr val="accent1"/>
+          </a:effectRef>
+          <a:fontRef idx="minor">
+            <a:schemeClr val="lt1"/>
+          </a:fontRef>
+        </p:style>
+        <p:txBody>
+          <a:bodyPr rtlCol="0" anchor="ctr"/>
+          <a:lstStyle/>
+          <a:p>
+            <a:pPr algn="ctr"/>
+            <a:r>
+              <a:rPr lang="en-US" dirty="0"/>
+              <a:t>Application Layer</a:t>
+            </a:r>
+          </a:p>
+        </p:txBody>
+      </p:sp>
+      <p:sp>
+        <p:nvSpPr>
+          <p:cNvPr id="20" name="Rectangle 19">
+            <a:extLst>
+              <a:ext uri="{FF2B5EF4-FFF2-40B4-BE49-F238E27FC236}">
+                <a16:creationId xmlns:a16="http://schemas.microsoft.com/office/drawing/2014/main" id="{64C5CED5-14B5-5733-B222-A23DF7457A01}"/>
+              </a:ext>
+            </a:extLst>
+          </p:cNvPr>
+          <p:cNvSpPr/>
+          <p:nvPr/>
+        </p:nvSpPr>
+        <p:spPr>
+          <a:xfrm>
+            <a:off x="7691617" y="1035324"/>
+            <a:ext cx="3245223" cy="1423537"/>
+          </a:xfrm>
+          <a:prstGeom prst="rect">
+            <a:avLst/>
+          </a:prstGeom>
+          <a:solidFill>
+            <a:schemeClr val="bg1">
+              <a:lumMod val="85000"/>
+            </a:schemeClr>
+          </a:solidFill>
+        </p:spPr>
+        <p:style>
+          <a:lnRef idx="2">
+            <a:schemeClr val="accent1">
+              <a:shade val="15000"/>
+            </a:schemeClr>
+          </a:lnRef>
+          <a:fillRef idx="1">
+            <a:schemeClr val="accent1"/>
+          </a:fillRef>
+          <a:effectRef idx="0">
+            <a:schemeClr val="accent1"/>
+          </a:effectRef>
+          <a:fontRef idx="minor">
+            <a:schemeClr val="lt1"/>
+          </a:fontRef>
+        </p:style>
+        <p:txBody>
+          <a:bodyPr rtlCol="0" anchor="ctr"/>
+          <a:lstStyle/>
+          <a:p>
+            <a:pPr algn="ctr"/>
+            <a:r>
+              <a:rPr lang="en-US" dirty="0">
+                <a:solidFill>
+                  <a:schemeClr val="tx1"/>
+                </a:solidFill>
+              </a:rPr>
+              <a:t>Application</a:t>
+            </a:r>
+          </a:p>
+        </p:txBody>
+      </p:sp>
+      <p:cxnSp>
+        <p:nvCxnSpPr>
+          <p:cNvPr id="23" name="Straight Connector 22">
+            <a:extLst>
+              <a:ext uri="{FF2B5EF4-FFF2-40B4-BE49-F238E27FC236}">
+                <a16:creationId xmlns:a16="http://schemas.microsoft.com/office/drawing/2014/main" id="{F82CEA66-7CBC-65A8-94B1-97F562E7CCD5}"/>
+              </a:ext>
+            </a:extLst>
+          </p:cNvPr>
+          <p:cNvCxnSpPr/>
+          <p:nvPr/>
+        </p:nvCxnSpPr>
+        <p:spPr>
+          <a:xfrm>
+            <a:off x="391885" y="3098808"/>
+            <a:ext cx="11625943" cy="0"/>
+          </a:xfrm>
+          <a:prstGeom prst="line">
+            <a:avLst/>
+          </a:prstGeom>
+          <a:ln w="73025"/>
+        </p:spPr>
+        <p:style>
+          <a:lnRef idx="1">
+            <a:schemeClr val="accent1"/>
+          </a:lnRef>
+          <a:fillRef idx="0">
+            <a:schemeClr val="accent1"/>
+          </a:fillRef>
+          <a:effectRef idx="0">
+            <a:schemeClr val="accent1"/>
+          </a:effectRef>
+          <a:fontRef idx="minor">
+            <a:schemeClr val="tx1"/>
+          </a:fontRef>
+        </p:style>
+      </p:cxnSp>
+      <p:sp>
+        <p:nvSpPr>
+          <p:cNvPr id="26" name="Down Arrow 25">
+            <a:extLst>
+              <a:ext uri="{FF2B5EF4-FFF2-40B4-BE49-F238E27FC236}">
+                <a16:creationId xmlns:a16="http://schemas.microsoft.com/office/drawing/2014/main" id="{F3086364-644A-D8E6-AE10-247BCC054227}"/>
+              </a:ext>
+            </a:extLst>
+          </p:cNvPr>
+          <p:cNvSpPr/>
+          <p:nvPr/>
+        </p:nvSpPr>
+        <p:spPr>
+          <a:xfrm>
+            <a:off x="4089679" y="2458862"/>
+            <a:ext cx="590412" cy="1108674"/>
+          </a:xfrm>
+          <a:prstGeom prst="downArrow">
+            <a:avLst/>
+          </a:prstGeom>
+        </p:spPr>
+        <p:style>
+          <a:lnRef idx="2">
+            <a:schemeClr val="accent1">
+              <a:shade val="15000"/>
+            </a:schemeClr>
+          </a:lnRef>
+          <a:fillRef idx="1">
+            <a:schemeClr val="accent1"/>
+          </a:fillRef>
+          <a:effectRef idx="0">
+            <a:schemeClr val="accent1"/>
+          </a:effectRef>
+          <a:fontRef idx="minor">
+            <a:schemeClr val="lt1"/>
+          </a:fontRef>
+        </p:style>
+        <p:txBody>
+          <a:bodyPr rtlCol="0" anchor="ctr"/>
+          <a:lstStyle/>
+          <a:p>
+            <a:pPr algn="ctr"/>
+            <a:endParaRPr lang="en-US"/>
+          </a:p>
+        </p:txBody>
+      </p:sp>
+      <p:sp>
+        <p:nvSpPr>
+          <p:cNvPr id="27" name="Down Arrow 26">
+            <a:extLst>
+              <a:ext uri="{FF2B5EF4-FFF2-40B4-BE49-F238E27FC236}">
+                <a16:creationId xmlns:a16="http://schemas.microsoft.com/office/drawing/2014/main" id="{55663A07-695B-B1E5-5035-2678EC8F15DA}"/>
+              </a:ext>
+            </a:extLst>
+          </p:cNvPr>
+          <p:cNvSpPr/>
+          <p:nvPr/>
+        </p:nvSpPr>
+        <p:spPr>
+          <a:xfrm rot="10800000">
+            <a:off x="9057541" y="2458860"/>
+            <a:ext cx="590412" cy="1094539"/>
+          </a:xfrm>
+          <a:prstGeom prst="downArrow">
+            <a:avLst/>
+          </a:prstGeom>
+          <a:solidFill>
+            <a:schemeClr val="bg1">
+              <a:lumMod val="85000"/>
+            </a:schemeClr>
+          </a:solidFill>
+        </p:spPr>
+        <p:style>
+          <a:lnRef idx="2">
+            <a:schemeClr val="accent1">
+              <a:shade val="15000"/>
+            </a:schemeClr>
+          </a:lnRef>
+          <a:fillRef idx="1">
+            <a:schemeClr val="accent1"/>
+          </a:fillRef>
+          <a:effectRef idx="0">
+            <a:schemeClr val="accent1"/>
+          </a:effectRef>
+          <a:fontRef idx="minor">
+            <a:schemeClr val="lt1"/>
+          </a:fontRef>
+        </p:style>
+        <p:txBody>
+          <a:bodyPr rtlCol="0" anchor="ctr"/>
+          <a:lstStyle/>
+          <a:p>
+            <a:pPr algn="ctr"/>
+            <a:endParaRPr lang="en-US"/>
+          </a:p>
+        </p:txBody>
+      </p:sp>
+      <p:sp>
+        <p:nvSpPr>
+          <p:cNvPr id="2" name="TextBox 1">
+            <a:extLst>
+              <a:ext uri="{FF2B5EF4-FFF2-40B4-BE49-F238E27FC236}">
+                <a16:creationId xmlns:a16="http://schemas.microsoft.com/office/drawing/2014/main" id="{CFA1966B-E2B3-377F-F9D3-1B2FA5A5C26E}"/>
+              </a:ext>
+            </a:extLst>
+          </p:cNvPr>
+          <p:cNvSpPr txBox="1"/>
+          <p:nvPr/>
+        </p:nvSpPr>
+        <p:spPr>
+          <a:xfrm>
+            <a:off x="518475" y="5181878"/>
+            <a:ext cx="1104085" cy="369332"/>
+          </a:xfrm>
+          <a:prstGeom prst="rect">
+            <a:avLst/>
+          </a:prstGeom>
+          <a:noFill/>
+        </p:spPr>
+        <p:txBody>
+          <a:bodyPr wrap="none" rtlCol="0">
+            <a:spAutoFit/>
+          </a:bodyPr>
+          <a:lstStyle/>
+          <a:p>
+            <a:r>
+              <a:rPr lang="en-US" dirty="0"/>
+              <a:t>Hardware</a:t>
+            </a:r>
+          </a:p>
+        </p:txBody>
+      </p:sp>
+      <p:sp>
+        <p:nvSpPr>
+          <p:cNvPr id="3" name="TextBox 2">
+            <a:extLst>
+              <a:ext uri="{FF2B5EF4-FFF2-40B4-BE49-F238E27FC236}">
+                <a16:creationId xmlns:a16="http://schemas.microsoft.com/office/drawing/2014/main" id="{93928654-EFCF-4CFF-063C-80ACAA339AC9}"/>
+              </a:ext>
+            </a:extLst>
+          </p:cNvPr>
+          <p:cNvSpPr txBox="1"/>
+          <p:nvPr/>
+        </p:nvSpPr>
+        <p:spPr>
+          <a:xfrm>
+            <a:off x="624742" y="3705041"/>
+            <a:ext cx="1118768" cy="646331"/>
+          </a:xfrm>
+          <a:prstGeom prst="rect">
+            <a:avLst/>
+          </a:prstGeom>
+          <a:noFill/>
+        </p:spPr>
+        <p:txBody>
+          <a:bodyPr wrap="none" rtlCol="0">
+            <a:spAutoFit/>
+          </a:bodyPr>
+          <a:lstStyle/>
+          <a:p>
+            <a:pPr algn="ctr"/>
+            <a:r>
+              <a:rPr lang="en-US" dirty="0"/>
+              <a:t>Operating</a:t>
+            </a:r>
+            <a:br>
+              <a:rPr lang="en-US" dirty="0"/>
+            </a:br>
+            <a:r>
+              <a:rPr lang="en-US" dirty="0"/>
+              <a:t>System</a:t>
+            </a:r>
+          </a:p>
+        </p:txBody>
+      </p:sp>
+      <p:sp>
+        <p:nvSpPr>
+          <p:cNvPr id="8" name="TextBox 7">
+            <a:extLst>
+              <a:ext uri="{FF2B5EF4-FFF2-40B4-BE49-F238E27FC236}">
+                <a16:creationId xmlns:a16="http://schemas.microsoft.com/office/drawing/2014/main" id="{8C80EC01-E0FD-0767-3726-7059185F08A3}"/>
+              </a:ext>
+            </a:extLst>
+          </p:cNvPr>
+          <p:cNvSpPr txBox="1"/>
+          <p:nvPr/>
+        </p:nvSpPr>
+        <p:spPr>
+          <a:xfrm>
+            <a:off x="805373" y="2783627"/>
+            <a:ext cx="1312988" cy="369332"/>
+          </a:xfrm>
+          <a:prstGeom prst="rect">
+            <a:avLst/>
+          </a:prstGeom>
+          <a:noFill/>
+        </p:spPr>
+        <p:txBody>
+          <a:bodyPr wrap="none" rtlCol="0">
+            <a:spAutoFit/>
+          </a:bodyPr>
+          <a:lstStyle/>
+          <a:p>
+            <a:r>
+              <a:rPr lang="en-US" dirty="0" err="1"/>
+              <a:t>syscall</a:t>
+            </a:r>
+            <a:r>
+              <a:rPr lang="en-US" dirty="0"/>
+              <a:t> (1, 0)</a:t>
+            </a:r>
+          </a:p>
+        </p:txBody>
+      </p:sp>
+      <p:sp>
+        <p:nvSpPr>
+          <p:cNvPr id="22" name="TextBox 21">
+            <a:extLst>
+              <a:ext uri="{FF2B5EF4-FFF2-40B4-BE49-F238E27FC236}">
+                <a16:creationId xmlns:a16="http://schemas.microsoft.com/office/drawing/2014/main" id="{1EF0BDBC-F4F3-6D2C-0BDA-87751384F165}"/>
+              </a:ext>
+            </a:extLst>
+          </p:cNvPr>
+          <p:cNvSpPr txBox="1"/>
+          <p:nvPr/>
+        </p:nvSpPr>
+        <p:spPr>
+          <a:xfrm>
+            <a:off x="11137513" y="1186346"/>
+            <a:ext cx="1148904" cy="646331"/>
+          </a:xfrm>
+          <a:prstGeom prst="rect">
+            <a:avLst/>
+          </a:prstGeom>
+          <a:noFill/>
+        </p:spPr>
+        <p:txBody>
+          <a:bodyPr wrap="none" rtlCol="0">
+            <a:spAutoFit/>
+          </a:bodyPr>
+          <a:lstStyle/>
+          <a:p>
+            <a:r>
+              <a:rPr lang="en-US" dirty="0" err="1"/>
+              <a:t>Userspace</a:t>
+            </a:r>
+            <a:endParaRPr lang="en-US" dirty="0"/>
+          </a:p>
+          <a:p>
+            <a:r>
+              <a:rPr lang="en-US" dirty="0"/>
+              <a:t>Userland</a:t>
+            </a:r>
+          </a:p>
+        </p:txBody>
+      </p:sp>
+      <p:sp>
+        <p:nvSpPr>
+          <p:cNvPr id="31" name="TextBox 30">
+            <a:extLst>
+              <a:ext uri="{FF2B5EF4-FFF2-40B4-BE49-F238E27FC236}">
+                <a16:creationId xmlns:a16="http://schemas.microsoft.com/office/drawing/2014/main" id="{5923CC22-9642-0CED-DD0F-2113243304F4}"/>
+              </a:ext>
+            </a:extLst>
+          </p:cNvPr>
+          <p:cNvSpPr txBox="1"/>
+          <p:nvPr/>
+        </p:nvSpPr>
+        <p:spPr>
+          <a:xfrm>
+            <a:off x="11431137" y="3661508"/>
+            <a:ext cx="786434" cy="646331"/>
+          </a:xfrm>
+          <a:prstGeom prst="rect">
+            <a:avLst/>
+          </a:prstGeom>
+          <a:noFill/>
+        </p:spPr>
+        <p:txBody>
+          <a:bodyPr wrap="none" rtlCol="0">
+            <a:spAutoFit/>
+          </a:bodyPr>
+          <a:lstStyle/>
+          <a:p>
+            <a:r>
+              <a:rPr lang="en-US" dirty="0"/>
+              <a:t>Kernel</a:t>
+            </a:r>
+          </a:p>
+          <a:p>
+            <a:r>
+              <a:rPr lang="en-US" dirty="0"/>
+              <a:t>Space</a:t>
+            </a:r>
+          </a:p>
+        </p:txBody>
+      </p:sp>
+      <p:sp>
+        <p:nvSpPr>
+          <p:cNvPr id="32" name="TextBox 31">
+            <a:extLst>
+              <a:ext uri="{FF2B5EF4-FFF2-40B4-BE49-F238E27FC236}">
+                <a16:creationId xmlns:a16="http://schemas.microsoft.com/office/drawing/2014/main" id="{2405FABB-B25D-C4D8-35F3-2845C9141624}"/>
+              </a:ext>
+            </a:extLst>
+          </p:cNvPr>
+          <p:cNvSpPr txBox="1"/>
+          <p:nvPr/>
+        </p:nvSpPr>
+        <p:spPr>
+          <a:xfrm>
+            <a:off x="824939" y="3060671"/>
+            <a:ext cx="1312988" cy="369332"/>
+          </a:xfrm>
+          <a:prstGeom prst="rect">
+            <a:avLst/>
+          </a:prstGeom>
+          <a:noFill/>
+        </p:spPr>
+        <p:txBody>
+          <a:bodyPr wrap="none" rtlCol="0">
+            <a:spAutoFit/>
+          </a:bodyPr>
+          <a:lstStyle/>
+          <a:p>
+            <a:r>
+              <a:rPr lang="en-US" dirty="0" err="1"/>
+              <a:t>syscall</a:t>
+            </a:r>
+            <a:r>
+              <a:rPr lang="en-US" dirty="0"/>
+              <a:t> (1, 0)</a:t>
+            </a:r>
+          </a:p>
+        </p:txBody>
+      </p:sp>
+      <p:sp>
+        <p:nvSpPr>
+          <p:cNvPr id="33" name="TextBox 32">
+            <a:extLst>
+              <a:ext uri="{FF2B5EF4-FFF2-40B4-BE49-F238E27FC236}">
+                <a16:creationId xmlns:a16="http://schemas.microsoft.com/office/drawing/2014/main" id="{589D2412-136C-58BA-AF5E-7E23417FCEAF}"/>
+              </a:ext>
+            </a:extLst>
+          </p:cNvPr>
+          <p:cNvSpPr txBox="1"/>
+          <p:nvPr/>
+        </p:nvSpPr>
+        <p:spPr>
+          <a:xfrm>
+            <a:off x="5110390" y="2018396"/>
+            <a:ext cx="1901579" cy="923330"/>
+          </a:xfrm>
+          <a:prstGeom prst="rect">
+            <a:avLst/>
+          </a:prstGeom>
+          <a:solidFill>
+            <a:schemeClr val="tx1"/>
+          </a:solidFill>
+        </p:spPr>
+        <p:txBody>
+          <a:bodyPr wrap="square" rtlCol="0">
+            <a:spAutoFit/>
+          </a:bodyPr>
+          <a:lstStyle/>
+          <a:p>
+            <a:r>
+              <a:rPr lang="en-US" dirty="0" err="1">
+                <a:solidFill>
+                  <a:schemeClr val="bg1">
+                    <a:lumMod val="95000"/>
+                  </a:schemeClr>
+                </a:solidFill>
+              </a:rPr>
+              <a:t>libc</a:t>
+            </a:r>
+            <a:r>
+              <a:rPr lang="en-US" dirty="0">
+                <a:solidFill>
+                  <a:schemeClr val="bg1">
+                    <a:lumMod val="95000"/>
+                  </a:schemeClr>
+                </a:solidFill>
+              </a:rPr>
+              <a:t> – Linux</a:t>
+            </a:r>
+            <a:br>
+              <a:rPr lang="en-US" dirty="0">
+                <a:solidFill>
+                  <a:schemeClr val="bg1">
+                    <a:lumMod val="95000"/>
+                  </a:schemeClr>
+                </a:solidFill>
+              </a:rPr>
+            </a:br>
+            <a:br>
+              <a:rPr lang="en-US" dirty="0">
+                <a:solidFill>
+                  <a:schemeClr val="bg1">
+                    <a:lumMod val="95000"/>
+                  </a:schemeClr>
+                </a:solidFill>
+              </a:rPr>
+            </a:br>
+            <a:endParaRPr lang="en-US" dirty="0">
+              <a:solidFill>
+                <a:schemeClr val="bg1">
+                  <a:lumMod val="95000"/>
+                </a:schemeClr>
+              </a:solidFill>
+            </a:endParaRPr>
+          </a:p>
+        </p:txBody>
+      </p:sp>
+      <p:sp>
+        <p:nvSpPr>
+          <p:cNvPr id="34" name="Rectangle 33">
+            <a:extLst>
+              <a:ext uri="{FF2B5EF4-FFF2-40B4-BE49-F238E27FC236}">
+                <a16:creationId xmlns:a16="http://schemas.microsoft.com/office/drawing/2014/main" id="{46C9BDD4-FDA2-503D-95DF-5E3FB18FD74A}"/>
+              </a:ext>
+            </a:extLst>
+          </p:cNvPr>
+          <p:cNvSpPr/>
+          <p:nvPr/>
+        </p:nvSpPr>
+        <p:spPr>
+          <a:xfrm>
+            <a:off x="5198515" y="2497977"/>
+            <a:ext cx="1711736" cy="254396"/>
+          </a:xfrm>
+          <a:prstGeom prst="rect">
+            <a:avLst/>
+          </a:prstGeom>
+          <a:solidFill>
+            <a:schemeClr val="accent1">
+              <a:lumMod val="20000"/>
+              <a:lumOff val="80000"/>
+            </a:schemeClr>
+          </a:solidFill>
+          <a:ln>
+            <a:solidFill>
+              <a:schemeClr val="accent1">
+                <a:lumMod val="20000"/>
+                <a:lumOff val="80000"/>
+              </a:schemeClr>
+            </a:solidFill>
+          </a:ln>
+        </p:spPr>
+        <p:style>
+          <a:lnRef idx="2">
+            <a:schemeClr val="accent1">
+              <a:shade val="15000"/>
+            </a:schemeClr>
+          </a:lnRef>
+          <a:fillRef idx="1">
+            <a:schemeClr val="accent1"/>
+          </a:fillRef>
+          <a:effectRef idx="0">
+            <a:schemeClr val="accent1"/>
+          </a:effectRef>
+          <a:fontRef idx="minor">
+            <a:schemeClr val="lt1"/>
+          </a:fontRef>
+        </p:style>
+        <p:txBody>
+          <a:bodyPr rtlCol="0" anchor="ctr"/>
+          <a:lstStyle/>
+          <a:p>
+            <a:pPr algn="ctr"/>
+            <a:r>
+              <a:rPr lang="en-US" dirty="0">
+                <a:solidFill>
+                  <a:srgbClr val="002060"/>
+                </a:solidFill>
+              </a:rPr>
+              <a:t>sockets - </a:t>
+            </a:r>
+            <a:r>
+              <a:rPr lang="en-US" dirty="0" err="1">
+                <a:solidFill>
+                  <a:srgbClr val="002060"/>
+                </a:solidFill>
+              </a:rPr>
+              <a:t>api</a:t>
+            </a:r>
+            <a:endParaRPr lang="en-US" dirty="0">
+              <a:solidFill>
+                <a:srgbClr val="002060"/>
+              </a:solidFill>
+            </a:endParaRPr>
+          </a:p>
+        </p:txBody>
+      </p:sp>
+    </p:spTree>
+    <p:extLst>
+      <p:ext uri="{BB962C8B-B14F-4D97-AF65-F5344CB8AC3E}">
+        <p14:creationId xmlns:p14="http://schemas.microsoft.com/office/powerpoint/2010/main" val="1688503613"/>
+      </p:ext>
+    </p:extLst>
+  </p:cSld>
+  <p:clrMapOvr>
+    <a:masterClrMapping/>
+  </p:clrMapOvr>
+</p:sld>
+</file>
+
+<file path=ppt/slides/slide4.xml><?xml version="1.0" encoding="utf-8"?>
+<p:sld xmlns:a="http://schemas.openxmlformats.org/drawingml/2006/main" xmlns:r="http://schemas.openxmlformats.org/officeDocument/2006/relationships" xmlns:p="http://schemas.openxmlformats.org/presentationml/2006/main">
+  <p:cSld>
+    <p:spTree>
+      <p:nvGrpSpPr>
+        <p:cNvPr id="1" name=""/>
+        <p:cNvGrpSpPr/>
+        <p:nvPr/>
+      </p:nvGrpSpPr>
+      <p:grpSpPr>
+        <a:xfrm>
+          <a:off x="0" y="0"/>
+          <a:ext cx="0" cy="0"/>
+          <a:chOff x="0" y="0"/>
+          <a:chExt cx="0" cy="0"/>
+        </a:xfrm>
+      </p:grpSpPr>
+      <mc:AlternateContent xmlns:mc="http://schemas.openxmlformats.org/markup-compatibility/2006">
+        <mc:Choice xmlns:p14="http://schemas.microsoft.com/office/powerpoint/2010/main" Requires="p14">
+          <p:contentPart p14:bwMode="auto" r:id="rId2">
+            <p14:nvContentPartPr>
+              <p14:cNvPr id="4" name="Ink 3">
+                <a:extLst>
+                  <a:ext uri="{FF2B5EF4-FFF2-40B4-BE49-F238E27FC236}">
+                    <a16:creationId xmlns:a16="http://schemas.microsoft.com/office/drawing/2014/main" id="{055784F9-66E8-40D0-236D-AA9F1AA2B835}"/>
+                  </a:ext>
+                </a:extLst>
+              </p14:cNvPr>
+              <p14:cNvContentPartPr/>
+              <p14:nvPr/>
+            </p14:nvContentPartPr>
+            <p14:xfrm>
+              <a:off x="335920" y="232880"/>
+              <a:ext cx="27000" cy="57240"/>
+            </p14:xfrm>
+          </p:contentPart>
+        </mc:Choice>
+        <mc:Fallback>
+          <p:pic>
+            <p:nvPicPr>
+              <p:cNvPr id="4" name="Ink 3">
+                <a:extLst>
+                  <a:ext uri="{FF2B5EF4-FFF2-40B4-BE49-F238E27FC236}">
+                    <a16:creationId xmlns:a16="http://schemas.microsoft.com/office/drawing/2014/main" id="{055784F9-66E8-40D0-236D-AA9F1AA2B835}"/>
+                  </a:ext>
+                </a:extLst>
+              </p:cNvPr>
+              <p:cNvPicPr/>
+              <p:nvPr/>
+            </p:nvPicPr>
+            <p:blipFill>
+              <a:blip r:embed="rId3"/>
+              <a:stretch>
+                <a:fillRect/>
+              </a:stretch>
+            </p:blipFill>
+            <p:spPr>
+              <a:xfrm>
+                <a:off x="326920" y="224240"/>
+                <a:ext cx="44640" cy="74880"/>
+              </a:xfrm>
+              <a:prstGeom prst="rect">
+                <a:avLst/>
+              </a:prstGeom>
+            </p:spPr>
+          </p:pic>
+        </mc:Fallback>
+      </mc:AlternateContent>
+      <mc:AlternateContent xmlns:mc="http://schemas.openxmlformats.org/markup-compatibility/2006">
+        <mc:Choice xmlns:p14="http://schemas.microsoft.com/office/powerpoint/2010/main" Requires="p14">
+          <p:contentPart p14:bwMode="auto" r:id="rId4">
+            <p14:nvContentPartPr>
+              <p14:cNvPr id="5" name="Ink 4">
+                <a:extLst>
+                  <a:ext uri="{FF2B5EF4-FFF2-40B4-BE49-F238E27FC236}">
+                    <a16:creationId xmlns:a16="http://schemas.microsoft.com/office/drawing/2014/main" id="{B7906A53-0F4A-5A39-FB7B-699038719F25}"/>
+                  </a:ext>
+                </a:extLst>
+              </p14:cNvPr>
+              <p14:cNvContentPartPr/>
+              <p14:nvPr/>
+            </p14:nvContentPartPr>
+            <p14:xfrm>
+              <a:off x="2453080" y="2340320"/>
+              <a:ext cx="1068120" cy="973800"/>
+            </p14:xfrm>
+          </p:contentPart>
+        </mc:Choice>
+        <mc:Fallback>
+          <p:pic>
+            <p:nvPicPr>
+              <p:cNvPr id="5" name="Ink 4">
+                <a:extLst>
+                  <a:ext uri="{FF2B5EF4-FFF2-40B4-BE49-F238E27FC236}">
+                    <a16:creationId xmlns:a16="http://schemas.microsoft.com/office/drawing/2014/main" id="{B7906A53-0F4A-5A39-FB7B-699038719F25}"/>
+                  </a:ext>
+                </a:extLst>
+              </p:cNvPr>
+              <p:cNvPicPr/>
+              <p:nvPr/>
+            </p:nvPicPr>
+            <p:blipFill>
+              <a:blip r:embed="rId5"/>
+              <a:stretch>
+                <a:fillRect/>
+              </a:stretch>
+            </p:blipFill>
+            <p:spPr>
+              <a:xfrm>
+                <a:off x="2444440" y="2331320"/>
+                <a:ext cx="1085760" cy="991440"/>
+              </a:xfrm>
+              <a:prstGeom prst="rect">
+                <a:avLst/>
+              </a:prstGeom>
+            </p:spPr>
+          </p:pic>
+        </mc:Fallback>
+      </mc:AlternateContent>
+      <mc:AlternateContent xmlns:mc="http://schemas.openxmlformats.org/markup-compatibility/2006">
+        <mc:Choice xmlns:p14="http://schemas.microsoft.com/office/powerpoint/2010/main" Requires="p14">
+          <p:contentPart p14:bwMode="auto" r:id="rId6">
+            <p14:nvContentPartPr>
+              <p14:cNvPr id="6" name="Ink 5">
+                <a:extLst>
+                  <a:ext uri="{FF2B5EF4-FFF2-40B4-BE49-F238E27FC236}">
+                    <a16:creationId xmlns:a16="http://schemas.microsoft.com/office/drawing/2014/main" id="{27CC276A-E512-0026-FEA9-CBFBFE23ACAF}"/>
+                  </a:ext>
+                </a:extLst>
+              </p14:cNvPr>
+              <p14:cNvContentPartPr/>
+              <p14:nvPr/>
+            </p14:nvContentPartPr>
+            <p14:xfrm>
+              <a:off x="3599680" y="2395400"/>
+              <a:ext cx="1023480" cy="945360"/>
+            </p14:xfrm>
+          </p:contentPart>
+        </mc:Choice>
+        <mc:Fallback>
+          <p:pic>
+            <p:nvPicPr>
+              <p:cNvPr id="6" name="Ink 5">
+                <a:extLst>
+                  <a:ext uri="{FF2B5EF4-FFF2-40B4-BE49-F238E27FC236}">
+                    <a16:creationId xmlns:a16="http://schemas.microsoft.com/office/drawing/2014/main" id="{27CC276A-E512-0026-FEA9-CBFBFE23ACAF}"/>
+                  </a:ext>
+                </a:extLst>
+              </p:cNvPr>
+              <p:cNvPicPr/>
+              <p:nvPr/>
+            </p:nvPicPr>
+            <p:blipFill>
+              <a:blip r:embed="rId7"/>
+              <a:stretch>
+                <a:fillRect/>
+              </a:stretch>
+            </p:blipFill>
+            <p:spPr>
+              <a:xfrm>
+                <a:off x="3590680" y="2386760"/>
+                <a:ext cx="1041120" cy="963000"/>
+              </a:xfrm>
+              <a:prstGeom prst="rect">
+                <a:avLst/>
+              </a:prstGeom>
+            </p:spPr>
+          </p:pic>
+        </mc:Fallback>
+      </mc:AlternateContent>
+      <mc:AlternateContent xmlns:mc="http://schemas.openxmlformats.org/markup-compatibility/2006">
+        <mc:Choice xmlns:p14="http://schemas.microsoft.com/office/powerpoint/2010/main" Requires="p14">
+          <p:contentPart p14:bwMode="auto" r:id="rId8">
+            <p14:nvContentPartPr>
+              <p14:cNvPr id="7" name="Ink 6">
+                <a:extLst>
+                  <a:ext uri="{FF2B5EF4-FFF2-40B4-BE49-F238E27FC236}">
+                    <a16:creationId xmlns:a16="http://schemas.microsoft.com/office/drawing/2014/main" id="{A41E286F-1536-88F6-6FB9-45EC87C3ECEF}"/>
+                  </a:ext>
+                </a:extLst>
+              </p14:cNvPr>
+              <p14:cNvContentPartPr/>
+              <p14:nvPr/>
+            </p14:nvContentPartPr>
+            <p14:xfrm>
+              <a:off x="2489800" y="2249240"/>
+              <a:ext cx="2235960" cy="1229760"/>
+            </p14:xfrm>
+          </p:contentPart>
+        </mc:Choice>
+        <mc:Fallback>
+          <p:pic>
+            <p:nvPicPr>
+              <p:cNvPr id="7" name="Ink 6">
+                <a:extLst>
+                  <a:ext uri="{FF2B5EF4-FFF2-40B4-BE49-F238E27FC236}">
+                    <a16:creationId xmlns:a16="http://schemas.microsoft.com/office/drawing/2014/main" id="{A41E286F-1536-88F6-6FB9-45EC87C3ECEF}"/>
+                  </a:ext>
+                </a:extLst>
+              </p:cNvPr>
+              <p:cNvPicPr/>
+              <p:nvPr/>
+            </p:nvPicPr>
+            <p:blipFill>
+              <a:blip r:embed="rId9"/>
+              <a:stretch>
+                <a:fillRect/>
+              </a:stretch>
+            </p:blipFill>
+            <p:spPr>
+              <a:xfrm>
+                <a:off x="2480800" y="2240240"/>
+                <a:ext cx="2253600" cy="1247400"/>
+              </a:xfrm>
+              <a:prstGeom prst="rect">
+                <a:avLst/>
+              </a:prstGeom>
+            </p:spPr>
+          </p:pic>
+        </mc:Fallback>
+      </mc:AlternateContent>
+      <p:grpSp>
+        <p:nvGrpSpPr>
+          <p:cNvPr id="14" name="Group 13">
+            <a:extLst>
+              <a:ext uri="{FF2B5EF4-FFF2-40B4-BE49-F238E27FC236}">
+                <a16:creationId xmlns:a16="http://schemas.microsoft.com/office/drawing/2014/main" id="{5C203E2C-4F3F-3A1B-BB31-19F99EBD01F0}"/>
+              </a:ext>
+            </a:extLst>
+          </p:cNvPr>
+          <p:cNvGrpSpPr/>
+          <p:nvPr/>
+        </p:nvGrpSpPr>
+        <p:grpSpPr>
+          <a:xfrm>
+            <a:off x="6268517" y="3251461"/>
+            <a:ext cx="2632320" cy="491400"/>
+            <a:chOff x="6268517" y="3251461"/>
+            <a:chExt cx="2632320" cy="491400"/>
+          </a:xfrm>
+        </p:grpSpPr>
+        <mc:AlternateContent xmlns:mc="http://schemas.openxmlformats.org/markup-compatibility/2006">
+          <mc:Choice xmlns:p14="http://schemas.microsoft.com/office/powerpoint/2010/main" Requires="p14">
+            <p:contentPart p14:bwMode="auto" r:id="rId10">
+              <p14:nvContentPartPr>
+                <p14:cNvPr id="8" name="Ink 7">
+                  <a:extLst>
+                    <a:ext uri="{FF2B5EF4-FFF2-40B4-BE49-F238E27FC236}">
+                      <a16:creationId xmlns:a16="http://schemas.microsoft.com/office/drawing/2014/main" id="{B6BC2DD9-BB3F-D62F-10CF-1F832FB6585D}"/>
+                    </a:ext>
+                  </a:extLst>
+                </p14:cNvPr>
+                <p14:cNvContentPartPr/>
+                <p14:nvPr/>
+              </p14:nvContentPartPr>
+              <p14:xfrm>
+                <a:off x="6268517" y="3427861"/>
+                <a:ext cx="73080" cy="294120"/>
+              </p14:xfrm>
+            </p:contentPart>
+          </mc:Choice>
+          <mc:Fallback>
+            <p:pic>
+              <p:nvPicPr>
+                <p:cNvPr id="8" name="Ink 7">
+                  <a:extLst>
+                    <a:ext uri="{FF2B5EF4-FFF2-40B4-BE49-F238E27FC236}">
+                      <a16:creationId xmlns:a16="http://schemas.microsoft.com/office/drawing/2014/main" id="{B6BC2DD9-BB3F-D62F-10CF-1F832FB6585D}"/>
+                    </a:ext>
+                  </a:extLst>
+                </p:cNvPr>
+                <p:cNvPicPr/>
+                <p:nvPr/>
+              </p:nvPicPr>
+              <p:blipFill>
+                <a:blip r:embed="rId11"/>
+                <a:stretch>
+                  <a:fillRect/>
+                </a:stretch>
+              </p:blipFill>
+              <p:spPr>
+                <a:xfrm>
+                  <a:off x="6259517" y="3419221"/>
+                  <a:ext cx="90720" cy="311760"/>
+                </a:xfrm>
+                <a:prstGeom prst="rect">
+                  <a:avLst/>
+                </a:prstGeom>
+              </p:spPr>
+            </p:pic>
+          </mc:Fallback>
+        </mc:AlternateContent>
+        <mc:AlternateContent xmlns:mc="http://schemas.openxmlformats.org/markup-compatibility/2006">
+          <mc:Choice xmlns:p14="http://schemas.microsoft.com/office/powerpoint/2010/main" Requires="p14">
+            <p:contentPart p14:bwMode="auto" r:id="rId12">
+              <p14:nvContentPartPr>
+                <p14:cNvPr id="9" name="Ink 8">
+                  <a:extLst>
+                    <a:ext uri="{FF2B5EF4-FFF2-40B4-BE49-F238E27FC236}">
+                      <a16:creationId xmlns:a16="http://schemas.microsoft.com/office/drawing/2014/main" id="{F6D322D6-8F61-3303-E313-A976668C1440}"/>
+                    </a:ext>
+                  </a:extLst>
+                </p14:cNvPr>
+                <p14:cNvContentPartPr/>
+                <p14:nvPr/>
+              </p14:nvContentPartPr>
+              <p14:xfrm>
+                <a:off x="6268517" y="3478621"/>
+                <a:ext cx="70560" cy="213840"/>
+              </p14:xfrm>
+            </p:contentPart>
+          </mc:Choice>
+          <mc:Fallback>
+            <p:pic>
+              <p:nvPicPr>
+                <p:cNvPr id="9" name="Ink 8">
+                  <a:extLst>
+                    <a:ext uri="{FF2B5EF4-FFF2-40B4-BE49-F238E27FC236}">
+                      <a16:creationId xmlns:a16="http://schemas.microsoft.com/office/drawing/2014/main" id="{F6D322D6-8F61-3303-E313-A976668C1440}"/>
+                    </a:ext>
+                  </a:extLst>
+                </p:cNvPr>
+                <p:cNvPicPr/>
+                <p:nvPr/>
+              </p:nvPicPr>
+              <p:blipFill>
+                <a:blip r:embed="rId13"/>
+                <a:stretch>
+                  <a:fillRect/>
+                </a:stretch>
+              </p:blipFill>
+              <p:spPr>
+                <a:xfrm>
+                  <a:off x="6259517" y="3469621"/>
+                  <a:ext cx="88200" cy="231480"/>
+                </a:xfrm>
+                <a:prstGeom prst="rect">
+                  <a:avLst/>
+                </a:prstGeom>
+              </p:spPr>
+            </p:pic>
+          </mc:Fallback>
+        </mc:AlternateContent>
+        <mc:AlternateContent xmlns:mc="http://schemas.openxmlformats.org/markup-compatibility/2006">
+          <mc:Choice xmlns:p14="http://schemas.microsoft.com/office/powerpoint/2010/main" Requires="p14">
+            <p:contentPart p14:bwMode="auto" r:id="rId14">
+              <p14:nvContentPartPr>
+                <p14:cNvPr id="11" name="Ink 10">
+                  <a:extLst>
+                    <a:ext uri="{FF2B5EF4-FFF2-40B4-BE49-F238E27FC236}">
+                      <a16:creationId xmlns:a16="http://schemas.microsoft.com/office/drawing/2014/main" id="{917A08D7-6B9A-FB77-AA02-08040B297B5C}"/>
+                    </a:ext>
+                  </a:extLst>
+                </p14:cNvPr>
+                <p14:cNvContentPartPr/>
+                <p14:nvPr/>
+              </p14:nvContentPartPr>
+              <p14:xfrm>
+                <a:off x="6340877" y="3251461"/>
+                <a:ext cx="2532240" cy="171000"/>
+              </p14:xfrm>
+            </p:contentPart>
+          </mc:Choice>
+          <mc:Fallback>
+            <p:pic>
+              <p:nvPicPr>
+                <p:cNvPr id="11" name="Ink 10">
+                  <a:extLst>
+                    <a:ext uri="{FF2B5EF4-FFF2-40B4-BE49-F238E27FC236}">
+                      <a16:creationId xmlns:a16="http://schemas.microsoft.com/office/drawing/2014/main" id="{917A08D7-6B9A-FB77-AA02-08040B297B5C}"/>
+                    </a:ext>
+                  </a:extLst>
+                </p:cNvPr>
+                <p:cNvPicPr/>
+                <p:nvPr/>
+              </p:nvPicPr>
+              <p:blipFill>
+                <a:blip r:embed="rId15"/>
+                <a:stretch>
+                  <a:fillRect/>
+                </a:stretch>
+              </p:blipFill>
+              <p:spPr>
+                <a:xfrm>
+                  <a:off x="6331877" y="3242821"/>
+                  <a:ext cx="2549880" cy="188640"/>
+                </a:xfrm>
+                <a:prstGeom prst="rect">
+                  <a:avLst/>
+                </a:prstGeom>
+              </p:spPr>
+            </p:pic>
+          </mc:Fallback>
+        </mc:AlternateContent>
+        <mc:AlternateContent xmlns:mc="http://schemas.openxmlformats.org/markup-compatibility/2006">
+          <mc:Choice xmlns:p14="http://schemas.microsoft.com/office/powerpoint/2010/main" Requires="p14">
+            <p:contentPart p14:bwMode="auto" r:id="rId16">
+              <p14:nvContentPartPr>
+                <p14:cNvPr id="13" name="Ink 12">
+                  <a:extLst>
+                    <a:ext uri="{FF2B5EF4-FFF2-40B4-BE49-F238E27FC236}">
+                      <a16:creationId xmlns:a16="http://schemas.microsoft.com/office/drawing/2014/main" id="{2A632E91-24C4-3539-BC30-4A2EEAD77EC9}"/>
+                    </a:ext>
+                  </a:extLst>
+                </p14:cNvPr>
+                <p14:cNvContentPartPr/>
+                <p14:nvPr/>
+              </p14:nvContentPartPr>
+              <p14:xfrm>
+                <a:off x="6335117" y="3577981"/>
+                <a:ext cx="2565720" cy="164880"/>
+              </p14:xfrm>
+            </p:contentPart>
+          </mc:Choice>
+          <mc:Fallback>
+            <p:pic>
+              <p:nvPicPr>
+                <p:cNvPr id="13" name="Ink 12">
+                  <a:extLst>
+                    <a:ext uri="{FF2B5EF4-FFF2-40B4-BE49-F238E27FC236}">
+                      <a16:creationId xmlns:a16="http://schemas.microsoft.com/office/drawing/2014/main" id="{2A632E91-24C4-3539-BC30-4A2EEAD77EC9}"/>
+                    </a:ext>
+                  </a:extLst>
+                </p:cNvPr>
+                <p:cNvPicPr/>
+                <p:nvPr/>
+              </p:nvPicPr>
+              <p:blipFill>
+                <a:blip r:embed="rId17"/>
+                <a:stretch>
+                  <a:fillRect/>
+                </a:stretch>
+              </p:blipFill>
+              <p:spPr>
+                <a:xfrm>
+                  <a:off x="6326117" y="3568981"/>
+                  <a:ext cx="2583360" cy="182520"/>
+                </a:xfrm>
+                <a:prstGeom prst="rect">
+                  <a:avLst/>
+                </a:prstGeom>
+              </p:spPr>
+            </p:pic>
+          </mc:Fallback>
+        </mc:AlternateContent>
+      </p:grpSp>
+      <mc:AlternateContent xmlns:mc="http://schemas.openxmlformats.org/markup-compatibility/2006">
+        <mc:Choice xmlns:p14="http://schemas.microsoft.com/office/powerpoint/2010/main" Requires="p14">
+          <p:contentPart p14:bwMode="auto" r:id="rId18">
+            <p14:nvContentPartPr>
+              <p14:cNvPr id="15" name="Ink 14">
+                <a:extLst>
+                  <a:ext uri="{FF2B5EF4-FFF2-40B4-BE49-F238E27FC236}">
+                    <a16:creationId xmlns:a16="http://schemas.microsoft.com/office/drawing/2014/main" id="{AA9F51D3-B6B9-E87F-76F5-154797214F85}"/>
+                  </a:ext>
+                </a:extLst>
+              </p14:cNvPr>
+              <p14:cNvContentPartPr/>
+              <p14:nvPr/>
+            </p14:nvContentPartPr>
+            <p14:xfrm>
+              <a:off x="8895077" y="3283141"/>
+              <a:ext cx="112680" cy="419400"/>
+            </p14:xfrm>
+          </p:contentPart>
+        </mc:Choice>
+        <mc:Fallback>
+          <p:pic>
+            <p:nvPicPr>
+              <p:cNvPr id="15" name="Ink 14">
+                <a:extLst>
+                  <a:ext uri="{FF2B5EF4-FFF2-40B4-BE49-F238E27FC236}">
+                    <a16:creationId xmlns:a16="http://schemas.microsoft.com/office/drawing/2014/main" id="{AA9F51D3-B6B9-E87F-76F5-154797214F85}"/>
+                  </a:ext>
+                </a:extLst>
+              </p:cNvPr>
+              <p:cNvPicPr/>
+              <p:nvPr/>
+            </p:nvPicPr>
+            <p:blipFill>
+              <a:blip r:embed="rId19"/>
+              <a:stretch>
+                <a:fillRect/>
+              </a:stretch>
+            </p:blipFill>
+            <p:spPr>
+              <a:xfrm>
+                <a:off x="8886077" y="3274141"/>
+                <a:ext cx="130320" cy="437040"/>
+              </a:xfrm>
+              <a:prstGeom prst="rect">
+                <a:avLst/>
+              </a:prstGeom>
+            </p:spPr>
+          </p:pic>
+        </mc:Fallback>
+      </mc:AlternateContent>
+      <mc:AlternateContent xmlns:mc="http://schemas.openxmlformats.org/markup-compatibility/2006">
+        <mc:Choice xmlns:p14="http://schemas.microsoft.com/office/powerpoint/2010/main" Requires="p14">
+          <p:contentPart p14:bwMode="auto" r:id="rId20">
+            <p14:nvContentPartPr>
+              <p14:cNvPr id="23" name="Ink 22">
+                <a:extLst>
+                  <a:ext uri="{FF2B5EF4-FFF2-40B4-BE49-F238E27FC236}">
+                    <a16:creationId xmlns:a16="http://schemas.microsoft.com/office/drawing/2014/main" id="{CE000B4B-48D3-0002-DFDA-DC4EB42F4585}"/>
+                  </a:ext>
+                </a:extLst>
+              </p14:cNvPr>
+              <p14:cNvContentPartPr/>
+              <p14:nvPr/>
+            </p14:nvContentPartPr>
+            <p14:xfrm>
+              <a:off x="6291917" y="4155061"/>
+              <a:ext cx="2739240" cy="136440"/>
+            </p14:xfrm>
+          </p:contentPart>
+        </mc:Choice>
+        <mc:Fallback>
+          <p:pic>
+            <p:nvPicPr>
+              <p:cNvPr id="23" name="Ink 22">
+                <a:extLst>
+                  <a:ext uri="{FF2B5EF4-FFF2-40B4-BE49-F238E27FC236}">
+                    <a16:creationId xmlns:a16="http://schemas.microsoft.com/office/drawing/2014/main" id="{CE000B4B-48D3-0002-DFDA-DC4EB42F4585}"/>
+                  </a:ext>
+                </a:extLst>
+              </p:cNvPr>
+              <p:cNvPicPr/>
+              <p:nvPr/>
+            </p:nvPicPr>
+            <p:blipFill>
+              <a:blip r:embed="rId21"/>
+              <a:stretch>
+                <a:fillRect/>
+              </a:stretch>
+            </p:blipFill>
+            <p:spPr>
+              <a:xfrm>
+                <a:off x="6283277" y="4146061"/>
+                <a:ext cx="2756880" cy="154080"/>
+              </a:xfrm>
+              <a:prstGeom prst="rect">
+                <a:avLst/>
+              </a:prstGeom>
+            </p:spPr>
+          </p:pic>
+        </mc:Fallback>
+      </mc:AlternateContent>
+      <p:grpSp>
+        <p:nvGrpSpPr>
+          <p:cNvPr id="29" name="Group 28">
+            <a:extLst>
+              <a:ext uri="{FF2B5EF4-FFF2-40B4-BE49-F238E27FC236}">
+                <a16:creationId xmlns:a16="http://schemas.microsoft.com/office/drawing/2014/main" id="{F4942C77-CA0E-77F7-34C8-1A1FD05EAC1F}"/>
+              </a:ext>
+            </a:extLst>
+          </p:cNvPr>
+          <p:cNvGrpSpPr/>
+          <p:nvPr/>
+        </p:nvGrpSpPr>
+        <p:grpSpPr>
+          <a:xfrm>
+            <a:off x="6305237" y="3662221"/>
+            <a:ext cx="3330720" cy="612360"/>
+            <a:chOff x="6305237" y="3662221"/>
+            <a:chExt cx="3330720" cy="612360"/>
+          </a:xfrm>
+        </p:grpSpPr>
+        <mc:AlternateContent xmlns:mc="http://schemas.openxmlformats.org/markup-compatibility/2006">
+          <mc:Choice xmlns:p14="http://schemas.microsoft.com/office/powerpoint/2010/main" Requires="p14">
+            <p:contentPart p14:bwMode="auto" r:id="rId22">
+              <p14:nvContentPartPr>
+                <p14:cNvPr id="16" name="Ink 15">
+                  <a:extLst>
+                    <a:ext uri="{FF2B5EF4-FFF2-40B4-BE49-F238E27FC236}">
+                      <a16:creationId xmlns:a16="http://schemas.microsoft.com/office/drawing/2014/main" id="{129EDD0C-2984-9846-FC17-7225928D698D}"/>
+                    </a:ext>
+                  </a:extLst>
+                </p14:cNvPr>
+                <p14:cNvContentPartPr/>
+                <p14:nvPr/>
+              </p14:nvContentPartPr>
+              <p14:xfrm>
+                <a:off x="6305237" y="3854101"/>
+                <a:ext cx="71280" cy="274680"/>
+              </p14:xfrm>
+            </p:contentPart>
+          </mc:Choice>
+          <mc:Fallback>
+            <p:pic>
+              <p:nvPicPr>
+                <p:cNvPr id="16" name="Ink 15">
+                  <a:extLst>
+                    <a:ext uri="{FF2B5EF4-FFF2-40B4-BE49-F238E27FC236}">
+                      <a16:creationId xmlns:a16="http://schemas.microsoft.com/office/drawing/2014/main" id="{129EDD0C-2984-9846-FC17-7225928D698D}"/>
+                    </a:ext>
+                  </a:extLst>
+                </p:cNvPr>
+                <p:cNvPicPr/>
+                <p:nvPr/>
+              </p:nvPicPr>
+              <p:blipFill>
+                <a:blip r:embed="rId23"/>
+                <a:stretch>
+                  <a:fillRect/>
+                </a:stretch>
+              </p:blipFill>
+              <p:spPr>
+                <a:xfrm>
+                  <a:off x="6296237" y="3845461"/>
+                  <a:ext cx="88920" cy="292320"/>
+                </a:xfrm>
+                <a:prstGeom prst="rect">
+                  <a:avLst/>
+                </a:prstGeom>
+              </p:spPr>
+            </p:pic>
+          </mc:Fallback>
+        </mc:AlternateContent>
+        <mc:AlternateContent xmlns:mc="http://schemas.openxmlformats.org/markup-compatibility/2006">
+          <mc:Choice xmlns:p14="http://schemas.microsoft.com/office/powerpoint/2010/main" Requires="p14">
+            <p:contentPart p14:bwMode="auto" r:id="rId24">
+              <p14:nvContentPartPr>
+                <p14:cNvPr id="17" name="Ink 16">
+                  <a:extLst>
+                    <a:ext uri="{FF2B5EF4-FFF2-40B4-BE49-F238E27FC236}">
+                      <a16:creationId xmlns:a16="http://schemas.microsoft.com/office/drawing/2014/main" id="{B825BA13-CF7B-AED5-1043-4CB407EF693C}"/>
+                    </a:ext>
+                  </a:extLst>
+                </p14:cNvPr>
+                <p14:cNvContentPartPr/>
+                <p14:nvPr/>
+              </p14:nvContentPartPr>
+              <p14:xfrm>
+                <a:off x="6318917" y="3788941"/>
+                <a:ext cx="1922040" cy="114480"/>
+              </p14:xfrm>
+            </p:contentPart>
+          </mc:Choice>
+          <mc:Fallback>
+            <p:pic>
+              <p:nvPicPr>
+                <p:cNvPr id="17" name="Ink 16">
+                  <a:extLst>
+                    <a:ext uri="{FF2B5EF4-FFF2-40B4-BE49-F238E27FC236}">
+                      <a16:creationId xmlns:a16="http://schemas.microsoft.com/office/drawing/2014/main" id="{B825BA13-CF7B-AED5-1043-4CB407EF693C}"/>
+                    </a:ext>
+                  </a:extLst>
+                </p:cNvPr>
+                <p:cNvPicPr/>
+                <p:nvPr/>
+              </p:nvPicPr>
+              <p:blipFill>
+                <a:blip r:embed="rId25"/>
+                <a:stretch>
+                  <a:fillRect/>
+                </a:stretch>
+              </p:blipFill>
+              <p:spPr>
+                <a:xfrm>
+                  <a:off x="6309917" y="3780301"/>
+                  <a:ext cx="1939680" cy="132120"/>
+                </a:xfrm>
+                <a:prstGeom prst="rect">
+                  <a:avLst/>
+                </a:prstGeom>
+              </p:spPr>
+            </p:pic>
+          </mc:Fallback>
+        </mc:AlternateContent>
+        <mc:AlternateContent xmlns:mc="http://schemas.openxmlformats.org/markup-compatibility/2006">
+          <mc:Choice xmlns:p14="http://schemas.microsoft.com/office/powerpoint/2010/main" Requires="p14">
+            <p:contentPart p14:bwMode="auto" r:id="rId26">
+              <p14:nvContentPartPr>
+                <p14:cNvPr id="19" name="Ink 18">
+                  <a:extLst>
+                    <a:ext uri="{FF2B5EF4-FFF2-40B4-BE49-F238E27FC236}">
+                      <a16:creationId xmlns:a16="http://schemas.microsoft.com/office/drawing/2014/main" id="{A94489A3-45B7-7B15-C05F-46543C84D924}"/>
+                    </a:ext>
+                  </a:extLst>
+                </p14:cNvPr>
+                <p14:cNvContentPartPr/>
+                <p14:nvPr/>
+              </p14:nvContentPartPr>
+              <p14:xfrm>
+                <a:off x="8245277" y="3794701"/>
+                <a:ext cx="725760" cy="72000"/>
+              </p14:xfrm>
+            </p:contentPart>
+          </mc:Choice>
+          <mc:Fallback>
+            <p:pic>
+              <p:nvPicPr>
+                <p:cNvPr id="19" name="Ink 18">
+                  <a:extLst>
+                    <a:ext uri="{FF2B5EF4-FFF2-40B4-BE49-F238E27FC236}">
+                      <a16:creationId xmlns:a16="http://schemas.microsoft.com/office/drawing/2014/main" id="{A94489A3-45B7-7B15-C05F-46543C84D924}"/>
+                    </a:ext>
+                  </a:extLst>
+                </p:cNvPr>
+                <p:cNvPicPr/>
+                <p:nvPr/>
+              </p:nvPicPr>
+              <p:blipFill>
+                <a:blip r:embed="rId27"/>
+                <a:stretch>
+                  <a:fillRect/>
+                </a:stretch>
+              </p:blipFill>
+              <p:spPr>
+                <a:xfrm>
+                  <a:off x="8236277" y="3785701"/>
+                  <a:ext cx="743400" cy="89640"/>
+                </a:xfrm>
+                <a:prstGeom prst="rect">
+                  <a:avLst/>
+                </a:prstGeom>
+              </p:spPr>
+            </p:pic>
+          </mc:Fallback>
+        </mc:AlternateContent>
+        <mc:AlternateContent xmlns:mc="http://schemas.openxmlformats.org/markup-compatibility/2006">
+          <mc:Choice xmlns:p14="http://schemas.microsoft.com/office/powerpoint/2010/main" Requires="p14">
+            <p:contentPart p14:bwMode="auto" r:id="rId28">
+              <p14:nvContentPartPr>
+                <p14:cNvPr id="20" name="Ink 19">
+                  <a:extLst>
+                    <a:ext uri="{FF2B5EF4-FFF2-40B4-BE49-F238E27FC236}">
+                      <a16:creationId xmlns:a16="http://schemas.microsoft.com/office/drawing/2014/main" id="{12E9102F-4C2E-9467-2CE7-EA5DCC94D562}"/>
+                    </a:ext>
+                  </a:extLst>
+                </p14:cNvPr>
+                <p14:cNvContentPartPr/>
+                <p14:nvPr/>
+              </p14:nvContentPartPr>
+              <p14:xfrm>
+                <a:off x="8963477" y="3866341"/>
+                <a:ext cx="360" cy="96840"/>
+              </p14:xfrm>
+            </p:contentPart>
+          </mc:Choice>
+          <mc:Fallback>
+            <p:pic>
+              <p:nvPicPr>
+                <p:cNvPr id="20" name="Ink 19">
+                  <a:extLst>
+                    <a:ext uri="{FF2B5EF4-FFF2-40B4-BE49-F238E27FC236}">
+                      <a16:creationId xmlns:a16="http://schemas.microsoft.com/office/drawing/2014/main" id="{12E9102F-4C2E-9467-2CE7-EA5DCC94D562}"/>
+                    </a:ext>
+                  </a:extLst>
+                </p:cNvPr>
+                <p:cNvPicPr/>
+                <p:nvPr/>
+              </p:nvPicPr>
+              <p:blipFill>
+                <a:blip r:embed="rId29"/>
+                <a:stretch>
+                  <a:fillRect/>
+                </a:stretch>
+              </p:blipFill>
+              <p:spPr>
+                <a:xfrm>
+                  <a:off x="8954837" y="3857701"/>
+                  <a:ext cx="18000" cy="114480"/>
+                </a:xfrm>
+                <a:prstGeom prst="rect">
+                  <a:avLst/>
+                </a:prstGeom>
+              </p:spPr>
+            </p:pic>
+          </mc:Fallback>
+        </mc:AlternateContent>
+        <mc:AlternateContent xmlns:mc="http://schemas.openxmlformats.org/markup-compatibility/2006">
+          <mc:Choice xmlns:p14="http://schemas.microsoft.com/office/powerpoint/2010/main" Requires="p14">
+            <p:contentPart p14:bwMode="auto" r:id="rId30">
+              <p14:nvContentPartPr>
+                <p14:cNvPr id="21" name="Ink 20">
+                  <a:extLst>
+                    <a:ext uri="{FF2B5EF4-FFF2-40B4-BE49-F238E27FC236}">
+                      <a16:creationId xmlns:a16="http://schemas.microsoft.com/office/drawing/2014/main" id="{CB54B4C1-6D0D-A5AF-4B73-6A2D98CD5D8B}"/>
+                    </a:ext>
+                  </a:extLst>
+                </p14:cNvPr>
+                <p14:cNvContentPartPr/>
+                <p14:nvPr/>
+              </p14:nvContentPartPr>
+              <p14:xfrm>
+                <a:off x="8963477" y="3865261"/>
+                <a:ext cx="148680" cy="329040"/>
+              </p14:xfrm>
+            </p:contentPart>
+          </mc:Choice>
+          <mc:Fallback>
+            <p:pic>
+              <p:nvPicPr>
+                <p:cNvPr id="21" name="Ink 20">
+                  <a:extLst>
+                    <a:ext uri="{FF2B5EF4-FFF2-40B4-BE49-F238E27FC236}">
+                      <a16:creationId xmlns:a16="http://schemas.microsoft.com/office/drawing/2014/main" id="{CB54B4C1-6D0D-A5AF-4B73-6A2D98CD5D8B}"/>
+                    </a:ext>
+                  </a:extLst>
+                </p:cNvPr>
+                <p:cNvPicPr/>
+                <p:nvPr/>
+              </p:nvPicPr>
+              <p:blipFill>
+                <a:blip r:embed="rId31"/>
+                <a:stretch>
+                  <a:fillRect/>
+                </a:stretch>
+              </p:blipFill>
+              <p:spPr>
+                <a:xfrm>
+                  <a:off x="8954837" y="3856621"/>
+                  <a:ext cx="166320" cy="346680"/>
+                </a:xfrm>
+                <a:prstGeom prst="rect">
+                  <a:avLst/>
+                </a:prstGeom>
+              </p:spPr>
+            </p:pic>
+          </mc:Fallback>
+        </mc:AlternateContent>
+        <mc:AlternateContent xmlns:mc="http://schemas.openxmlformats.org/markup-compatibility/2006">
+          <mc:Choice xmlns:p14="http://schemas.microsoft.com/office/powerpoint/2010/main" Requires="p14">
+            <p:contentPart p14:bwMode="auto" r:id="rId32">
+              <p14:nvContentPartPr>
+                <p14:cNvPr id="24" name="Ink 23">
+                  <a:extLst>
+                    <a:ext uri="{FF2B5EF4-FFF2-40B4-BE49-F238E27FC236}">
+                      <a16:creationId xmlns:a16="http://schemas.microsoft.com/office/drawing/2014/main" id="{71AB3FC6-6331-E76E-1710-57D013C23B17}"/>
+                    </a:ext>
+                  </a:extLst>
+                </p14:cNvPr>
+                <p14:cNvContentPartPr/>
+                <p14:nvPr/>
+              </p14:nvContentPartPr>
+              <p14:xfrm>
+                <a:off x="9108917" y="3896581"/>
+                <a:ext cx="527040" cy="378000"/>
+              </p14:xfrm>
+            </p:contentPart>
+          </mc:Choice>
+          <mc:Fallback>
+            <p:pic>
+              <p:nvPicPr>
+                <p:cNvPr id="24" name="Ink 23">
+                  <a:extLst>
+                    <a:ext uri="{FF2B5EF4-FFF2-40B4-BE49-F238E27FC236}">
+                      <a16:creationId xmlns:a16="http://schemas.microsoft.com/office/drawing/2014/main" id="{71AB3FC6-6331-E76E-1710-57D013C23B17}"/>
+                    </a:ext>
+                  </a:extLst>
+                </p:cNvPr>
+                <p:cNvPicPr/>
+                <p:nvPr/>
+              </p:nvPicPr>
+              <p:blipFill>
+                <a:blip r:embed="rId33"/>
+                <a:stretch>
+                  <a:fillRect/>
+                </a:stretch>
+              </p:blipFill>
+              <p:spPr>
+                <a:xfrm>
+                  <a:off x="9100277" y="3887581"/>
+                  <a:ext cx="544680" cy="395640"/>
+                </a:xfrm>
+                <a:prstGeom prst="rect">
+                  <a:avLst/>
+                </a:prstGeom>
+              </p:spPr>
+            </p:pic>
+          </mc:Fallback>
+        </mc:AlternateContent>
+        <mc:AlternateContent xmlns:mc="http://schemas.openxmlformats.org/markup-compatibility/2006">
+          <mc:Choice xmlns:p14="http://schemas.microsoft.com/office/powerpoint/2010/main" Requires="p14">
+            <p:contentPart p14:bwMode="auto" r:id="rId34">
+              <p14:nvContentPartPr>
+                <p14:cNvPr id="26" name="Ink 25">
+                  <a:extLst>
+                    <a:ext uri="{FF2B5EF4-FFF2-40B4-BE49-F238E27FC236}">
+                      <a16:creationId xmlns:a16="http://schemas.microsoft.com/office/drawing/2014/main" id="{DEE42C80-DB0B-E20E-EFAA-36365CD5998F}"/>
+                    </a:ext>
+                  </a:extLst>
+                </p14:cNvPr>
+                <p14:cNvContentPartPr/>
+                <p14:nvPr/>
+              </p14:nvContentPartPr>
+              <p14:xfrm>
+                <a:off x="9431837" y="3675181"/>
+                <a:ext cx="2880" cy="192240"/>
+              </p14:xfrm>
+            </p:contentPart>
+          </mc:Choice>
+          <mc:Fallback>
+            <p:pic>
+              <p:nvPicPr>
+                <p:cNvPr id="26" name="Ink 25">
+                  <a:extLst>
+                    <a:ext uri="{FF2B5EF4-FFF2-40B4-BE49-F238E27FC236}">
+                      <a16:creationId xmlns:a16="http://schemas.microsoft.com/office/drawing/2014/main" id="{DEE42C80-DB0B-E20E-EFAA-36365CD5998F}"/>
+                    </a:ext>
+                  </a:extLst>
+                </p:cNvPr>
+                <p:cNvPicPr/>
+                <p:nvPr/>
+              </p:nvPicPr>
+              <p:blipFill>
+                <a:blip r:embed="rId35"/>
+                <a:stretch>
+                  <a:fillRect/>
+                </a:stretch>
+              </p:blipFill>
+              <p:spPr>
+                <a:xfrm>
+                  <a:off x="9422837" y="3666181"/>
+                  <a:ext cx="20520" cy="209880"/>
+                </a:xfrm>
+                <a:prstGeom prst="rect">
+                  <a:avLst/>
+                </a:prstGeom>
+              </p:spPr>
+            </p:pic>
+          </mc:Fallback>
+        </mc:AlternateContent>
+        <mc:AlternateContent xmlns:mc="http://schemas.openxmlformats.org/markup-compatibility/2006">
+          <mc:Choice xmlns:p14="http://schemas.microsoft.com/office/powerpoint/2010/main" Requires="p14">
+            <p:contentPart p14:bwMode="auto" r:id="rId36">
+              <p14:nvContentPartPr>
+                <p14:cNvPr id="28" name="Ink 27">
+                  <a:extLst>
+                    <a:ext uri="{FF2B5EF4-FFF2-40B4-BE49-F238E27FC236}">
+                      <a16:creationId xmlns:a16="http://schemas.microsoft.com/office/drawing/2014/main" id="{155600D0-DC8F-E495-E585-4820ED721123}"/>
+                    </a:ext>
+                  </a:extLst>
+                </p14:cNvPr>
+                <p14:cNvContentPartPr/>
+                <p14:nvPr/>
+              </p14:nvContentPartPr>
+              <p14:xfrm>
+                <a:off x="9330677" y="3662221"/>
+                <a:ext cx="234360" cy="5040"/>
+              </p14:xfrm>
+            </p:contentPart>
+          </mc:Choice>
+          <mc:Fallback>
+            <p:pic>
+              <p:nvPicPr>
+                <p:cNvPr id="28" name="Ink 27">
+                  <a:extLst>
+                    <a:ext uri="{FF2B5EF4-FFF2-40B4-BE49-F238E27FC236}">
+                      <a16:creationId xmlns:a16="http://schemas.microsoft.com/office/drawing/2014/main" id="{155600D0-DC8F-E495-E585-4820ED721123}"/>
+                    </a:ext>
+                  </a:extLst>
+                </p:cNvPr>
+                <p:cNvPicPr/>
+                <p:nvPr/>
+              </p:nvPicPr>
+              <p:blipFill>
+                <a:blip r:embed="rId37"/>
+                <a:stretch>
+                  <a:fillRect/>
+                </a:stretch>
+              </p:blipFill>
+              <p:spPr>
+                <a:xfrm>
+                  <a:off x="9321677" y="3653221"/>
+                  <a:ext cx="252000" cy="22680"/>
+                </a:xfrm>
+                <a:prstGeom prst="rect">
+                  <a:avLst/>
+                </a:prstGeom>
+              </p:spPr>
+            </p:pic>
+          </mc:Fallback>
+        </mc:AlternateContent>
+      </p:grpSp>
+      <p:grpSp>
+        <p:nvGrpSpPr>
+          <p:cNvPr id="32" name="Group 31">
+            <a:extLst>
+              <a:ext uri="{FF2B5EF4-FFF2-40B4-BE49-F238E27FC236}">
+                <a16:creationId xmlns:a16="http://schemas.microsoft.com/office/drawing/2014/main" id="{2F8FD3CA-05D7-E18D-841E-CEC3D4E9E4B5}"/>
+              </a:ext>
+            </a:extLst>
+          </p:cNvPr>
+          <p:cNvGrpSpPr/>
+          <p:nvPr/>
+        </p:nvGrpSpPr>
+        <p:grpSpPr>
+          <a:xfrm>
+            <a:off x="5842277" y="3620821"/>
+            <a:ext cx="456840" cy="356400"/>
+            <a:chOff x="5842277" y="3620821"/>
+            <a:chExt cx="456840" cy="356400"/>
+          </a:xfrm>
+        </p:grpSpPr>
+        <mc:AlternateContent xmlns:mc="http://schemas.openxmlformats.org/markup-compatibility/2006">
+          <mc:Choice xmlns:p14="http://schemas.microsoft.com/office/powerpoint/2010/main" Requires="p14">
+            <p:contentPart p14:bwMode="auto" r:id="rId38">
+              <p14:nvContentPartPr>
+                <p14:cNvPr id="30" name="Ink 29">
+                  <a:extLst>
+                    <a:ext uri="{FF2B5EF4-FFF2-40B4-BE49-F238E27FC236}">
+                      <a16:creationId xmlns:a16="http://schemas.microsoft.com/office/drawing/2014/main" id="{8EDC46EF-5988-4735-95AC-4BF5CB0E8757}"/>
+                    </a:ext>
+                  </a:extLst>
+                </p14:cNvPr>
+                <p14:cNvContentPartPr/>
+                <p14:nvPr/>
+              </p14:nvContentPartPr>
+              <p14:xfrm>
+                <a:off x="5949197" y="3620821"/>
+                <a:ext cx="349920" cy="288720"/>
+              </p14:xfrm>
+            </p:contentPart>
+          </mc:Choice>
+          <mc:Fallback>
+            <p:pic>
+              <p:nvPicPr>
+                <p:cNvPr id="30" name="Ink 29">
+                  <a:extLst>
+                    <a:ext uri="{FF2B5EF4-FFF2-40B4-BE49-F238E27FC236}">
+                      <a16:creationId xmlns:a16="http://schemas.microsoft.com/office/drawing/2014/main" id="{8EDC46EF-5988-4735-95AC-4BF5CB0E8757}"/>
+                    </a:ext>
+                  </a:extLst>
+                </p:cNvPr>
+                <p:cNvPicPr/>
+                <p:nvPr/>
+              </p:nvPicPr>
+              <p:blipFill>
+                <a:blip r:embed="rId39"/>
+                <a:stretch>
+                  <a:fillRect/>
+                </a:stretch>
+              </p:blipFill>
+              <p:spPr>
+                <a:xfrm>
+                  <a:off x="5940557" y="3611821"/>
+                  <a:ext cx="367560" cy="306360"/>
+                </a:xfrm>
+                <a:prstGeom prst="rect">
+                  <a:avLst/>
+                </a:prstGeom>
+              </p:spPr>
+            </p:pic>
+          </mc:Fallback>
+        </mc:AlternateContent>
+        <mc:AlternateContent xmlns:mc="http://schemas.openxmlformats.org/markup-compatibility/2006">
+          <mc:Choice xmlns:p14="http://schemas.microsoft.com/office/powerpoint/2010/main" Requires="p14">
+            <p:contentPart p14:bwMode="auto" r:id="rId40">
+              <p14:nvContentPartPr>
+                <p14:cNvPr id="31" name="Ink 30">
+                  <a:extLst>
+                    <a:ext uri="{FF2B5EF4-FFF2-40B4-BE49-F238E27FC236}">
+                      <a16:creationId xmlns:a16="http://schemas.microsoft.com/office/drawing/2014/main" id="{8E22370B-5BEF-7B1C-FA89-051F3C9296AF}"/>
+                    </a:ext>
+                  </a:extLst>
+                </p14:cNvPr>
+                <p14:cNvContentPartPr/>
+                <p14:nvPr/>
+              </p14:nvContentPartPr>
+              <p14:xfrm>
+                <a:off x="5842277" y="3929701"/>
+                <a:ext cx="240840" cy="47520"/>
+              </p14:xfrm>
+            </p:contentPart>
+          </mc:Choice>
+          <mc:Fallback>
+            <p:pic>
+              <p:nvPicPr>
+                <p:cNvPr id="31" name="Ink 30">
+                  <a:extLst>
+                    <a:ext uri="{FF2B5EF4-FFF2-40B4-BE49-F238E27FC236}">
+                      <a16:creationId xmlns:a16="http://schemas.microsoft.com/office/drawing/2014/main" id="{8E22370B-5BEF-7B1C-FA89-051F3C9296AF}"/>
+                    </a:ext>
+                  </a:extLst>
+                </p:cNvPr>
+                <p:cNvPicPr/>
+                <p:nvPr/>
+              </p:nvPicPr>
+              <p:blipFill>
+                <a:blip r:embed="rId41"/>
+                <a:stretch>
+                  <a:fillRect/>
+                </a:stretch>
+              </p:blipFill>
+              <p:spPr>
+                <a:xfrm>
+                  <a:off x="5833277" y="3920701"/>
+                  <a:ext cx="258480" cy="65160"/>
+                </a:xfrm>
+                <a:prstGeom prst="rect">
+                  <a:avLst/>
+                </a:prstGeom>
+              </p:spPr>
+            </p:pic>
+          </mc:Fallback>
+        </mc:AlternateContent>
+      </p:grpSp>
+      <p:grpSp>
+        <p:nvGrpSpPr>
+          <p:cNvPr id="35" name="Group 34">
+            <a:extLst>
+              <a:ext uri="{FF2B5EF4-FFF2-40B4-BE49-F238E27FC236}">
+                <a16:creationId xmlns:a16="http://schemas.microsoft.com/office/drawing/2014/main" id="{AA203E59-6889-5DA1-C7E3-BDA0002C9ECA}"/>
+              </a:ext>
+            </a:extLst>
+          </p:cNvPr>
+          <p:cNvGrpSpPr/>
+          <p:nvPr/>
+        </p:nvGrpSpPr>
+        <p:grpSpPr>
+          <a:xfrm>
+            <a:off x="6004277" y="3438661"/>
+            <a:ext cx="252000" cy="199080"/>
+            <a:chOff x="6004277" y="3438661"/>
+            <a:chExt cx="252000" cy="199080"/>
+          </a:xfrm>
+        </p:grpSpPr>
+        <mc:AlternateContent xmlns:mc="http://schemas.openxmlformats.org/markup-compatibility/2006">
+          <mc:Choice xmlns:p14="http://schemas.microsoft.com/office/powerpoint/2010/main" Requires="p14">
+            <p:contentPart p14:bwMode="auto" r:id="rId42">
+              <p14:nvContentPartPr>
+                <p14:cNvPr id="33" name="Ink 32">
+                  <a:extLst>
+                    <a:ext uri="{FF2B5EF4-FFF2-40B4-BE49-F238E27FC236}">
+                      <a16:creationId xmlns:a16="http://schemas.microsoft.com/office/drawing/2014/main" id="{5BF27FA2-FDEF-D03D-97C8-EA21299887B8}"/>
+                    </a:ext>
+                  </a:extLst>
+                </p14:cNvPr>
+                <p14:cNvContentPartPr/>
+                <p14:nvPr/>
+              </p14:nvContentPartPr>
+              <p14:xfrm>
+                <a:off x="6074837" y="3472861"/>
+                <a:ext cx="12240" cy="164880"/>
+              </p14:xfrm>
+            </p:contentPart>
+          </mc:Choice>
+          <mc:Fallback>
+            <p:pic>
+              <p:nvPicPr>
+                <p:cNvPr id="33" name="Ink 32">
+                  <a:extLst>
+                    <a:ext uri="{FF2B5EF4-FFF2-40B4-BE49-F238E27FC236}">
+                      <a16:creationId xmlns:a16="http://schemas.microsoft.com/office/drawing/2014/main" id="{5BF27FA2-FDEF-D03D-97C8-EA21299887B8}"/>
+                    </a:ext>
+                  </a:extLst>
+                </p:cNvPr>
+                <p:cNvPicPr/>
+                <p:nvPr/>
+              </p:nvPicPr>
+              <p:blipFill>
+                <a:blip r:embed="rId43"/>
+                <a:stretch>
+                  <a:fillRect/>
+                </a:stretch>
+              </p:blipFill>
+              <p:spPr>
+                <a:xfrm>
+                  <a:off x="6066197" y="3463861"/>
+                  <a:ext cx="29880" cy="182520"/>
+                </a:xfrm>
+                <a:prstGeom prst="rect">
+                  <a:avLst/>
+                </a:prstGeom>
+              </p:spPr>
+            </p:pic>
+          </mc:Fallback>
+        </mc:AlternateContent>
+        <mc:AlternateContent xmlns:mc="http://schemas.openxmlformats.org/markup-compatibility/2006">
+          <mc:Choice xmlns:p14="http://schemas.microsoft.com/office/powerpoint/2010/main" Requires="p14">
+            <p:contentPart p14:bwMode="auto" r:id="rId44">
+              <p14:nvContentPartPr>
+                <p14:cNvPr id="34" name="Ink 33">
+                  <a:extLst>
+                    <a:ext uri="{FF2B5EF4-FFF2-40B4-BE49-F238E27FC236}">
+                      <a16:creationId xmlns:a16="http://schemas.microsoft.com/office/drawing/2014/main" id="{DFE5BF38-A687-C37A-A2D8-BE484A269FCE}"/>
+                    </a:ext>
+                  </a:extLst>
+                </p14:cNvPr>
+                <p14:cNvContentPartPr/>
+                <p14:nvPr/>
+              </p14:nvContentPartPr>
+              <p14:xfrm>
+                <a:off x="6004277" y="3438661"/>
+                <a:ext cx="252000" cy="57240"/>
+              </p14:xfrm>
+            </p:contentPart>
+          </mc:Choice>
+          <mc:Fallback>
+            <p:pic>
+              <p:nvPicPr>
+                <p:cNvPr id="34" name="Ink 33">
+                  <a:extLst>
+                    <a:ext uri="{FF2B5EF4-FFF2-40B4-BE49-F238E27FC236}">
+                      <a16:creationId xmlns:a16="http://schemas.microsoft.com/office/drawing/2014/main" id="{DFE5BF38-A687-C37A-A2D8-BE484A269FCE}"/>
+                    </a:ext>
+                  </a:extLst>
+                </p:cNvPr>
+                <p:cNvPicPr/>
+                <p:nvPr/>
+              </p:nvPicPr>
+              <p:blipFill>
+                <a:blip r:embed="rId45"/>
+                <a:stretch>
+                  <a:fillRect/>
+                </a:stretch>
+              </p:blipFill>
+              <p:spPr>
+                <a:xfrm>
+                  <a:off x="5995637" y="3429661"/>
+                  <a:ext cx="269640" cy="74880"/>
+                </a:xfrm>
+                <a:prstGeom prst="rect">
+                  <a:avLst/>
+                </a:prstGeom>
+              </p:spPr>
+            </p:pic>
+          </mc:Fallback>
+        </mc:AlternateContent>
+      </p:grpSp>
+    </p:spTree>
+    <p:extLst>
+      <p:ext uri="{BB962C8B-B14F-4D97-AF65-F5344CB8AC3E}">
+        <p14:creationId xmlns:p14="http://schemas.microsoft.com/office/powerpoint/2010/main" val="3998196647"/>
+      </p:ext>
+    </p:extLst>
+  </p:cSld>
+  <p:clrMapOvr>
+    <a:masterClrMapping/>
+  </p:clrMapOvr>
+</p:sld>
+</file>
+
 <file path=ppt/theme/theme1.xml><?xml version="1.0" encoding="utf-8"?>
 <a:theme xmlns:a="http://schemas.openxmlformats.org/drawingml/2006/main" name="Office Theme">
   <a:themeElements>
